--- a/docs/raws/diagrams.pptx
+++ b/docs/raws/diagrams.pptx
@@ -6,7 +6,13 @@
   </p:sldMasterIdLst>
   <p:sldIdLst>
     <p:sldId id="257" r:id="rId2"/>
-    <p:sldId id="256" r:id="rId3"/>
+    <p:sldId id="259" r:id="rId3"/>
+    <p:sldId id="261" r:id="rId4"/>
+    <p:sldId id="260" r:id="rId5"/>
+    <p:sldId id="256" r:id="rId6"/>
+    <p:sldId id="258" r:id="rId7"/>
+    <p:sldId id="263" r:id="rId8"/>
+    <p:sldId id="262" r:id="rId9"/>
   </p:sldIdLst>
   <p:sldSz cx="12192000" cy="6858000"/>
   <p:notesSz cx="6858000" cy="9144000"/>
@@ -105,6 +111,22 @@
       </a:defRPr>
     </a:lvl9pPr>
   </p:defaultTextStyle>
+  <p:extLst>
+    <p:ext uri="{EFAFB233-063F-42B5-8137-9DF3F51BA10A}">
+      <p15:sldGuideLst xmlns:p15="http://schemas.microsoft.com/office/powerpoint/2012/main">
+        <p15:guide id="1" orient="horz" pos="2160" userDrawn="1">
+          <p15:clr>
+            <a:srgbClr val="A4A3A4"/>
+          </p15:clr>
+        </p15:guide>
+        <p15:guide id="2" pos="3840" userDrawn="1">
+          <p15:clr>
+            <a:srgbClr val="A4A3A4"/>
+          </p15:clr>
+        </p15:guide>
+      </p15:sldGuideLst>
+    </p:ext>
+  </p:extLst>
 </p:presentation>
 </file>
 
@@ -239,7 +261,7 @@
           <a:p>
             <a:fld id="{C11A109B-BF70-4DBF-88EF-618DE184CFC0}" type="datetimeFigureOut">
               <a:rPr lang="ko-KR" altLang="en-US" smtClean="0"/>
-              <a:t>2018-09-03</a:t>
+              <a:t>2018-09-14</a:t>
             </a:fld>
             <a:endParaRPr lang="ko-KR" altLang="en-US"/>
           </a:p>
@@ -409,7 +431,7 @@
           <a:p>
             <a:fld id="{C11A109B-BF70-4DBF-88EF-618DE184CFC0}" type="datetimeFigureOut">
               <a:rPr lang="ko-KR" altLang="en-US" smtClean="0"/>
-              <a:t>2018-09-03</a:t>
+              <a:t>2018-09-14</a:t>
             </a:fld>
             <a:endParaRPr lang="ko-KR" altLang="en-US"/>
           </a:p>
@@ -589,7 +611,7 @@
           <a:p>
             <a:fld id="{C11A109B-BF70-4DBF-88EF-618DE184CFC0}" type="datetimeFigureOut">
               <a:rPr lang="ko-KR" altLang="en-US" smtClean="0"/>
-              <a:t>2018-09-03</a:t>
+              <a:t>2018-09-14</a:t>
             </a:fld>
             <a:endParaRPr lang="ko-KR" altLang="en-US"/>
           </a:p>
@@ -759,7 +781,7 @@
           <a:p>
             <a:fld id="{C11A109B-BF70-4DBF-88EF-618DE184CFC0}" type="datetimeFigureOut">
               <a:rPr lang="ko-KR" altLang="en-US" smtClean="0"/>
-              <a:t>2018-09-03</a:t>
+              <a:t>2018-09-14</a:t>
             </a:fld>
             <a:endParaRPr lang="ko-KR" altLang="en-US"/>
           </a:p>
@@ -1005,7 +1027,7 @@
           <a:p>
             <a:fld id="{C11A109B-BF70-4DBF-88EF-618DE184CFC0}" type="datetimeFigureOut">
               <a:rPr lang="ko-KR" altLang="en-US" smtClean="0"/>
-              <a:t>2018-09-03</a:t>
+              <a:t>2018-09-14</a:t>
             </a:fld>
             <a:endParaRPr lang="ko-KR" altLang="en-US"/>
           </a:p>
@@ -1237,7 +1259,7 @@
           <a:p>
             <a:fld id="{C11A109B-BF70-4DBF-88EF-618DE184CFC0}" type="datetimeFigureOut">
               <a:rPr lang="ko-KR" altLang="en-US" smtClean="0"/>
-              <a:t>2018-09-03</a:t>
+              <a:t>2018-09-14</a:t>
             </a:fld>
             <a:endParaRPr lang="ko-KR" altLang="en-US"/>
           </a:p>
@@ -1604,7 +1626,7 @@
           <a:p>
             <a:fld id="{C11A109B-BF70-4DBF-88EF-618DE184CFC0}" type="datetimeFigureOut">
               <a:rPr lang="ko-KR" altLang="en-US" smtClean="0"/>
-              <a:t>2018-09-03</a:t>
+              <a:t>2018-09-14</a:t>
             </a:fld>
             <a:endParaRPr lang="ko-KR" altLang="en-US"/>
           </a:p>
@@ -1722,7 +1744,7 @@
           <a:p>
             <a:fld id="{C11A109B-BF70-4DBF-88EF-618DE184CFC0}" type="datetimeFigureOut">
               <a:rPr lang="ko-KR" altLang="en-US" smtClean="0"/>
-              <a:t>2018-09-03</a:t>
+              <a:t>2018-09-14</a:t>
             </a:fld>
             <a:endParaRPr lang="ko-KR" altLang="en-US"/>
           </a:p>
@@ -1817,7 +1839,7 @@
           <a:p>
             <a:fld id="{C11A109B-BF70-4DBF-88EF-618DE184CFC0}" type="datetimeFigureOut">
               <a:rPr lang="ko-KR" altLang="en-US" smtClean="0"/>
-              <a:t>2018-09-03</a:t>
+              <a:t>2018-09-14</a:t>
             </a:fld>
             <a:endParaRPr lang="ko-KR" altLang="en-US"/>
           </a:p>
@@ -2094,7 +2116,7 @@
           <a:p>
             <a:fld id="{C11A109B-BF70-4DBF-88EF-618DE184CFC0}" type="datetimeFigureOut">
               <a:rPr lang="ko-KR" altLang="en-US" smtClean="0"/>
-              <a:t>2018-09-03</a:t>
+              <a:t>2018-09-14</a:t>
             </a:fld>
             <a:endParaRPr lang="ko-KR" altLang="en-US"/>
           </a:p>
@@ -2347,7 +2369,7 @@
           <a:p>
             <a:fld id="{C11A109B-BF70-4DBF-88EF-618DE184CFC0}" type="datetimeFigureOut">
               <a:rPr lang="ko-KR" altLang="en-US" smtClean="0"/>
-              <a:t>2018-09-03</a:t>
+              <a:t>2018-09-14</a:t>
             </a:fld>
             <a:endParaRPr lang="ko-KR" altLang="en-US"/>
           </a:p>
@@ -2560,7 +2582,7 @@
           <a:p>
             <a:fld id="{C11A109B-BF70-4DBF-88EF-618DE184CFC0}" type="datetimeFigureOut">
               <a:rPr lang="ko-KR" altLang="en-US" smtClean="0"/>
-              <a:t>2018-09-03</a:t>
+              <a:t>2018-09-14</a:t>
             </a:fld>
             <a:endParaRPr lang="ko-KR" altLang="en-US"/>
           </a:p>
@@ -3260,6 +3282,151 @@
           </a:fontRef>
         </p:style>
       </p:cxnSp>
+      <p:sp>
+        <p:nvSpPr>
+          <p:cNvPr id="11" name="TextBox 10"/>
+          <p:cNvSpPr txBox="1"/>
+          <p:nvPr/>
+        </p:nvSpPr>
+        <p:spPr>
+          <a:xfrm>
+            <a:off x="69251" y="154524"/>
+            <a:ext cx="3305545" cy="461665"/>
+          </a:xfrm>
+          <a:prstGeom prst="rect">
+            <a:avLst/>
+          </a:prstGeom>
+          <a:noFill/>
+        </p:spPr>
+        <p:txBody>
+          <a:bodyPr wrap="square" rtlCol="0">
+            <a:spAutoFit/>
+          </a:bodyPr>
+          <a:lstStyle/>
+          <a:p>
+            <a:r>
+              <a:rPr lang="ko-KR" altLang="en-US" sz="2400" dirty="0" smtClean="0">
+                <a:latin typeface="나눔스퀘어" panose="020B0600000101010101" pitchFamily="50" charset="-127"/>
+                <a:ea typeface="나눔스퀘어" panose="020B0600000101010101" pitchFamily="50" charset="-127"/>
+              </a:rPr>
+              <a:t>설명</a:t>
+            </a:r>
+            <a:r>
+              <a:rPr lang="en-US" altLang="ko-KR" sz="2400" dirty="0" smtClean="0">
+                <a:latin typeface="나눔스퀘어" panose="020B0600000101010101" pitchFamily="50" charset="-127"/>
+                <a:ea typeface="나눔스퀘어" panose="020B0600000101010101" pitchFamily="50" charset="-127"/>
+              </a:rPr>
+              <a:t>, </a:t>
+            </a:r>
+            <a:r>
+              <a:rPr lang="ko-KR" altLang="en-US" sz="2400" dirty="0" err="1" smtClean="0">
+                <a:latin typeface="나눔스퀘어" panose="020B0600000101010101" pitchFamily="50" charset="-127"/>
+                <a:ea typeface="나눔스퀘어" panose="020B0600000101010101" pitchFamily="50" charset="-127"/>
+              </a:rPr>
+              <a:t>나눔스퀘어</a:t>
+            </a:r>
+            <a:r>
+              <a:rPr lang="en-US" altLang="ko-KR" sz="2400" dirty="0" smtClean="0">
+                <a:latin typeface="나눔스퀘어" panose="020B0600000101010101" pitchFamily="50" charset="-127"/>
+                <a:ea typeface="나눔스퀘어" panose="020B0600000101010101" pitchFamily="50" charset="-127"/>
+              </a:rPr>
+              <a:t>, 24pt</a:t>
+            </a:r>
+            <a:endParaRPr lang="ko-KR" altLang="en-US" sz="2400" dirty="0">
+              <a:latin typeface="나눔스퀘어" panose="020B0600000101010101" pitchFamily="50" charset="-127"/>
+              <a:ea typeface="나눔스퀘어" panose="020B0600000101010101" pitchFamily="50" charset="-127"/>
+            </a:endParaRPr>
+          </a:p>
+        </p:txBody>
+      </p:sp>
+      <p:sp>
+        <p:nvSpPr>
+          <p:cNvPr id="13" name="모서리가 둥근 직사각형 12"/>
+          <p:cNvSpPr/>
+          <p:nvPr/>
+        </p:nvSpPr>
+        <p:spPr>
+          <a:xfrm>
+            <a:off x="4336641" y="2601797"/>
+            <a:ext cx="1876386" cy="1018096"/>
+          </a:xfrm>
+          <a:prstGeom prst="roundRect">
+            <a:avLst>
+              <a:gd name="adj" fmla="val 4464"/>
+            </a:avLst>
+          </a:prstGeom>
+          <a:solidFill>
+            <a:schemeClr val="bg1"/>
+          </a:solidFill>
+          <a:ln w="50800">
+            <a:solidFill>
+              <a:schemeClr val="tx1"/>
+            </a:solidFill>
+            <a:prstDash val="sysDash"/>
+          </a:ln>
+        </p:spPr>
+        <p:style>
+          <a:lnRef idx="2">
+            <a:schemeClr val="accent1">
+              <a:shade val="50000"/>
+            </a:schemeClr>
+          </a:lnRef>
+          <a:fillRef idx="1">
+            <a:schemeClr val="accent1"/>
+          </a:fillRef>
+          <a:effectRef idx="0">
+            <a:schemeClr val="accent1"/>
+          </a:effectRef>
+          <a:fontRef idx="minor">
+            <a:schemeClr val="lt1"/>
+          </a:fontRef>
+        </p:style>
+        <p:txBody>
+          <a:bodyPr rtlCol="0" anchor="ctr"/>
+          <a:lstStyle/>
+          <a:p>
+            <a:pPr algn="ctr"/>
+            <a:endParaRPr lang="ko-KR" altLang="en-US"/>
+          </a:p>
+        </p:txBody>
+      </p:sp>
+      <p:sp>
+        <p:nvSpPr>
+          <p:cNvPr id="15" name="TextBox 14"/>
+          <p:cNvSpPr txBox="1"/>
+          <p:nvPr/>
+        </p:nvSpPr>
+        <p:spPr>
+          <a:xfrm>
+            <a:off x="4750767" y="3643506"/>
+            <a:ext cx="1048134" cy="369332"/>
+          </a:xfrm>
+          <a:prstGeom prst="rect">
+            <a:avLst/>
+          </a:prstGeom>
+          <a:noFill/>
+        </p:spPr>
+        <p:txBody>
+          <a:bodyPr wrap="square" rtlCol="0" anchor="ctr">
+            <a:spAutoFit/>
+          </a:bodyPr>
+          <a:lstStyle/>
+          <a:p>
+            <a:pPr algn="ctr"/>
+            <a:r>
+              <a:rPr lang="en-US" altLang="ko-KR" b="1" dirty="0" smtClean="0">
+                <a:latin typeface="나눔스퀘어" panose="020B0600000101010101" pitchFamily="50" charset="-127"/>
+                <a:ea typeface="나눔스퀘어" panose="020B0600000101010101" pitchFamily="50" charset="-127"/>
+              </a:rPr>
+              <a:t>group</a:t>
+            </a:r>
+            <a:endParaRPr lang="ko-KR" altLang="en-US" b="1" dirty="0">
+              <a:latin typeface="나눔스퀘어" panose="020B0600000101010101" pitchFamily="50" charset="-127"/>
+              <a:ea typeface="나눔스퀘어" panose="020B0600000101010101" pitchFamily="50" charset="-127"/>
+            </a:endParaRPr>
+          </a:p>
+        </p:txBody>
+      </p:sp>
     </p:spTree>
     <p:extLst>
       <p:ext uri="{BB962C8B-B14F-4D97-AF65-F5344CB8AC3E}">
@@ -3270,10 +3437,420 @@
   <p:clrMapOvr>
     <a:masterClrMapping/>
   </p:clrMapOvr>
+  <p:timing>
+    <p:tnLst>
+      <p:par>
+        <p:cTn id="1" dur="indefinite" restart="never" nodeType="tmRoot"/>
+      </p:par>
+    </p:tnLst>
+  </p:timing>
 </p:sld>
 </file>
 
 <file path=ppt/slides/slide2.xml><?xml version="1.0" encoding="utf-8"?>
+<p:sld xmlns:a="http://schemas.openxmlformats.org/drawingml/2006/main" xmlns:r="http://schemas.openxmlformats.org/officeDocument/2006/relationships" xmlns:p="http://schemas.openxmlformats.org/presentationml/2006/main">
+  <p:cSld>
+    <p:spTree>
+      <p:nvGrpSpPr>
+        <p:cNvPr id="1" name=""/>
+        <p:cNvGrpSpPr/>
+        <p:nvPr/>
+      </p:nvGrpSpPr>
+      <p:grpSpPr>
+        <a:xfrm>
+          <a:off x="0" y="0"/>
+          <a:ext cx="0" cy="0"/>
+          <a:chOff x="0" y="0"/>
+          <a:chExt cx="0" cy="0"/>
+        </a:xfrm>
+      </p:grpSpPr>
+      <p:sp>
+        <p:nvSpPr>
+          <p:cNvPr id="2" name="제목 1"/>
+          <p:cNvSpPr>
+            <a:spLocks noGrp="1"/>
+          </p:cNvSpPr>
+          <p:nvPr>
+            <p:ph type="title"/>
+          </p:nvPr>
+        </p:nvSpPr>
+        <p:spPr/>
+        <p:txBody>
+          <a:bodyPr/>
+          <a:lstStyle/>
+          <a:p>
+            <a:r>
+              <a:rPr lang="ko-KR" altLang="en-US" dirty="0" err="1" smtClean="0"/>
+              <a:t>운영환경</a:t>
+            </a:r>
+            <a:endParaRPr lang="ko-KR" altLang="en-US" dirty="0"/>
+          </a:p>
+        </p:txBody>
+      </p:sp>
+      <p:sp>
+        <p:nvSpPr>
+          <p:cNvPr id="3" name="내용 개체 틀 2"/>
+          <p:cNvSpPr>
+            <a:spLocks noGrp="1"/>
+          </p:cNvSpPr>
+          <p:nvPr>
+            <p:ph idx="1"/>
+          </p:nvPr>
+        </p:nvSpPr>
+        <p:spPr/>
+        <p:txBody>
+          <a:bodyPr>
+            <a:normAutofit/>
+          </a:bodyPr>
+          <a:lstStyle/>
+          <a:p>
+            <a:r>
+              <a:rPr lang="en-US" altLang="ko-KR" dirty="0" smtClean="0"/>
+              <a:t>Server</a:t>
+            </a:r>
+          </a:p>
+          <a:p>
+            <a:pPr>
+              <a:buFontTx/>
+              <a:buChar char="-"/>
+            </a:pPr>
+            <a:r>
+              <a:rPr lang="en-US" altLang="ko-KR" dirty="0" smtClean="0"/>
+              <a:t>OS: CentOS 7</a:t>
+            </a:r>
+          </a:p>
+          <a:p>
+            <a:pPr>
+              <a:buFontTx/>
+              <a:buChar char="-"/>
+            </a:pPr>
+            <a:r>
+              <a:rPr lang="en-US" altLang="ko-KR" dirty="0" smtClean="0"/>
+              <a:t>WAS: tomcat 9.0</a:t>
+            </a:r>
+          </a:p>
+          <a:p>
+            <a:pPr>
+              <a:buFontTx/>
+              <a:buChar char="-"/>
+            </a:pPr>
+            <a:r>
+              <a:rPr lang="en-US" altLang="ko-KR" dirty="0" smtClean="0"/>
+              <a:t>HTTP Server: Nginx</a:t>
+            </a:r>
+          </a:p>
+          <a:p>
+            <a:pPr>
+              <a:buFontTx/>
+              <a:buChar char="-"/>
+            </a:pPr>
+            <a:r>
+              <a:rPr lang="en-US" altLang="ko-KR" dirty="0" smtClean="0"/>
+              <a:t>DBMS: </a:t>
+            </a:r>
+            <a:r>
+              <a:rPr lang="en-US" altLang="ko-KR" dirty="0" err="1" smtClean="0"/>
+              <a:t>Mysql</a:t>
+            </a:r>
+            <a:r>
+              <a:rPr lang="en-US" altLang="ko-KR" dirty="0"/>
+              <a:t> </a:t>
+            </a:r>
+            <a:r>
+              <a:rPr lang="en-US" altLang="ko-KR" dirty="0" smtClean="0"/>
+              <a:t>8</a:t>
+            </a:r>
+          </a:p>
+          <a:p>
+            <a:pPr>
+              <a:buFontTx/>
+              <a:buChar char="-"/>
+            </a:pPr>
+            <a:r>
+              <a:rPr lang="en-US" altLang="ko-KR" dirty="0" smtClean="0"/>
+              <a:t>Docker</a:t>
+            </a:r>
+          </a:p>
+        </p:txBody>
+      </p:sp>
+    </p:spTree>
+    <p:extLst>
+      <p:ext uri="{BB962C8B-B14F-4D97-AF65-F5344CB8AC3E}">
+        <p14:creationId xmlns:p14="http://schemas.microsoft.com/office/powerpoint/2010/main" val="1861633382"/>
+      </p:ext>
+    </p:extLst>
+  </p:cSld>
+  <p:clrMapOvr>
+    <a:masterClrMapping/>
+  </p:clrMapOvr>
+</p:sld>
+</file>
+
+<file path=ppt/slides/slide3.xml><?xml version="1.0" encoding="utf-8"?>
+<p:sld xmlns:a="http://schemas.openxmlformats.org/drawingml/2006/main" xmlns:r="http://schemas.openxmlformats.org/officeDocument/2006/relationships" xmlns:p="http://schemas.openxmlformats.org/presentationml/2006/main">
+  <p:cSld>
+    <p:spTree>
+      <p:nvGrpSpPr>
+        <p:cNvPr id="1" name=""/>
+        <p:cNvGrpSpPr/>
+        <p:nvPr/>
+      </p:nvGrpSpPr>
+      <p:grpSpPr>
+        <a:xfrm>
+          <a:off x="0" y="0"/>
+          <a:ext cx="0" cy="0"/>
+          <a:chOff x="0" y="0"/>
+          <a:chExt cx="0" cy="0"/>
+        </a:xfrm>
+      </p:grpSpPr>
+      <p:sp>
+        <p:nvSpPr>
+          <p:cNvPr id="2" name="제목 1"/>
+          <p:cNvSpPr>
+            <a:spLocks noGrp="1"/>
+          </p:cNvSpPr>
+          <p:nvPr>
+            <p:ph type="title"/>
+          </p:nvPr>
+        </p:nvSpPr>
+        <p:spPr/>
+        <p:txBody>
+          <a:bodyPr/>
+          <a:lstStyle/>
+          <a:p>
+            <a:r>
+              <a:rPr lang="ko-KR" altLang="en-US" dirty="0" smtClean="0"/>
+              <a:t>개발환경</a:t>
+            </a:r>
+            <a:endParaRPr lang="ko-KR" altLang="en-US" dirty="0"/>
+          </a:p>
+        </p:txBody>
+      </p:sp>
+      <p:sp>
+        <p:nvSpPr>
+          <p:cNvPr id="3" name="내용 개체 틀 2"/>
+          <p:cNvSpPr>
+            <a:spLocks noGrp="1"/>
+          </p:cNvSpPr>
+          <p:nvPr>
+            <p:ph idx="1"/>
+          </p:nvPr>
+        </p:nvSpPr>
+        <p:spPr/>
+        <p:txBody>
+          <a:bodyPr/>
+          <a:lstStyle/>
+          <a:p>
+            <a:r>
+              <a:rPr lang="en-US" altLang="ko-KR" dirty="0" smtClean="0"/>
+              <a:t>Server</a:t>
+            </a:r>
+          </a:p>
+          <a:p>
+            <a:pPr>
+              <a:buFontTx/>
+              <a:buChar char="-"/>
+            </a:pPr>
+            <a:r>
+              <a:rPr lang="en-US" altLang="ko-KR" dirty="0"/>
+              <a:t>Language : </a:t>
+            </a:r>
+            <a:r>
+              <a:rPr lang="en-US" altLang="ko-KR" dirty="0" err="1"/>
+              <a:t>Kotlin</a:t>
+            </a:r>
+            <a:endParaRPr lang="en-US" altLang="ko-KR" dirty="0"/>
+          </a:p>
+          <a:p>
+            <a:pPr>
+              <a:buFontTx/>
+              <a:buChar char="-"/>
+            </a:pPr>
+            <a:r>
+              <a:rPr lang="en-US" altLang="ko-KR" dirty="0"/>
+              <a:t>Framework/Library: Spring</a:t>
+            </a:r>
+          </a:p>
+          <a:p>
+            <a:pPr>
+              <a:buFontTx/>
+              <a:buChar char="-"/>
+            </a:pPr>
+            <a:r>
+              <a:rPr lang="en-US" altLang="ko-KR" dirty="0" smtClean="0"/>
+              <a:t>Build: </a:t>
+            </a:r>
+            <a:r>
+              <a:rPr lang="en-US" altLang="ko-KR" dirty="0" err="1" smtClean="0"/>
+              <a:t>Gradle</a:t>
+            </a:r>
+            <a:endParaRPr lang="en-US" altLang="ko-KR" dirty="0" smtClean="0"/>
+          </a:p>
+          <a:p>
+            <a:pPr>
+              <a:buFontTx/>
+              <a:buChar char="-"/>
+            </a:pPr>
+            <a:r>
+              <a:rPr lang="en-US" altLang="ko-KR" dirty="0"/>
+              <a:t>Etc.: </a:t>
+            </a:r>
+            <a:r>
+              <a:rPr lang="en-US" altLang="ko-KR" dirty="0" err="1"/>
+              <a:t>Elasticsearch</a:t>
+            </a:r>
+            <a:r>
+              <a:rPr lang="en-US" altLang="ko-KR" dirty="0"/>
+              <a:t>, </a:t>
+            </a:r>
+            <a:r>
+              <a:rPr lang="en-US" altLang="ko-KR" dirty="0" err="1"/>
+              <a:t>logstash</a:t>
+            </a:r>
+            <a:r>
+              <a:rPr lang="en-US" altLang="ko-KR" dirty="0"/>
+              <a:t>, </a:t>
+            </a:r>
+            <a:r>
+              <a:rPr lang="en-US" altLang="ko-KR" dirty="0" err="1"/>
+              <a:t>kibana</a:t>
+            </a:r>
+            <a:r>
+              <a:rPr lang="en-US" altLang="ko-KR" dirty="0"/>
+              <a:t>,</a:t>
+            </a:r>
+            <a:endParaRPr lang="ko-KR" altLang="en-US" b="1" dirty="0"/>
+          </a:p>
+        </p:txBody>
+      </p:sp>
+    </p:spTree>
+    <p:extLst>
+      <p:ext uri="{BB962C8B-B14F-4D97-AF65-F5344CB8AC3E}">
+        <p14:creationId xmlns:p14="http://schemas.microsoft.com/office/powerpoint/2010/main" val="2372358168"/>
+      </p:ext>
+    </p:extLst>
+  </p:cSld>
+  <p:clrMapOvr>
+    <a:masterClrMapping/>
+  </p:clrMapOvr>
+  <p:timing>
+    <p:tnLst>
+      <p:par>
+        <p:cTn id="1" dur="indefinite" restart="never" nodeType="tmRoot"/>
+      </p:par>
+    </p:tnLst>
+  </p:timing>
+</p:sld>
+</file>
+
+<file path=ppt/slides/slide4.xml><?xml version="1.0" encoding="utf-8"?>
+<p:sld xmlns:a="http://schemas.openxmlformats.org/drawingml/2006/main" xmlns:r="http://schemas.openxmlformats.org/officeDocument/2006/relationships" xmlns:p="http://schemas.openxmlformats.org/presentationml/2006/main">
+  <p:cSld>
+    <p:spTree>
+      <p:nvGrpSpPr>
+        <p:cNvPr id="1" name=""/>
+        <p:cNvGrpSpPr/>
+        <p:nvPr/>
+      </p:nvGrpSpPr>
+      <p:grpSpPr>
+        <a:xfrm>
+          <a:off x="0" y="0"/>
+          <a:ext cx="0" cy="0"/>
+          <a:chOff x="0" y="0"/>
+          <a:chExt cx="0" cy="0"/>
+        </a:xfrm>
+      </p:grpSpPr>
+      <p:sp>
+        <p:nvSpPr>
+          <p:cNvPr id="2" name="제목 1"/>
+          <p:cNvSpPr>
+            <a:spLocks noGrp="1"/>
+          </p:cNvSpPr>
+          <p:nvPr>
+            <p:ph type="title"/>
+          </p:nvPr>
+        </p:nvSpPr>
+        <p:spPr/>
+        <p:txBody>
+          <a:bodyPr/>
+          <a:lstStyle/>
+          <a:p>
+            <a:r>
+              <a:rPr lang="ko-KR" altLang="en-US" dirty="0" smtClean="0"/>
+              <a:t>개발환경</a:t>
+            </a:r>
+            <a:endParaRPr lang="ko-KR" altLang="en-US" dirty="0"/>
+          </a:p>
+        </p:txBody>
+      </p:sp>
+      <p:sp>
+        <p:nvSpPr>
+          <p:cNvPr id="3" name="내용 개체 틀 2"/>
+          <p:cNvSpPr>
+            <a:spLocks noGrp="1"/>
+          </p:cNvSpPr>
+          <p:nvPr>
+            <p:ph idx="1"/>
+          </p:nvPr>
+        </p:nvSpPr>
+        <p:spPr/>
+        <p:txBody>
+          <a:bodyPr/>
+          <a:lstStyle/>
+          <a:p>
+            <a:r>
+              <a:rPr lang="en-US" altLang="ko-KR" dirty="0" smtClean="0"/>
+              <a:t>Client</a:t>
+            </a:r>
+          </a:p>
+          <a:p>
+            <a:pPr>
+              <a:buFontTx/>
+              <a:buChar char="-"/>
+            </a:pPr>
+            <a:r>
+              <a:rPr lang="en-US" altLang="ko-KR" dirty="0" smtClean="0"/>
+              <a:t>Language: HTML 5/CSS 3/Typescript + </a:t>
+            </a:r>
+            <a:r>
+              <a:rPr lang="en-US" altLang="ko-KR" dirty="0" err="1" smtClean="0"/>
+              <a:t>Webpack</a:t>
+            </a:r>
+            <a:endParaRPr lang="en-US" altLang="ko-KR" dirty="0" smtClean="0"/>
+          </a:p>
+          <a:p>
+            <a:pPr>
+              <a:buFontTx/>
+              <a:buChar char="-"/>
+            </a:pPr>
+            <a:r>
+              <a:rPr lang="en-US" altLang="ko-KR" dirty="0" smtClean="0"/>
+              <a:t>Framework: Vue.js</a:t>
+            </a:r>
+          </a:p>
+          <a:p>
+            <a:pPr>
+              <a:buFontTx/>
+              <a:buChar char="-"/>
+            </a:pPr>
+            <a:endParaRPr lang="ko-KR" altLang="en-US" dirty="0"/>
+          </a:p>
+        </p:txBody>
+      </p:sp>
+    </p:spTree>
+    <p:extLst>
+      <p:ext uri="{BB962C8B-B14F-4D97-AF65-F5344CB8AC3E}">
+        <p14:creationId xmlns:p14="http://schemas.microsoft.com/office/powerpoint/2010/main" val="2056400625"/>
+      </p:ext>
+    </p:extLst>
+  </p:cSld>
+  <p:clrMapOvr>
+    <a:masterClrMapping/>
+  </p:clrMapOvr>
+</p:sld>
+</file>
+
+<file path=ppt/slides/slide5.xml><?xml version="1.0" encoding="utf-8"?>
 <p:sld xmlns:a="http://schemas.openxmlformats.org/drawingml/2006/main" xmlns:r="http://schemas.openxmlformats.org/officeDocument/2006/relationships" xmlns:p="http://schemas.openxmlformats.org/presentationml/2006/main">
   <p:cSld>
     <p:spTree>
@@ -3508,8 +4085,8 @@
         </p:nvGrpSpPr>
         <p:grpSpPr>
           <a:xfrm>
-            <a:off x="6387942" y="1261984"/>
-            <a:ext cx="2432226" cy="1669752"/>
+            <a:off x="6387942" y="1261983"/>
+            <a:ext cx="2432226" cy="3790187"/>
             <a:chOff x="2043236" y="5429839"/>
             <a:chExt cx="7230359" cy="754144"/>
           </a:xfrm>
@@ -3695,108 +4272,6 @@
                   <a:ea typeface="나눔스퀘어" panose="020B0600000101010101" pitchFamily="50" charset="-127"/>
                 </a:rPr>
                 <a:t>Web</a:t>
-              </a:r>
-              <a:endParaRPr lang="ko-KR" altLang="en-US" b="1" dirty="0">
-                <a:latin typeface="나눔스퀘어" panose="020B0600000101010101" pitchFamily="50" charset="-127"/>
-                <a:ea typeface="나눔스퀘어" panose="020B0600000101010101" pitchFamily="50" charset="-127"/>
-              </a:endParaRPr>
-            </a:p>
-          </p:txBody>
-        </p:sp>
-      </p:grpSp>
-      <p:grpSp>
-        <p:nvGrpSpPr>
-          <p:cNvPr id="19" name="그룹 18"/>
-          <p:cNvGrpSpPr/>
-          <p:nvPr/>
-        </p:nvGrpSpPr>
-        <p:grpSpPr>
-          <a:xfrm>
-            <a:off x="6387942" y="3257803"/>
-            <a:ext cx="2432226" cy="1808259"/>
-            <a:chOff x="2043236" y="5429839"/>
-            <a:chExt cx="7230359" cy="754144"/>
-          </a:xfrm>
-        </p:grpSpPr>
-        <p:sp>
-          <p:nvSpPr>
-            <p:cNvPr id="20" name="모서리가 둥근 직사각형 19"/>
-            <p:cNvSpPr/>
-            <p:nvPr/>
-          </p:nvSpPr>
-          <p:spPr>
-            <a:xfrm>
-              <a:off x="2043236" y="5429839"/>
-              <a:ext cx="7230359" cy="754144"/>
-            </a:xfrm>
-            <a:prstGeom prst="roundRect">
-              <a:avLst>
-                <a:gd name="adj" fmla="val 4464"/>
-              </a:avLst>
-            </a:prstGeom>
-            <a:solidFill>
-              <a:schemeClr val="bg1"/>
-            </a:solidFill>
-            <a:ln w="50800">
-              <a:solidFill>
-                <a:srgbClr val="4997D0"/>
-              </a:solidFill>
-            </a:ln>
-          </p:spPr>
-          <p:style>
-            <a:lnRef idx="2">
-              <a:schemeClr val="accent1">
-                <a:shade val="50000"/>
-              </a:schemeClr>
-            </a:lnRef>
-            <a:fillRef idx="1">
-              <a:schemeClr val="accent1"/>
-            </a:fillRef>
-            <a:effectRef idx="0">
-              <a:schemeClr val="accent1"/>
-            </a:effectRef>
-            <a:fontRef idx="minor">
-              <a:schemeClr val="lt1"/>
-            </a:fontRef>
-          </p:style>
-          <p:txBody>
-            <a:bodyPr rtlCol="0" anchor="ctr"/>
-            <a:lstStyle/>
-            <a:p>
-              <a:pPr algn="ctr"/>
-              <a:endParaRPr lang="ko-KR" altLang="en-US"/>
-            </a:p>
-          </p:txBody>
-        </p:sp>
-        <p:sp>
-          <p:nvSpPr>
-            <p:cNvPr id="21" name="TextBox 20"/>
-            <p:cNvSpPr txBox="1"/>
-            <p:nvPr/>
-          </p:nvSpPr>
-          <p:spPr>
-            <a:xfrm>
-              <a:off x="3641079" y="5729896"/>
-              <a:ext cx="4034673" cy="154032"/>
-            </a:xfrm>
-            <a:prstGeom prst="rect">
-              <a:avLst/>
-            </a:prstGeom>
-            <a:noFill/>
-          </p:spPr>
-          <p:txBody>
-            <a:bodyPr wrap="square" rtlCol="0" anchor="ctr">
-              <a:spAutoFit/>
-            </a:bodyPr>
-            <a:lstStyle/>
-            <a:p>
-              <a:pPr algn="ctr"/>
-              <a:r>
-                <a:rPr lang="en-US" altLang="ko-KR" b="1" dirty="0" smtClean="0">
-                  <a:latin typeface="나눔스퀘어" panose="020B0600000101010101" pitchFamily="50" charset="-127"/>
-                  <a:ea typeface="나눔스퀘어" panose="020B0600000101010101" pitchFamily="50" charset="-127"/>
-                </a:rPr>
-                <a:t>Classifier</a:t>
               </a:r>
               <a:endParaRPr lang="ko-KR" altLang="en-US" b="1" dirty="0">
                 <a:latin typeface="나눔스퀘어" panose="020B0600000101010101" pitchFamily="50" charset="-127"/>
@@ -4078,43 +4553,7 @@
         </p:nvCxnSpPr>
         <p:spPr>
           <a:xfrm>
-            <a:off x="7620135" y="2995236"/>
-            <a:ext cx="0" cy="217236"/>
-          </a:xfrm>
-          <a:prstGeom prst="straightConnector1">
-            <a:avLst/>
-          </a:prstGeom>
-          <a:ln w="38100">
-            <a:solidFill>
-              <a:schemeClr val="tx1"/>
-            </a:solidFill>
-            <a:tailEnd type="triangle"/>
-          </a:ln>
-        </p:spPr>
-        <p:style>
-          <a:lnRef idx="1">
-            <a:schemeClr val="accent1"/>
-          </a:lnRef>
-          <a:fillRef idx="0">
-            <a:schemeClr val="accent1"/>
-          </a:fillRef>
-          <a:effectRef idx="0">
-            <a:schemeClr val="accent1"/>
-          </a:effectRef>
-          <a:fontRef idx="minor">
-            <a:schemeClr val="tx1"/>
-          </a:fontRef>
-        </p:style>
-      </p:cxnSp>
-      <p:cxnSp>
-        <p:nvCxnSpPr>
-          <p:cNvPr id="36" name="직선 화살표 연결선 35"/>
-          <p:cNvCxnSpPr/>
-          <p:nvPr/>
-        </p:nvCxnSpPr>
-        <p:spPr>
-          <a:xfrm>
-            <a:off x="7620135" y="5121216"/>
+            <a:off x="7620135" y="5113533"/>
             <a:ext cx="0" cy="217236"/>
           </a:xfrm>
           <a:prstGeom prst="straightConnector1">
@@ -4541,10 +4980,3589 @@
           </p:style>
         </p:cxnSp>
       </p:grpSp>
+      <p:sp>
+        <p:nvSpPr>
+          <p:cNvPr id="37" name="TextBox 36"/>
+          <p:cNvSpPr txBox="1"/>
+          <p:nvPr/>
+        </p:nvSpPr>
+        <p:spPr>
+          <a:xfrm>
+            <a:off x="69251" y="154524"/>
+            <a:ext cx="2249743" cy="461665"/>
+          </a:xfrm>
+          <a:prstGeom prst="rect">
+            <a:avLst/>
+          </a:prstGeom>
+          <a:noFill/>
+        </p:spPr>
+        <p:txBody>
+          <a:bodyPr wrap="square" rtlCol="0">
+            <a:spAutoFit/>
+          </a:bodyPr>
+          <a:lstStyle/>
+          <a:p>
+            <a:r>
+              <a:rPr lang="ko-KR" altLang="en-US" sz="2400" dirty="0" smtClean="0">
+                <a:latin typeface="나눔스퀘어" panose="020B0600000101010101" pitchFamily="50" charset="-127"/>
+                <a:ea typeface="나눔스퀘어" panose="020B0600000101010101" pitchFamily="50" charset="-127"/>
+              </a:rPr>
+              <a:t>시스템 아키텍처</a:t>
+            </a:r>
+            <a:endParaRPr lang="ko-KR" altLang="en-US" sz="2400" dirty="0">
+              <a:latin typeface="나눔스퀘어" panose="020B0600000101010101" pitchFamily="50" charset="-127"/>
+              <a:ea typeface="나눔스퀘어" panose="020B0600000101010101" pitchFamily="50" charset="-127"/>
+            </a:endParaRPr>
+          </a:p>
+        </p:txBody>
+      </p:sp>
     </p:spTree>
     <p:extLst>
       <p:ext uri="{BB962C8B-B14F-4D97-AF65-F5344CB8AC3E}">
         <p14:creationId xmlns:p14="http://schemas.microsoft.com/office/powerpoint/2010/main" val="3333334991"/>
+      </p:ext>
+    </p:extLst>
+  </p:cSld>
+  <p:clrMapOvr>
+    <a:masterClrMapping/>
+  </p:clrMapOvr>
+  <p:timing>
+    <p:tnLst>
+      <p:par>
+        <p:cTn id="1" dur="indefinite" restart="never" nodeType="tmRoot"/>
+      </p:par>
+    </p:tnLst>
+  </p:timing>
+</p:sld>
+</file>
+
+<file path=ppt/slides/slide6.xml><?xml version="1.0" encoding="utf-8"?>
+<p:sld xmlns:a="http://schemas.openxmlformats.org/drawingml/2006/main" xmlns:r="http://schemas.openxmlformats.org/officeDocument/2006/relationships" xmlns:p="http://schemas.openxmlformats.org/presentationml/2006/main">
+  <p:cSld>
+    <p:spTree>
+      <p:nvGrpSpPr>
+        <p:cNvPr id="1" name=""/>
+        <p:cNvGrpSpPr/>
+        <p:nvPr/>
+      </p:nvGrpSpPr>
+      <p:grpSpPr>
+        <a:xfrm>
+          <a:off x="0" y="0"/>
+          <a:ext cx="0" cy="0"/>
+          <a:chOff x="0" y="0"/>
+          <a:chExt cx="0" cy="0"/>
+        </a:xfrm>
+      </p:grpSpPr>
+      <p:grpSp>
+        <p:nvGrpSpPr>
+          <p:cNvPr id="71" name="그룹 70"/>
+          <p:cNvGrpSpPr/>
+          <p:nvPr/>
+        </p:nvGrpSpPr>
+        <p:grpSpPr>
+          <a:xfrm>
+            <a:off x="5440213" y="2999044"/>
+            <a:ext cx="1256318" cy="1576799"/>
+            <a:chOff x="5552822" y="2999044"/>
+            <a:chExt cx="1256318" cy="1576799"/>
+          </a:xfrm>
+        </p:grpSpPr>
+        <p:sp>
+          <p:nvSpPr>
+            <p:cNvPr id="8" name="모서리가 둥근 직사각형 7"/>
+            <p:cNvSpPr/>
+            <p:nvPr/>
+          </p:nvSpPr>
+          <p:spPr>
+            <a:xfrm>
+              <a:off x="5552822" y="2999044"/>
+              <a:ext cx="1256318" cy="856520"/>
+            </a:xfrm>
+            <a:prstGeom prst="roundRect">
+              <a:avLst>
+                <a:gd name="adj" fmla="val 4464"/>
+              </a:avLst>
+            </a:prstGeom>
+            <a:solidFill>
+              <a:schemeClr val="bg1"/>
+            </a:solidFill>
+            <a:ln w="50800">
+              <a:solidFill>
+                <a:srgbClr val="4997D0"/>
+              </a:solidFill>
+            </a:ln>
+          </p:spPr>
+          <p:style>
+            <a:lnRef idx="2">
+              <a:schemeClr val="accent1">
+                <a:shade val="50000"/>
+              </a:schemeClr>
+            </a:lnRef>
+            <a:fillRef idx="1">
+              <a:schemeClr val="accent1"/>
+            </a:fillRef>
+            <a:effectRef idx="0">
+              <a:schemeClr val="accent1"/>
+            </a:effectRef>
+            <a:fontRef idx="minor">
+              <a:schemeClr val="lt1"/>
+            </a:fontRef>
+          </p:style>
+          <p:txBody>
+            <a:bodyPr rtlCol="0" anchor="ctr"/>
+            <a:lstStyle/>
+            <a:p>
+              <a:pPr algn="ctr"/>
+              <a:endParaRPr lang="ko-KR" altLang="en-US"/>
+            </a:p>
+          </p:txBody>
+        </p:sp>
+        <p:sp>
+          <p:nvSpPr>
+            <p:cNvPr id="9" name="TextBox 8"/>
+            <p:cNvSpPr txBox="1">
+              <a:spLocks/>
+            </p:cNvSpPr>
+            <p:nvPr/>
+          </p:nvSpPr>
+          <p:spPr>
+            <a:xfrm>
+              <a:off x="5830457" y="3929512"/>
+              <a:ext cx="701048" cy="646331"/>
+            </a:xfrm>
+            <a:prstGeom prst="rect">
+              <a:avLst/>
+            </a:prstGeom>
+            <a:noFill/>
+          </p:spPr>
+          <p:txBody>
+            <a:bodyPr wrap="square" rtlCol="0" anchor="ctr">
+              <a:spAutoFit/>
+            </a:bodyPr>
+            <a:lstStyle/>
+            <a:p>
+              <a:pPr algn="ctr"/>
+              <a:r>
+                <a:rPr lang="en-US" altLang="ko-KR" b="1" dirty="0" smtClean="0">
+                  <a:latin typeface="나눔스퀘어" panose="020B0600000101010101" pitchFamily="50" charset="-127"/>
+                  <a:ea typeface="나눔스퀘어" panose="020B0600000101010101" pitchFamily="50" charset="-127"/>
+                </a:rPr>
+                <a:t>API</a:t>
+              </a:r>
+            </a:p>
+            <a:p>
+              <a:pPr algn="ctr"/>
+              <a:r>
+                <a:rPr lang="en-US" altLang="ko-KR" b="1" dirty="0" smtClean="0">
+                  <a:latin typeface="나눔스퀘어" panose="020B0600000101010101" pitchFamily="50" charset="-127"/>
+                  <a:ea typeface="나눔스퀘어" panose="020B0600000101010101" pitchFamily="50" charset="-127"/>
+                </a:rPr>
+                <a:t>G/W</a:t>
+              </a:r>
+              <a:endParaRPr lang="ko-KR" altLang="en-US" b="1" dirty="0">
+                <a:latin typeface="나눔스퀘어" panose="020B0600000101010101" pitchFamily="50" charset="-127"/>
+                <a:ea typeface="나눔스퀘어" panose="020B0600000101010101" pitchFamily="50" charset="-127"/>
+              </a:endParaRPr>
+            </a:p>
+          </p:txBody>
+        </p:sp>
+        <p:pic>
+          <p:nvPicPr>
+            <p:cNvPr id="23" name="그림 22"/>
+            <p:cNvPicPr>
+              <a:picLocks noChangeAspect="1"/>
+            </p:cNvPicPr>
+            <p:nvPr/>
+          </p:nvPicPr>
+          <p:blipFill>
+            <a:blip r:embed="rId2" cstate="print">
+              <a:extLst>
+                <a:ext uri="{28A0092B-C50C-407E-A947-70E740481C1C}">
+                  <a14:useLocalDpi xmlns:a14="http://schemas.microsoft.com/office/drawing/2010/main" val="0"/>
+                </a:ext>
+              </a:extLst>
+            </a:blip>
+            <a:stretch>
+              <a:fillRect/>
+            </a:stretch>
+          </p:blipFill>
+          <p:spPr>
+            <a:xfrm>
+              <a:off x="5695632" y="3207539"/>
+              <a:ext cx="971676" cy="453044"/>
+            </a:xfrm>
+            <a:prstGeom prst="rect">
+              <a:avLst/>
+            </a:prstGeom>
+          </p:spPr>
+        </p:pic>
+      </p:grpSp>
+      <p:grpSp>
+        <p:nvGrpSpPr>
+          <p:cNvPr id="58" name="그룹 57"/>
+          <p:cNvGrpSpPr/>
+          <p:nvPr/>
+        </p:nvGrpSpPr>
+        <p:grpSpPr>
+          <a:xfrm>
+            <a:off x="647552" y="2972440"/>
+            <a:ext cx="1256318" cy="1376285"/>
+            <a:chOff x="1188568" y="2378415"/>
+            <a:chExt cx="1256318" cy="1376285"/>
+          </a:xfrm>
+        </p:grpSpPr>
+        <p:sp>
+          <p:nvSpPr>
+            <p:cNvPr id="5" name="모서리가 둥근 직사각형 4"/>
+            <p:cNvSpPr/>
+            <p:nvPr/>
+          </p:nvSpPr>
+          <p:spPr>
+            <a:xfrm>
+              <a:off x="1188568" y="2378415"/>
+              <a:ext cx="1256318" cy="949073"/>
+            </a:xfrm>
+            <a:prstGeom prst="roundRect">
+              <a:avLst>
+                <a:gd name="adj" fmla="val 4464"/>
+              </a:avLst>
+            </a:prstGeom>
+            <a:solidFill>
+              <a:schemeClr val="bg1"/>
+            </a:solidFill>
+            <a:ln w="50800">
+              <a:solidFill>
+                <a:srgbClr val="4997D0"/>
+              </a:solidFill>
+            </a:ln>
+          </p:spPr>
+          <p:style>
+            <a:lnRef idx="2">
+              <a:schemeClr val="accent1">
+                <a:shade val="50000"/>
+              </a:schemeClr>
+            </a:lnRef>
+            <a:fillRef idx="1">
+              <a:schemeClr val="accent1"/>
+            </a:fillRef>
+            <a:effectRef idx="0">
+              <a:schemeClr val="accent1"/>
+            </a:effectRef>
+            <a:fontRef idx="minor">
+              <a:schemeClr val="lt1"/>
+            </a:fontRef>
+          </p:style>
+          <p:txBody>
+            <a:bodyPr rtlCol="0" anchor="ctr"/>
+            <a:lstStyle/>
+            <a:p>
+              <a:pPr algn="ctr"/>
+              <a:endParaRPr lang="ko-KR" altLang="en-US"/>
+            </a:p>
+          </p:txBody>
+        </p:sp>
+        <p:sp>
+          <p:nvSpPr>
+            <p:cNvPr id="6" name="TextBox 5"/>
+            <p:cNvSpPr txBox="1"/>
+            <p:nvPr/>
+          </p:nvSpPr>
+          <p:spPr>
+            <a:xfrm>
+              <a:off x="1466203" y="3385368"/>
+              <a:ext cx="701048" cy="369332"/>
+            </a:xfrm>
+            <a:prstGeom prst="rect">
+              <a:avLst/>
+            </a:prstGeom>
+            <a:noFill/>
+          </p:spPr>
+          <p:txBody>
+            <a:bodyPr wrap="square" rtlCol="0" anchor="ctr">
+              <a:spAutoFit/>
+            </a:bodyPr>
+            <a:lstStyle/>
+            <a:p>
+              <a:pPr algn="ctr"/>
+              <a:r>
+                <a:rPr lang="en-US" altLang="ko-KR" b="1" dirty="0" smtClean="0">
+                  <a:latin typeface="나눔스퀘어" panose="020B0600000101010101" pitchFamily="50" charset="-127"/>
+                  <a:ea typeface="나눔스퀘어" panose="020B0600000101010101" pitchFamily="50" charset="-127"/>
+                </a:rPr>
+                <a:t>User</a:t>
+              </a:r>
+              <a:endParaRPr lang="ko-KR" altLang="en-US" b="1" dirty="0">
+                <a:latin typeface="나눔스퀘어" panose="020B0600000101010101" pitchFamily="50" charset="-127"/>
+                <a:ea typeface="나눔스퀘어" panose="020B0600000101010101" pitchFamily="50" charset="-127"/>
+              </a:endParaRPr>
+            </a:p>
+          </p:txBody>
+        </p:sp>
+        <p:pic>
+          <p:nvPicPr>
+            <p:cNvPr id="35" name="그림 34"/>
+            <p:cNvPicPr>
+              <a:picLocks noChangeAspect="1"/>
+            </p:cNvPicPr>
+            <p:nvPr/>
+          </p:nvPicPr>
+          <p:blipFill>
+            <a:blip r:embed="rId3" cstate="print">
+              <a:extLst>
+                <a:ext uri="{28A0092B-C50C-407E-A947-70E740481C1C}">
+                  <a14:useLocalDpi xmlns:a14="http://schemas.microsoft.com/office/drawing/2010/main" val="0"/>
+                </a:ext>
+              </a:extLst>
+            </a:blip>
+            <a:stretch>
+              <a:fillRect/>
+            </a:stretch>
+          </p:blipFill>
+          <p:spPr>
+            <a:xfrm>
+              <a:off x="1400071" y="2436295"/>
+              <a:ext cx="833311" cy="833311"/>
+            </a:xfrm>
+            <a:prstGeom prst="rect">
+              <a:avLst/>
+            </a:prstGeom>
+          </p:spPr>
+        </p:pic>
+      </p:grpSp>
+      <p:grpSp>
+        <p:nvGrpSpPr>
+          <p:cNvPr id="45" name="그룹 44"/>
+          <p:cNvGrpSpPr/>
+          <p:nvPr/>
+        </p:nvGrpSpPr>
+        <p:grpSpPr>
+          <a:xfrm>
+            <a:off x="2101195" y="3333373"/>
+            <a:ext cx="1128511" cy="176476"/>
+            <a:chOff x="1727811" y="3429000"/>
+            <a:chExt cx="1128511" cy="176476"/>
+          </a:xfrm>
+        </p:grpSpPr>
+        <p:cxnSp>
+          <p:nvCxnSpPr>
+            <p:cNvPr id="40" name="직선 화살표 연결선 39"/>
+            <p:cNvCxnSpPr/>
+            <p:nvPr/>
+          </p:nvCxnSpPr>
+          <p:spPr>
+            <a:xfrm>
+              <a:off x="1727811" y="3429000"/>
+              <a:ext cx="1128510" cy="0"/>
+            </a:xfrm>
+            <a:prstGeom prst="straightConnector1">
+              <a:avLst/>
+            </a:prstGeom>
+            <a:ln w="38100">
+              <a:solidFill>
+                <a:schemeClr val="tx1"/>
+              </a:solidFill>
+              <a:tailEnd type="triangle"/>
+            </a:ln>
+          </p:spPr>
+          <p:style>
+            <a:lnRef idx="1">
+              <a:schemeClr val="accent1"/>
+            </a:lnRef>
+            <a:fillRef idx="0">
+              <a:schemeClr val="accent1"/>
+            </a:fillRef>
+            <a:effectRef idx="0">
+              <a:schemeClr val="accent1"/>
+            </a:effectRef>
+            <a:fontRef idx="minor">
+              <a:schemeClr val="tx1"/>
+            </a:fontRef>
+          </p:style>
+        </p:cxnSp>
+        <p:cxnSp>
+          <p:nvCxnSpPr>
+            <p:cNvPr id="42" name="직선 화살표 연결선 41"/>
+            <p:cNvCxnSpPr/>
+            <p:nvPr/>
+          </p:nvCxnSpPr>
+          <p:spPr>
+            <a:xfrm flipH="1">
+              <a:off x="1727811" y="3605476"/>
+              <a:ext cx="1128511" cy="0"/>
+            </a:xfrm>
+            <a:prstGeom prst="straightConnector1">
+              <a:avLst/>
+            </a:prstGeom>
+            <a:ln w="38100">
+              <a:solidFill>
+                <a:schemeClr val="tx1"/>
+              </a:solidFill>
+              <a:tailEnd type="triangle"/>
+            </a:ln>
+          </p:spPr>
+          <p:style>
+            <a:lnRef idx="1">
+              <a:schemeClr val="accent1"/>
+            </a:lnRef>
+            <a:fillRef idx="0">
+              <a:schemeClr val="accent1"/>
+            </a:fillRef>
+            <a:effectRef idx="0">
+              <a:schemeClr val="accent1"/>
+            </a:effectRef>
+            <a:fontRef idx="minor">
+              <a:schemeClr val="tx1"/>
+            </a:fontRef>
+          </p:style>
+        </p:cxnSp>
+      </p:grpSp>
+      <p:sp>
+        <p:nvSpPr>
+          <p:cNvPr id="46" name="TextBox 45"/>
+          <p:cNvSpPr txBox="1"/>
+          <p:nvPr/>
+        </p:nvSpPr>
+        <p:spPr>
+          <a:xfrm>
+            <a:off x="69251" y="154524"/>
+            <a:ext cx="3795739" cy="461665"/>
+          </a:xfrm>
+          <a:prstGeom prst="rect">
+            <a:avLst/>
+          </a:prstGeom>
+          <a:noFill/>
+        </p:spPr>
+        <p:txBody>
+          <a:bodyPr wrap="square" rtlCol="0">
+            <a:spAutoFit/>
+          </a:bodyPr>
+          <a:lstStyle/>
+          <a:p>
+            <a:r>
+              <a:rPr lang="ko-KR" altLang="en-US" sz="2400" dirty="0" smtClean="0">
+                <a:latin typeface="나눔스퀘어" panose="020B0600000101010101" pitchFamily="50" charset="-127"/>
+                <a:ea typeface="나눔스퀘어" panose="020B0600000101010101" pitchFamily="50" charset="-127"/>
+              </a:rPr>
+              <a:t>사용자 서비스 상세 아키텍처</a:t>
+            </a:r>
+            <a:endParaRPr lang="ko-KR" altLang="en-US" sz="2400" dirty="0">
+              <a:latin typeface="나눔스퀘어" panose="020B0600000101010101" pitchFamily="50" charset="-127"/>
+              <a:ea typeface="나눔스퀘어" panose="020B0600000101010101" pitchFamily="50" charset="-127"/>
+            </a:endParaRPr>
+          </a:p>
+        </p:txBody>
+      </p:sp>
+      <p:grpSp>
+        <p:nvGrpSpPr>
+          <p:cNvPr id="56" name="그룹 55"/>
+          <p:cNvGrpSpPr/>
+          <p:nvPr/>
+        </p:nvGrpSpPr>
+        <p:grpSpPr>
+          <a:xfrm>
+            <a:off x="3550651" y="2999044"/>
+            <a:ext cx="1140210" cy="1576798"/>
+            <a:chOff x="4091667" y="2999044"/>
+            <a:chExt cx="1140210" cy="1576798"/>
+          </a:xfrm>
+        </p:grpSpPr>
+        <p:sp>
+          <p:nvSpPr>
+            <p:cNvPr id="51" name="모서리가 둥근 직사각형 50"/>
+            <p:cNvSpPr/>
+            <p:nvPr/>
+          </p:nvSpPr>
+          <p:spPr>
+            <a:xfrm>
+              <a:off x="4091667" y="2999044"/>
+              <a:ext cx="1140210" cy="856520"/>
+            </a:xfrm>
+            <a:prstGeom prst="roundRect">
+              <a:avLst>
+                <a:gd name="adj" fmla="val 4464"/>
+              </a:avLst>
+            </a:prstGeom>
+            <a:solidFill>
+              <a:schemeClr val="bg1"/>
+            </a:solidFill>
+            <a:ln w="50800">
+              <a:solidFill>
+                <a:srgbClr val="4997D0"/>
+              </a:solidFill>
+            </a:ln>
+          </p:spPr>
+          <p:style>
+            <a:lnRef idx="2">
+              <a:schemeClr val="accent1">
+                <a:shade val="50000"/>
+              </a:schemeClr>
+            </a:lnRef>
+            <a:fillRef idx="1">
+              <a:schemeClr val="accent1"/>
+            </a:fillRef>
+            <a:effectRef idx="0">
+              <a:schemeClr val="accent1"/>
+            </a:effectRef>
+            <a:fontRef idx="minor">
+              <a:schemeClr val="lt1"/>
+            </a:fontRef>
+          </p:style>
+          <p:txBody>
+            <a:bodyPr rtlCol="0" anchor="ctr"/>
+            <a:lstStyle/>
+            <a:p>
+              <a:pPr algn="ctr"/>
+              <a:endParaRPr lang="ko-KR" altLang="en-US"/>
+            </a:p>
+          </p:txBody>
+        </p:sp>
+        <p:sp>
+          <p:nvSpPr>
+            <p:cNvPr id="52" name="TextBox 51"/>
+            <p:cNvSpPr txBox="1"/>
+            <p:nvPr/>
+          </p:nvSpPr>
+          <p:spPr>
+            <a:xfrm>
+              <a:off x="4176507" y="3929511"/>
+              <a:ext cx="970528" cy="646331"/>
+            </a:xfrm>
+            <a:prstGeom prst="rect">
+              <a:avLst/>
+            </a:prstGeom>
+            <a:noFill/>
+          </p:spPr>
+          <p:txBody>
+            <a:bodyPr wrap="square" rtlCol="0" anchor="ctr">
+              <a:spAutoFit/>
+            </a:bodyPr>
+            <a:lstStyle/>
+            <a:p>
+              <a:pPr algn="ctr"/>
+              <a:r>
+                <a:rPr lang="en-US" altLang="ko-KR" b="1" dirty="0" smtClean="0">
+                  <a:latin typeface="나눔스퀘어" panose="020B0600000101010101" pitchFamily="50" charset="-127"/>
+                  <a:ea typeface="나눔스퀘어" panose="020B0600000101010101" pitchFamily="50" charset="-127"/>
+                </a:rPr>
+                <a:t>HTTP(S)</a:t>
+              </a:r>
+              <a:endParaRPr lang="en-US" altLang="ko-KR" b="1" dirty="0">
+                <a:latin typeface="나눔스퀘어" panose="020B0600000101010101" pitchFamily="50" charset="-127"/>
+                <a:ea typeface="나눔스퀘어" panose="020B0600000101010101" pitchFamily="50" charset="-127"/>
+              </a:endParaRPr>
+            </a:p>
+            <a:p>
+              <a:pPr algn="ctr"/>
+              <a:r>
+                <a:rPr lang="en-US" altLang="ko-KR" b="1" dirty="0" smtClean="0">
+                  <a:latin typeface="나눔스퀘어" panose="020B0600000101010101" pitchFamily="50" charset="-127"/>
+                  <a:ea typeface="나눔스퀘어" panose="020B0600000101010101" pitchFamily="50" charset="-127"/>
+                </a:rPr>
+                <a:t>Server</a:t>
+              </a:r>
+            </a:p>
+          </p:txBody>
+        </p:sp>
+        <p:pic>
+          <p:nvPicPr>
+            <p:cNvPr id="49" name="그림 48"/>
+            <p:cNvPicPr>
+              <a:picLocks noChangeAspect="1"/>
+            </p:cNvPicPr>
+            <p:nvPr/>
+          </p:nvPicPr>
+          <p:blipFill>
+            <a:blip r:embed="rId4" cstate="print">
+              <a:extLst>
+                <a:ext uri="{28A0092B-C50C-407E-A947-70E740481C1C}">
+                  <a14:useLocalDpi xmlns:a14="http://schemas.microsoft.com/office/drawing/2010/main" val="0"/>
+                </a:ext>
+              </a:extLst>
+            </a:blip>
+            <a:stretch>
+              <a:fillRect/>
+            </a:stretch>
+          </p:blipFill>
+          <p:spPr>
+            <a:xfrm>
+              <a:off x="4229507" y="3327488"/>
+              <a:ext cx="864528" cy="182361"/>
+            </a:xfrm>
+            <a:prstGeom prst="rect">
+              <a:avLst/>
+            </a:prstGeom>
+          </p:spPr>
+        </p:pic>
+      </p:grpSp>
+      <p:grpSp>
+        <p:nvGrpSpPr>
+          <p:cNvPr id="74" name="그룹 73"/>
+          <p:cNvGrpSpPr/>
+          <p:nvPr/>
+        </p:nvGrpSpPr>
+        <p:grpSpPr>
+          <a:xfrm>
+            <a:off x="9629084" y="1107882"/>
+            <a:ext cx="1636448" cy="4638844"/>
+            <a:chOff x="8497366" y="1396138"/>
+            <a:chExt cx="1636448" cy="4638844"/>
+          </a:xfrm>
+        </p:grpSpPr>
+        <p:sp>
+          <p:nvSpPr>
+            <p:cNvPr id="72" name="모서리가 둥근 직사각형 71"/>
+            <p:cNvSpPr/>
+            <p:nvPr/>
+          </p:nvSpPr>
+          <p:spPr>
+            <a:xfrm>
+              <a:off x="8497366" y="1396138"/>
+              <a:ext cx="1636448" cy="4062332"/>
+            </a:xfrm>
+            <a:prstGeom prst="roundRect">
+              <a:avLst>
+                <a:gd name="adj" fmla="val 4464"/>
+              </a:avLst>
+            </a:prstGeom>
+            <a:solidFill>
+              <a:schemeClr val="bg1"/>
+            </a:solidFill>
+            <a:ln w="50800">
+              <a:solidFill>
+                <a:schemeClr val="tx1"/>
+              </a:solidFill>
+              <a:prstDash val="sysDash"/>
+            </a:ln>
+          </p:spPr>
+          <p:style>
+            <a:lnRef idx="2">
+              <a:schemeClr val="accent1">
+                <a:shade val="50000"/>
+              </a:schemeClr>
+            </a:lnRef>
+            <a:fillRef idx="1">
+              <a:schemeClr val="accent1"/>
+            </a:fillRef>
+            <a:effectRef idx="0">
+              <a:schemeClr val="accent1"/>
+            </a:effectRef>
+            <a:fontRef idx="minor">
+              <a:schemeClr val="lt1"/>
+            </a:fontRef>
+          </p:style>
+          <p:txBody>
+            <a:bodyPr rtlCol="0" anchor="ctr"/>
+            <a:lstStyle/>
+            <a:p>
+              <a:pPr algn="ctr"/>
+              <a:endParaRPr lang="ko-KR" altLang="en-US"/>
+            </a:p>
+          </p:txBody>
+        </p:sp>
+        <p:sp>
+          <p:nvSpPr>
+            <p:cNvPr id="22" name="TextBox 21"/>
+            <p:cNvSpPr txBox="1"/>
+            <p:nvPr/>
+          </p:nvSpPr>
+          <p:spPr>
+            <a:xfrm>
+              <a:off x="8654451" y="5665650"/>
+              <a:ext cx="1322284" cy="369332"/>
+            </a:xfrm>
+            <a:prstGeom prst="rect">
+              <a:avLst/>
+            </a:prstGeom>
+            <a:noFill/>
+          </p:spPr>
+          <p:txBody>
+            <a:bodyPr wrap="square" rtlCol="0" anchor="ctr">
+              <a:spAutoFit/>
+            </a:bodyPr>
+            <a:lstStyle/>
+            <a:p>
+              <a:pPr algn="ctr"/>
+              <a:r>
+                <a:rPr lang="en-US" altLang="ko-KR" b="1" dirty="0" smtClean="0">
+                  <a:latin typeface="나눔스퀘어" panose="020B0600000101010101" pitchFamily="50" charset="-127"/>
+                  <a:ea typeface="나눔스퀘어" panose="020B0600000101010101" pitchFamily="50" charset="-127"/>
+                </a:rPr>
+                <a:t>Databases</a:t>
+              </a:r>
+              <a:endParaRPr lang="ko-KR" altLang="en-US" b="1" dirty="0">
+                <a:latin typeface="나눔스퀘어" panose="020B0600000101010101" pitchFamily="50" charset="-127"/>
+                <a:ea typeface="나눔스퀘어" panose="020B0600000101010101" pitchFamily="50" charset="-127"/>
+              </a:endParaRPr>
+            </a:p>
+          </p:txBody>
+        </p:sp>
+        <p:grpSp>
+          <p:nvGrpSpPr>
+            <p:cNvPr id="57" name="그룹 56"/>
+            <p:cNvGrpSpPr/>
+            <p:nvPr/>
+          </p:nvGrpSpPr>
+          <p:grpSpPr>
+            <a:xfrm>
+              <a:off x="8620728" y="1639656"/>
+              <a:ext cx="1389730" cy="1221234"/>
+              <a:chOff x="8620728" y="890371"/>
+              <a:chExt cx="1389730" cy="1221234"/>
+            </a:xfrm>
+          </p:grpSpPr>
+          <p:sp>
+            <p:nvSpPr>
+              <p:cNvPr id="21" name="모서리가 둥근 직사각형 20"/>
+              <p:cNvSpPr/>
+              <p:nvPr/>
+            </p:nvSpPr>
+            <p:spPr>
+              <a:xfrm>
+                <a:off x="8620728" y="890371"/>
+                <a:ext cx="1389730" cy="1221234"/>
+              </a:xfrm>
+              <a:prstGeom prst="roundRect">
+                <a:avLst>
+                  <a:gd name="adj" fmla="val 4464"/>
+                </a:avLst>
+              </a:prstGeom>
+              <a:solidFill>
+                <a:schemeClr val="bg1"/>
+              </a:solidFill>
+              <a:ln w="50800">
+                <a:solidFill>
+                  <a:srgbClr val="4997D0"/>
+                </a:solidFill>
+              </a:ln>
+            </p:spPr>
+            <p:style>
+              <a:lnRef idx="2">
+                <a:schemeClr val="accent1">
+                  <a:shade val="50000"/>
+                </a:schemeClr>
+              </a:lnRef>
+              <a:fillRef idx="1">
+                <a:schemeClr val="accent1"/>
+              </a:fillRef>
+              <a:effectRef idx="0">
+                <a:schemeClr val="accent1"/>
+              </a:effectRef>
+              <a:fontRef idx="minor">
+                <a:schemeClr val="lt1"/>
+              </a:fontRef>
+            </p:style>
+            <p:txBody>
+              <a:bodyPr rtlCol="0" anchor="ctr"/>
+              <a:lstStyle/>
+              <a:p>
+                <a:pPr algn="ctr"/>
+                <a:endParaRPr lang="ko-KR" altLang="en-US"/>
+              </a:p>
+            </p:txBody>
+          </p:sp>
+          <p:pic>
+            <p:nvPicPr>
+              <p:cNvPr id="2" name="그림 1"/>
+              <p:cNvPicPr>
+                <a:picLocks noChangeAspect="1"/>
+              </p:cNvPicPr>
+              <p:nvPr/>
+            </p:nvPicPr>
+            <p:blipFill>
+              <a:blip r:embed="rId5" cstate="print">
+                <a:extLst>
+                  <a:ext uri="{28A0092B-C50C-407E-A947-70E740481C1C}">
+                    <a14:useLocalDpi xmlns:a14="http://schemas.microsoft.com/office/drawing/2010/main" val="0"/>
+                  </a:ext>
+                </a:extLst>
+              </a:blip>
+              <a:stretch>
+                <a:fillRect/>
+              </a:stretch>
+            </p:blipFill>
+            <p:spPr>
+              <a:xfrm>
+                <a:off x="8858391" y="1106271"/>
+                <a:ext cx="914402" cy="789434"/>
+              </a:xfrm>
+              <a:prstGeom prst="rect">
+                <a:avLst/>
+              </a:prstGeom>
+            </p:spPr>
+          </p:pic>
+        </p:grpSp>
+        <p:grpSp>
+          <p:nvGrpSpPr>
+            <p:cNvPr id="67" name="그룹 66"/>
+            <p:cNvGrpSpPr/>
+            <p:nvPr/>
+          </p:nvGrpSpPr>
+          <p:grpSpPr>
+            <a:xfrm>
+              <a:off x="8620729" y="4200607"/>
+              <a:ext cx="1389730" cy="1018096"/>
+              <a:chOff x="8620729" y="4575842"/>
+              <a:chExt cx="1389730" cy="1018096"/>
+            </a:xfrm>
+          </p:grpSpPr>
+          <p:sp>
+            <p:nvSpPr>
+              <p:cNvPr id="60" name="모서리가 둥근 직사각형 59"/>
+              <p:cNvSpPr/>
+              <p:nvPr/>
+            </p:nvSpPr>
+            <p:spPr>
+              <a:xfrm>
+                <a:off x="8620729" y="4575842"/>
+                <a:ext cx="1389730" cy="1018096"/>
+              </a:xfrm>
+              <a:prstGeom prst="roundRect">
+                <a:avLst>
+                  <a:gd name="adj" fmla="val 4464"/>
+                </a:avLst>
+              </a:prstGeom>
+              <a:solidFill>
+                <a:schemeClr val="bg1"/>
+              </a:solidFill>
+              <a:ln w="50800">
+                <a:solidFill>
+                  <a:srgbClr val="4997D0"/>
+                </a:solidFill>
+              </a:ln>
+            </p:spPr>
+            <p:style>
+              <a:lnRef idx="2">
+                <a:schemeClr val="accent1">
+                  <a:shade val="50000"/>
+                </a:schemeClr>
+              </a:lnRef>
+              <a:fillRef idx="1">
+                <a:schemeClr val="accent1"/>
+              </a:fillRef>
+              <a:effectRef idx="0">
+                <a:schemeClr val="accent1"/>
+              </a:effectRef>
+              <a:fontRef idx="minor">
+                <a:schemeClr val="lt1"/>
+              </a:fontRef>
+            </p:style>
+            <p:txBody>
+              <a:bodyPr rtlCol="0" anchor="ctr"/>
+              <a:lstStyle/>
+              <a:p>
+                <a:pPr algn="ctr"/>
+                <a:endParaRPr lang="ko-KR" altLang="en-US"/>
+              </a:p>
+            </p:txBody>
+          </p:sp>
+          <p:pic>
+            <p:nvPicPr>
+              <p:cNvPr id="37" name="그림 36"/>
+              <p:cNvPicPr>
+                <a:picLocks noChangeAspect="1"/>
+              </p:cNvPicPr>
+              <p:nvPr/>
+            </p:nvPicPr>
+            <p:blipFill>
+              <a:blip r:embed="rId6" cstate="print">
+                <a:extLst>
+                  <a:ext uri="{28A0092B-C50C-407E-A947-70E740481C1C}">
+                    <a14:useLocalDpi xmlns:a14="http://schemas.microsoft.com/office/drawing/2010/main" val="0"/>
+                  </a:ext>
+                </a:extLst>
+              </a:blip>
+              <a:stretch>
+                <a:fillRect/>
+              </a:stretch>
+            </p:blipFill>
+            <p:spPr>
+              <a:xfrm>
+                <a:off x="8675772" y="4788138"/>
+                <a:ext cx="1279639" cy="582314"/>
+              </a:xfrm>
+              <a:prstGeom prst="rect">
+                <a:avLst/>
+              </a:prstGeom>
+            </p:spPr>
+          </p:pic>
+        </p:grpSp>
+        <p:grpSp>
+          <p:nvGrpSpPr>
+            <p:cNvPr id="70" name="그룹 69"/>
+            <p:cNvGrpSpPr/>
+            <p:nvPr/>
+          </p:nvGrpSpPr>
+          <p:grpSpPr>
+            <a:xfrm>
+              <a:off x="8620729" y="3024809"/>
+              <a:ext cx="1389730" cy="1065993"/>
+              <a:chOff x="8620729" y="3562941"/>
+              <a:chExt cx="1389730" cy="1065993"/>
+            </a:xfrm>
+          </p:grpSpPr>
+          <p:cxnSp>
+            <p:nvCxnSpPr>
+              <p:cNvPr id="69" name="직선 화살표 연결선 68"/>
+              <p:cNvCxnSpPr/>
+              <p:nvPr/>
+            </p:nvCxnSpPr>
+            <p:spPr>
+              <a:xfrm>
+                <a:off x="9315590" y="3562941"/>
+                <a:ext cx="0" cy="1065993"/>
+              </a:xfrm>
+              <a:prstGeom prst="straightConnector1">
+                <a:avLst/>
+              </a:prstGeom>
+              <a:ln w="38100">
+                <a:solidFill>
+                  <a:schemeClr val="tx1"/>
+                </a:solidFill>
+                <a:tailEnd type="triangle"/>
+              </a:ln>
+            </p:spPr>
+            <p:style>
+              <a:lnRef idx="1">
+                <a:schemeClr val="accent1"/>
+              </a:lnRef>
+              <a:fillRef idx="0">
+                <a:schemeClr val="accent1"/>
+              </a:fillRef>
+              <a:effectRef idx="0">
+                <a:schemeClr val="accent1"/>
+              </a:effectRef>
+              <a:fontRef idx="minor">
+                <a:schemeClr val="tx1"/>
+              </a:fontRef>
+            </p:style>
+          </p:cxnSp>
+          <p:grpSp>
+            <p:nvGrpSpPr>
+              <p:cNvPr id="66" name="그룹 65"/>
+              <p:cNvGrpSpPr/>
+              <p:nvPr/>
+            </p:nvGrpSpPr>
+            <p:grpSpPr>
+              <a:xfrm>
+                <a:off x="8620729" y="3797791"/>
+                <a:ext cx="1389730" cy="532216"/>
+                <a:chOff x="8620729" y="3747808"/>
+                <a:chExt cx="1389730" cy="532216"/>
+              </a:xfrm>
+            </p:grpSpPr>
+            <p:sp>
+              <p:nvSpPr>
+                <p:cNvPr id="65" name="모서리가 둥근 직사각형 64"/>
+                <p:cNvSpPr/>
+                <p:nvPr/>
+              </p:nvSpPr>
+              <p:spPr>
+                <a:xfrm>
+                  <a:off x="8620729" y="3789154"/>
+                  <a:ext cx="1389730" cy="459486"/>
+                </a:xfrm>
+                <a:prstGeom prst="roundRect">
+                  <a:avLst>
+                    <a:gd name="adj" fmla="val 4464"/>
+                  </a:avLst>
+                </a:prstGeom>
+                <a:solidFill>
+                  <a:schemeClr val="bg1"/>
+                </a:solidFill>
+                <a:ln w="50800">
+                  <a:solidFill>
+                    <a:srgbClr val="4997D0"/>
+                  </a:solidFill>
+                </a:ln>
+              </p:spPr>
+              <p:style>
+                <a:lnRef idx="2">
+                  <a:schemeClr val="accent1">
+                    <a:shade val="50000"/>
+                  </a:schemeClr>
+                </a:lnRef>
+                <a:fillRef idx="1">
+                  <a:schemeClr val="accent1"/>
+                </a:fillRef>
+                <a:effectRef idx="0">
+                  <a:schemeClr val="accent1"/>
+                </a:effectRef>
+                <a:fontRef idx="minor">
+                  <a:schemeClr val="lt1"/>
+                </a:fontRef>
+              </p:style>
+              <p:txBody>
+                <a:bodyPr rtlCol="0" anchor="ctr"/>
+                <a:lstStyle/>
+                <a:p>
+                  <a:pPr algn="ctr"/>
+                  <a:endParaRPr lang="ko-KR" altLang="en-US"/>
+                </a:p>
+              </p:txBody>
+            </p:sp>
+            <p:pic>
+              <p:nvPicPr>
+                <p:cNvPr id="63" name="그림 62"/>
+                <p:cNvPicPr>
+                  <a:picLocks noChangeAspect="1"/>
+                </p:cNvPicPr>
+                <p:nvPr/>
+              </p:nvPicPr>
+              <p:blipFill>
+                <a:blip r:embed="rId7" cstate="print">
+                  <a:extLst>
+                    <a:ext uri="{28A0092B-C50C-407E-A947-70E740481C1C}">
+                      <a14:useLocalDpi xmlns:a14="http://schemas.microsoft.com/office/drawing/2010/main" val="0"/>
+                    </a:ext>
+                  </a:extLst>
+                </a:blip>
+                <a:stretch>
+                  <a:fillRect/>
+                </a:stretch>
+              </p:blipFill>
+              <p:spPr>
+                <a:xfrm>
+                  <a:off x="8730816" y="3747808"/>
+                  <a:ext cx="1169549" cy="532216"/>
+                </a:xfrm>
+                <a:prstGeom prst="rect">
+                  <a:avLst/>
+                </a:prstGeom>
+              </p:spPr>
+            </p:pic>
+          </p:grpSp>
+        </p:grpSp>
+      </p:grpSp>
+      <p:grpSp>
+        <p:nvGrpSpPr>
+          <p:cNvPr id="78" name="그룹 77"/>
+          <p:cNvGrpSpPr/>
+          <p:nvPr/>
+        </p:nvGrpSpPr>
+        <p:grpSpPr>
+          <a:xfrm>
+            <a:off x="7267344" y="432980"/>
+            <a:ext cx="1654091" cy="5971375"/>
+            <a:chOff x="6886595" y="698828"/>
+            <a:chExt cx="1654091" cy="5971375"/>
+          </a:xfrm>
+        </p:grpSpPr>
+        <p:sp>
+          <p:nvSpPr>
+            <p:cNvPr id="75" name="모서리가 둥근 직사각형 74"/>
+            <p:cNvSpPr/>
+            <p:nvPr/>
+          </p:nvSpPr>
+          <p:spPr>
+            <a:xfrm>
+              <a:off x="6886595" y="698828"/>
+              <a:ext cx="1636448" cy="5513436"/>
+            </a:xfrm>
+            <a:prstGeom prst="roundRect">
+              <a:avLst>
+                <a:gd name="adj" fmla="val 4464"/>
+              </a:avLst>
+            </a:prstGeom>
+            <a:solidFill>
+              <a:schemeClr val="bg1"/>
+            </a:solidFill>
+            <a:ln w="50800">
+              <a:solidFill>
+                <a:schemeClr val="tx1"/>
+              </a:solidFill>
+              <a:prstDash val="sysDash"/>
+            </a:ln>
+          </p:spPr>
+          <p:style>
+            <a:lnRef idx="2">
+              <a:schemeClr val="accent1">
+                <a:shade val="50000"/>
+              </a:schemeClr>
+            </a:lnRef>
+            <a:fillRef idx="1">
+              <a:schemeClr val="accent1"/>
+            </a:fillRef>
+            <a:effectRef idx="0">
+              <a:schemeClr val="accent1"/>
+            </a:effectRef>
+            <a:fontRef idx="minor">
+              <a:schemeClr val="lt1"/>
+            </a:fontRef>
+          </p:style>
+          <p:txBody>
+            <a:bodyPr rtlCol="0" anchor="ctr"/>
+            <a:lstStyle/>
+            <a:p>
+              <a:pPr algn="ctr"/>
+              <a:endParaRPr lang="ko-KR" altLang="en-US"/>
+            </a:p>
+          </p:txBody>
+        </p:sp>
+        <p:grpSp>
+          <p:nvGrpSpPr>
+            <p:cNvPr id="28" name="그룹 27"/>
+            <p:cNvGrpSpPr/>
+            <p:nvPr/>
+          </p:nvGrpSpPr>
+          <p:grpSpPr>
+            <a:xfrm>
+              <a:off x="7086775" y="890373"/>
+              <a:ext cx="1256318" cy="1594259"/>
+              <a:chOff x="8152485" y="922020"/>
+              <a:chExt cx="1256318" cy="1594259"/>
+            </a:xfrm>
+          </p:grpSpPr>
+          <p:grpSp>
+            <p:nvGrpSpPr>
+              <p:cNvPr id="10" name="그룹 9"/>
+              <p:cNvGrpSpPr/>
+              <p:nvPr/>
+            </p:nvGrpSpPr>
+            <p:grpSpPr>
+              <a:xfrm>
+                <a:off x="8152485" y="922020"/>
+                <a:ext cx="1256318" cy="1594259"/>
+                <a:chOff x="2043236" y="5429839"/>
+                <a:chExt cx="7230359" cy="754144"/>
+              </a:xfrm>
+            </p:grpSpPr>
+            <p:sp>
+              <p:nvSpPr>
+                <p:cNvPr id="11" name="모서리가 둥근 직사각형 10"/>
+                <p:cNvSpPr/>
+                <p:nvPr/>
+              </p:nvSpPr>
+              <p:spPr>
+                <a:xfrm>
+                  <a:off x="2043236" y="5429839"/>
+                  <a:ext cx="7230359" cy="754144"/>
+                </a:xfrm>
+                <a:prstGeom prst="roundRect">
+                  <a:avLst>
+                    <a:gd name="adj" fmla="val 4464"/>
+                  </a:avLst>
+                </a:prstGeom>
+                <a:solidFill>
+                  <a:schemeClr val="bg1"/>
+                </a:solidFill>
+                <a:ln w="50800">
+                  <a:solidFill>
+                    <a:srgbClr val="4997D0"/>
+                  </a:solidFill>
+                </a:ln>
+              </p:spPr>
+              <p:style>
+                <a:lnRef idx="2">
+                  <a:schemeClr val="accent1">
+                    <a:shade val="50000"/>
+                  </a:schemeClr>
+                </a:lnRef>
+                <a:fillRef idx="1">
+                  <a:schemeClr val="accent1"/>
+                </a:fillRef>
+                <a:effectRef idx="0">
+                  <a:schemeClr val="accent1"/>
+                </a:effectRef>
+                <a:fontRef idx="minor">
+                  <a:schemeClr val="lt1"/>
+                </a:fontRef>
+              </p:style>
+              <p:txBody>
+                <a:bodyPr rtlCol="0" anchor="ctr"/>
+                <a:lstStyle/>
+                <a:p>
+                  <a:pPr algn="ctr"/>
+                  <a:endParaRPr lang="ko-KR" altLang="en-US"/>
+                </a:p>
+              </p:txBody>
+            </p:sp>
+            <p:sp>
+              <p:nvSpPr>
+                <p:cNvPr id="12" name="TextBox 11"/>
+                <p:cNvSpPr txBox="1"/>
+                <p:nvPr/>
+              </p:nvSpPr>
+              <p:spPr>
+                <a:xfrm>
+                  <a:off x="3634249" y="5702386"/>
+                  <a:ext cx="4034670" cy="305739"/>
+                </a:xfrm>
+                <a:prstGeom prst="rect">
+                  <a:avLst/>
+                </a:prstGeom>
+                <a:noFill/>
+              </p:spPr>
+              <p:txBody>
+                <a:bodyPr wrap="square" rtlCol="0" anchor="ctr">
+                  <a:spAutoFit/>
+                </a:bodyPr>
+                <a:lstStyle/>
+                <a:p>
+                  <a:pPr algn="ctr"/>
+                  <a:r>
+                    <a:rPr lang="en-US" altLang="ko-KR" b="1" dirty="0" smtClean="0">
+                      <a:latin typeface="나눔스퀘어" panose="020B0600000101010101" pitchFamily="50" charset="-127"/>
+                      <a:ea typeface="나눔스퀘어" panose="020B0600000101010101" pitchFamily="50" charset="-127"/>
+                    </a:rPr>
+                    <a:t>Auth.</a:t>
+                  </a:r>
+                </a:p>
+                <a:p>
+                  <a:pPr algn="ctr"/>
+                  <a:r>
+                    <a:rPr lang="en-US" altLang="ko-KR" b="1" dirty="0" smtClean="0">
+                      <a:latin typeface="나눔스퀘어" panose="020B0600000101010101" pitchFamily="50" charset="-127"/>
+                      <a:ea typeface="나눔스퀘어" panose="020B0600000101010101" pitchFamily="50" charset="-127"/>
+                    </a:rPr>
+                    <a:t>API</a:t>
+                  </a:r>
+                  <a:endParaRPr lang="ko-KR" altLang="en-US" b="1" dirty="0">
+                    <a:latin typeface="나눔스퀘어" panose="020B0600000101010101" pitchFamily="50" charset="-127"/>
+                    <a:ea typeface="나눔스퀘어" panose="020B0600000101010101" pitchFamily="50" charset="-127"/>
+                  </a:endParaRPr>
+                </a:p>
+              </p:txBody>
+            </p:sp>
+          </p:grpSp>
+          <p:pic>
+            <p:nvPicPr>
+              <p:cNvPr id="26" name="그림 25"/>
+              <p:cNvPicPr>
+                <a:picLocks noChangeAspect="1"/>
+              </p:cNvPicPr>
+              <p:nvPr/>
+            </p:nvPicPr>
+            <p:blipFill>
+              <a:blip r:embed="rId8">
+                <a:extLst>
+                  <a:ext uri="{28A0092B-C50C-407E-A947-70E740481C1C}">
+                    <a14:useLocalDpi xmlns:a14="http://schemas.microsoft.com/office/drawing/2010/main" val="0"/>
+                  </a:ext>
+                </a:extLst>
+              </a:blip>
+              <a:stretch>
+                <a:fillRect/>
+              </a:stretch>
+            </p:blipFill>
+            <p:spPr>
+              <a:xfrm>
+                <a:off x="8430120" y="1124494"/>
+                <a:ext cx="706981" cy="373690"/>
+              </a:xfrm>
+              <a:prstGeom prst="rect">
+                <a:avLst/>
+              </a:prstGeom>
+            </p:spPr>
+          </p:pic>
+        </p:grpSp>
+        <p:grpSp>
+          <p:nvGrpSpPr>
+            <p:cNvPr id="31" name="그룹 30"/>
+            <p:cNvGrpSpPr/>
+            <p:nvPr/>
+          </p:nvGrpSpPr>
+          <p:grpSpPr>
+            <a:xfrm>
+              <a:off x="7086775" y="4426460"/>
+              <a:ext cx="1256318" cy="1594259"/>
+              <a:chOff x="8152485" y="2126000"/>
+              <a:chExt cx="1256318" cy="1594259"/>
+            </a:xfrm>
+          </p:grpSpPr>
+          <p:grpSp>
+            <p:nvGrpSpPr>
+              <p:cNvPr id="13" name="그룹 12"/>
+              <p:cNvGrpSpPr/>
+              <p:nvPr/>
+            </p:nvGrpSpPr>
+            <p:grpSpPr>
+              <a:xfrm>
+                <a:off x="8152485" y="2126000"/>
+                <a:ext cx="1256318" cy="1594259"/>
+                <a:chOff x="2043236" y="5429839"/>
+                <a:chExt cx="7230359" cy="754144"/>
+              </a:xfrm>
+            </p:grpSpPr>
+            <p:sp>
+              <p:nvSpPr>
+                <p:cNvPr id="14" name="모서리가 둥근 직사각형 13"/>
+                <p:cNvSpPr/>
+                <p:nvPr/>
+              </p:nvSpPr>
+              <p:spPr>
+                <a:xfrm>
+                  <a:off x="2043236" y="5429839"/>
+                  <a:ext cx="7230359" cy="754144"/>
+                </a:xfrm>
+                <a:prstGeom prst="roundRect">
+                  <a:avLst>
+                    <a:gd name="adj" fmla="val 4464"/>
+                  </a:avLst>
+                </a:prstGeom>
+                <a:solidFill>
+                  <a:schemeClr val="bg1"/>
+                </a:solidFill>
+                <a:ln w="50800">
+                  <a:solidFill>
+                    <a:srgbClr val="4997D0"/>
+                  </a:solidFill>
+                </a:ln>
+              </p:spPr>
+              <p:style>
+                <a:lnRef idx="2">
+                  <a:schemeClr val="accent1">
+                    <a:shade val="50000"/>
+                  </a:schemeClr>
+                </a:lnRef>
+                <a:fillRef idx="1">
+                  <a:schemeClr val="accent1"/>
+                </a:fillRef>
+                <a:effectRef idx="0">
+                  <a:schemeClr val="accent1"/>
+                </a:effectRef>
+                <a:fontRef idx="minor">
+                  <a:schemeClr val="lt1"/>
+                </a:fontRef>
+              </p:style>
+              <p:txBody>
+                <a:bodyPr rtlCol="0" anchor="ctr"/>
+                <a:lstStyle/>
+                <a:p>
+                  <a:pPr algn="ctr"/>
+                  <a:endParaRPr lang="ko-KR" altLang="en-US"/>
+                </a:p>
+              </p:txBody>
+            </p:sp>
+            <p:sp>
+              <p:nvSpPr>
+                <p:cNvPr id="15" name="TextBox 14"/>
+                <p:cNvSpPr txBox="1"/>
+                <p:nvPr/>
+              </p:nvSpPr>
+              <p:spPr>
+                <a:xfrm>
+                  <a:off x="2785668" y="5688282"/>
+                  <a:ext cx="5745495" cy="305739"/>
+                </a:xfrm>
+                <a:prstGeom prst="rect">
+                  <a:avLst/>
+                </a:prstGeom>
+                <a:noFill/>
+              </p:spPr>
+              <p:txBody>
+                <a:bodyPr wrap="square" rtlCol="0" anchor="ctr">
+                  <a:spAutoFit/>
+                </a:bodyPr>
+                <a:lstStyle/>
+                <a:p>
+                  <a:pPr algn="ctr"/>
+                  <a:r>
+                    <a:rPr lang="en-US" altLang="ko-KR" b="1" dirty="0" smtClean="0">
+                      <a:latin typeface="나눔스퀘어" panose="020B0600000101010101" pitchFamily="50" charset="-127"/>
+                      <a:ea typeface="나눔스퀘어" panose="020B0600000101010101" pitchFamily="50" charset="-127"/>
+                    </a:rPr>
+                    <a:t>Article</a:t>
+                  </a:r>
+                </a:p>
+                <a:p>
+                  <a:pPr algn="ctr"/>
+                  <a:r>
+                    <a:rPr lang="en-US" altLang="ko-KR" b="1" dirty="0" smtClean="0">
+                      <a:latin typeface="나눔스퀘어" panose="020B0600000101010101" pitchFamily="50" charset="-127"/>
+                      <a:ea typeface="나눔스퀘어" panose="020B0600000101010101" pitchFamily="50" charset="-127"/>
+                    </a:rPr>
+                    <a:t>API</a:t>
+                  </a:r>
+                  <a:endParaRPr lang="ko-KR" altLang="en-US" b="1" dirty="0">
+                    <a:latin typeface="나눔스퀘어" panose="020B0600000101010101" pitchFamily="50" charset="-127"/>
+                    <a:ea typeface="나눔스퀘어" panose="020B0600000101010101" pitchFamily="50" charset="-127"/>
+                  </a:endParaRPr>
+                </a:p>
+              </p:txBody>
+            </p:sp>
+          </p:grpSp>
+          <p:pic>
+            <p:nvPicPr>
+              <p:cNvPr id="27" name="그림 26"/>
+              <p:cNvPicPr>
+                <a:picLocks noChangeAspect="1"/>
+              </p:cNvPicPr>
+              <p:nvPr/>
+            </p:nvPicPr>
+            <p:blipFill>
+              <a:blip r:embed="rId8">
+                <a:extLst>
+                  <a:ext uri="{28A0092B-C50C-407E-A947-70E740481C1C}">
+                    <a14:useLocalDpi xmlns:a14="http://schemas.microsoft.com/office/drawing/2010/main" val="0"/>
+                  </a:ext>
+                </a:extLst>
+              </a:blip>
+              <a:stretch>
+                <a:fillRect/>
+              </a:stretch>
+            </p:blipFill>
+            <p:spPr>
+              <a:xfrm>
+                <a:off x="8430120" y="2328474"/>
+                <a:ext cx="706981" cy="373690"/>
+              </a:xfrm>
+              <a:prstGeom prst="rect">
+                <a:avLst/>
+              </a:prstGeom>
+            </p:spPr>
+          </p:pic>
+        </p:grpSp>
+        <p:grpSp>
+          <p:nvGrpSpPr>
+            <p:cNvPr id="30" name="그룹 29"/>
+            <p:cNvGrpSpPr/>
+            <p:nvPr/>
+          </p:nvGrpSpPr>
+          <p:grpSpPr>
+            <a:xfrm>
+              <a:off x="7086775" y="2658416"/>
+              <a:ext cx="1256318" cy="1594260"/>
+              <a:chOff x="5225701" y="2126000"/>
+              <a:chExt cx="1256318" cy="1594260"/>
+            </a:xfrm>
+          </p:grpSpPr>
+          <p:grpSp>
+            <p:nvGrpSpPr>
+              <p:cNvPr id="17" name="그룹 16"/>
+              <p:cNvGrpSpPr/>
+              <p:nvPr/>
+            </p:nvGrpSpPr>
+            <p:grpSpPr>
+              <a:xfrm>
+                <a:off x="5225701" y="2126000"/>
+                <a:ext cx="1256318" cy="1594260"/>
+                <a:chOff x="2043236" y="5429839"/>
+                <a:chExt cx="7230359" cy="754144"/>
+              </a:xfrm>
+            </p:grpSpPr>
+            <p:sp>
+              <p:nvSpPr>
+                <p:cNvPr id="18" name="모서리가 둥근 직사각형 17"/>
+                <p:cNvSpPr/>
+                <p:nvPr/>
+              </p:nvSpPr>
+              <p:spPr>
+                <a:xfrm>
+                  <a:off x="2043236" y="5429839"/>
+                  <a:ext cx="7230359" cy="754144"/>
+                </a:xfrm>
+                <a:prstGeom prst="roundRect">
+                  <a:avLst>
+                    <a:gd name="adj" fmla="val 4464"/>
+                  </a:avLst>
+                </a:prstGeom>
+                <a:solidFill>
+                  <a:schemeClr val="bg1"/>
+                </a:solidFill>
+                <a:ln w="50800">
+                  <a:solidFill>
+                    <a:srgbClr val="4997D0"/>
+                  </a:solidFill>
+                </a:ln>
+              </p:spPr>
+              <p:style>
+                <a:lnRef idx="2">
+                  <a:schemeClr val="accent1">
+                    <a:shade val="50000"/>
+                  </a:schemeClr>
+                </a:lnRef>
+                <a:fillRef idx="1">
+                  <a:schemeClr val="accent1"/>
+                </a:fillRef>
+                <a:effectRef idx="0">
+                  <a:schemeClr val="accent1"/>
+                </a:effectRef>
+                <a:fontRef idx="minor">
+                  <a:schemeClr val="lt1"/>
+                </a:fontRef>
+              </p:style>
+              <p:txBody>
+                <a:bodyPr rtlCol="0" anchor="ctr"/>
+                <a:lstStyle/>
+                <a:p>
+                  <a:pPr algn="ctr"/>
+                  <a:endParaRPr lang="ko-KR" altLang="en-US"/>
+                </a:p>
+              </p:txBody>
+            </p:sp>
+            <p:sp>
+              <p:nvSpPr>
+                <p:cNvPr id="19" name="TextBox 18"/>
+                <p:cNvSpPr txBox="1"/>
+                <p:nvPr/>
+              </p:nvSpPr>
+              <p:spPr>
+                <a:xfrm>
+                  <a:off x="3641080" y="5661309"/>
+                  <a:ext cx="4034670" cy="305738"/>
+                </a:xfrm>
+                <a:prstGeom prst="rect">
+                  <a:avLst/>
+                </a:prstGeom>
+                <a:noFill/>
+              </p:spPr>
+              <p:txBody>
+                <a:bodyPr wrap="square" rtlCol="0" anchor="ctr">
+                  <a:spAutoFit/>
+                </a:bodyPr>
+                <a:lstStyle/>
+                <a:p>
+                  <a:pPr algn="ctr"/>
+                  <a:r>
+                    <a:rPr lang="en-US" altLang="ko-KR" b="1" dirty="0" smtClean="0">
+                      <a:latin typeface="나눔스퀘어" panose="020B0600000101010101" pitchFamily="50" charset="-127"/>
+                      <a:ea typeface="나눔스퀘어" panose="020B0600000101010101" pitchFamily="50" charset="-127"/>
+                    </a:rPr>
+                    <a:t>User</a:t>
+                  </a:r>
+                </a:p>
+                <a:p>
+                  <a:pPr algn="ctr"/>
+                  <a:r>
+                    <a:rPr lang="en-US" altLang="ko-KR" b="1" dirty="0" smtClean="0">
+                      <a:latin typeface="나눔스퀘어" panose="020B0600000101010101" pitchFamily="50" charset="-127"/>
+                      <a:ea typeface="나눔스퀘어" panose="020B0600000101010101" pitchFamily="50" charset="-127"/>
+                    </a:rPr>
+                    <a:t>API</a:t>
+                  </a:r>
+                  <a:endParaRPr lang="ko-KR" altLang="en-US" b="1" dirty="0">
+                    <a:latin typeface="나눔스퀘어" panose="020B0600000101010101" pitchFamily="50" charset="-127"/>
+                    <a:ea typeface="나눔스퀘어" panose="020B0600000101010101" pitchFamily="50" charset="-127"/>
+                  </a:endParaRPr>
+                </a:p>
+              </p:txBody>
+            </p:sp>
+          </p:grpSp>
+          <p:pic>
+            <p:nvPicPr>
+              <p:cNvPr id="29" name="그림 28"/>
+              <p:cNvPicPr>
+                <a:picLocks noChangeAspect="1"/>
+              </p:cNvPicPr>
+              <p:nvPr/>
+            </p:nvPicPr>
+            <p:blipFill>
+              <a:blip r:embed="rId8">
+                <a:extLst>
+                  <a:ext uri="{28A0092B-C50C-407E-A947-70E740481C1C}">
+                    <a14:useLocalDpi xmlns:a14="http://schemas.microsoft.com/office/drawing/2010/main" val="0"/>
+                  </a:ext>
+                </a:extLst>
+              </a:blip>
+              <a:stretch>
+                <a:fillRect/>
+              </a:stretch>
+            </p:blipFill>
+            <p:spPr>
+              <a:xfrm>
+                <a:off x="5492898" y="2328474"/>
+                <a:ext cx="706981" cy="373690"/>
+              </a:xfrm>
+              <a:prstGeom prst="rect">
+                <a:avLst/>
+              </a:prstGeom>
+            </p:spPr>
+          </p:pic>
+        </p:grpSp>
+        <p:sp>
+          <p:nvSpPr>
+            <p:cNvPr id="77" name="TextBox 76"/>
+            <p:cNvSpPr txBox="1"/>
+            <p:nvPr/>
+          </p:nvSpPr>
+          <p:spPr>
+            <a:xfrm>
+              <a:off x="6889182" y="6300871"/>
+              <a:ext cx="1651504" cy="369332"/>
+            </a:xfrm>
+            <a:prstGeom prst="rect">
+              <a:avLst/>
+            </a:prstGeom>
+            <a:noFill/>
+          </p:spPr>
+          <p:txBody>
+            <a:bodyPr wrap="square" rtlCol="0" anchor="ctr">
+              <a:spAutoFit/>
+            </a:bodyPr>
+            <a:lstStyle/>
+            <a:p>
+              <a:pPr algn="ctr"/>
+              <a:r>
+                <a:rPr lang="en-US" altLang="ko-KR" b="1" dirty="0" err="1" smtClean="0">
+                  <a:latin typeface="나눔스퀘어" panose="020B0600000101010101" pitchFamily="50" charset="-127"/>
+                  <a:ea typeface="나눔스퀘어" panose="020B0600000101010101" pitchFamily="50" charset="-127"/>
+                </a:rPr>
+                <a:t>Microservices</a:t>
+              </a:r>
+              <a:endParaRPr lang="ko-KR" altLang="en-US" b="1" dirty="0">
+                <a:latin typeface="나눔스퀘어" panose="020B0600000101010101" pitchFamily="50" charset="-127"/>
+                <a:ea typeface="나눔스퀘어" panose="020B0600000101010101" pitchFamily="50" charset="-127"/>
+              </a:endParaRPr>
+            </a:p>
+          </p:txBody>
+        </p:sp>
+      </p:grpSp>
+      <p:grpSp>
+        <p:nvGrpSpPr>
+          <p:cNvPr id="84" name="그룹 83"/>
+          <p:cNvGrpSpPr/>
+          <p:nvPr/>
+        </p:nvGrpSpPr>
+        <p:grpSpPr>
+          <a:xfrm>
+            <a:off x="9058503" y="3327488"/>
+            <a:ext cx="411855" cy="176476"/>
+            <a:chOff x="2794611" y="4755637"/>
+            <a:chExt cx="411855" cy="176476"/>
+          </a:xfrm>
+        </p:grpSpPr>
+        <p:cxnSp>
+          <p:nvCxnSpPr>
+            <p:cNvPr id="80" name="직선 화살표 연결선 79"/>
+            <p:cNvCxnSpPr/>
+            <p:nvPr/>
+          </p:nvCxnSpPr>
+          <p:spPr>
+            <a:xfrm>
+              <a:off x="2794611" y="4755637"/>
+              <a:ext cx="411855" cy="0"/>
+            </a:xfrm>
+            <a:prstGeom prst="straightConnector1">
+              <a:avLst/>
+            </a:prstGeom>
+            <a:ln w="38100">
+              <a:solidFill>
+                <a:schemeClr val="tx1"/>
+              </a:solidFill>
+              <a:tailEnd type="triangle"/>
+            </a:ln>
+          </p:spPr>
+          <p:style>
+            <a:lnRef idx="1">
+              <a:schemeClr val="accent1"/>
+            </a:lnRef>
+            <a:fillRef idx="0">
+              <a:schemeClr val="accent1"/>
+            </a:fillRef>
+            <a:effectRef idx="0">
+              <a:schemeClr val="accent1"/>
+            </a:effectRef>
+            <a:fontRef idx="minor">
+              <a:schemeClr val="tx1"/>
+            </a:fontRef>
+          </p:style>
+        </p:cxnSp>
+        <p:cxnSp>
+          <p:nvCxnSpPr>
+            <p:cNvPr id="81" name="직선 화살표 연결선 80"/>
+            <p:cNvCxnSpPr/>
+            <p:nvPr/>
+          </p:nvCxnSpPr>
+          <p:spPr>
+            <a:xfrm flipH="1">
+              <a:off x="2794612" y="4932113"/>
+              <a:ext cx="411854" cy="0"/>
+            </a:xfrm>
+            <a:prstGeom prst="straightConnector1">
+              <a:avLst/>
+            </a:prstGeom>
+            <a:ln w="38100">
+              <a:solidFill>
+                <a:schemeClr val="tx1"/>
+              </a:solidFill>
+              <a:tailEnd type="triangle"/>
+            </a:ln>
+          </p:spPr>
+          <p:style>
+            <a:lnRef idx="1">
+              <a:schemeClr val="accent1"/>
+            </a:lnRef>
+            <a:fillRef idx="0">
+              <a:schemeClr val="accent1"/>
+            </a:fillRef>
+            <a:effectRef idx="0">
+              <a:schemeClr val="accent1"/>
+            </a:effectRef>
+            <a:fontRef idx="minor">
+              <a:schemeClr val="tx1"/>
+            </a:fontRef>
+          </p:style>
+        </p:cxnSp>
+      </p:grpSp>
+      <p:grpSp>
+        <p:nvGrpSpPr>
+          <p:cNvPr id="85" name="그룹 84"/>
+          <p:cNvGrpSpPr/>
+          <p:nvPr/>
+        </p:nvGrpSpPr>
+        <p:grpSpPr>
+          <a:xfrm>
+            <a:off x="6778034" y="3327488"/>
+            <a:ext cx="411855" cy="176476"/>
+            <a:chOff x="2794611" y="4755637"/>
+            <a:chExt cx="411855" cy="176476"/>
+          </a:xfrm>
+        </p:grpSpPr>
+        <p:cxnSp>
+          <p:nvCxnSpPr>
+            <p:cNvPr id="86" name="직선 화살표 연결선 85"/>
+            <p:cNvCxnSpPr/>
+            <p:nvPr/>
+          </p:nvCxnSpPr>
+          <p:spPr>
+            <a:xfrm>
+              <a:off x="2794611" y="4755637"/>
+              <a:ext cx="411855" cy="0"/>
+            </a:xfrm>
+            <a:prstGeom prst="straightConnector1">
+              <a:avLst/>
+            </a:prstGeom>
+            <a:ln w="38100">
+              <a:solidFill>
+                <a:schemeClr val="tx1"/>
+              </a:solidFill>
+              <a:tailEnd type="triangle"/>
+            </a:ln>
+          </p:spPr>
+          <p:style>
+            <a:lnRef idx="1">
+              <a:schemeClr val="accent1"/>
+            </a:lnRef>
+            <a:fillRef idx="0">
+              <a:schemeClr val="accent1"/>
+            </a:fillRef>
+            <a:effectRef idx="0">
+              <a:schemeClr val="accent1"/>
+            </a:effectRef>
+            <a:fontRef idx="minor">
+              <a:schemeClr val="tx1"/>
+            </a:fontRef>
+          </p:style>
+        </p:cxnSp>
+        <p:cxnSp>
+          <p:nvCxnSpPr>
+            <p:cNvPr id="87" name="직선 화살표 연결선 86"/>
+            <p:cNvCxnSpPr/>
+            <p:nvPr/>
+          </p:nvCxnSpPr>
+          <p:spPr>
+            <a:xfrm flipH="1">
+              <a:off x="2794612" y="4932113"/>
+              <a:ext cx="411854" cy="0"/>
+            </a:xfrm>
+            <a:prstGeom prst="straightConnector1">
+              <a:avLst/>
+            </a:prstGeom>
+            <a:ln w="38100">
+              <a:solidFill>
+                <a:schemeClr val="tx1"/>
+              </a:solidFill>
+              <a:tailEnd type="triangle"/>
+            </a:ln>
+          </p:spPr>
+          <p:style>
+            <a:lnRef idx="1">
+              <a:schemeClr val="accent1"/>
+            </a:lnRef>
+            <a:fillRef idx="0">
+              <a:schemeClr val="accent1"/>
+            </a:fillRef>
+            <a:effectRef idx="0">
+              <a:schemeClr val="accent1"/>
+            </a:effectRef>
+            <a:fontRef idx="minor">
+              <a:schemeClr val="tx1"/>
+            </a:fontRef>
+          </p:style>
+        </p:cxnSp>
+      </p:grpSp>
+      <p:grpSp>
+        <p:nvGrpSpPr>
+          <p:cNvPr id="88" name="그룹 87"/>
+          <p:cNvGrpSpPr/>
+          <p:nvPr/>
+        </p:nvGrpSpPr>
+        <p:grpSpPr>
+          <a:xfrm>
+            <a:off x="4876486" y="3330430"/>
+            <a:ext cx="411855" cy="176476"/>
+            <a:chOff x="2794611" y="4755637"/>
+            <a:chExt cx="411855" cy="176476"/>
+          </a:xfrm>
+        </p:grpSpPr>
+        <p:cxnSp>
+          <p:nvCxnSpPr>
+            <p:cNvPr id="89" name="직선 화살표 연결선 88"/>
+            <p:cNvCxnSpPr/>
+            <p:nvPr/>
+          </p:nvCxnSpPr>
+          <p:spPr>
+            <a:xfrm>
+              <a:off x="2794611" y="4755637"/>
+              <a:ext cx="411855" cy="0"/>
+            </a:xfrm>
+            <a:prstGeom prst="straightConnector1">
+              <a:avLst/>
+            </a:prstGeom>
+            <a:ln w="38100">
+              <a:solidFill>
+                <a:schemeClr val="tx1"/>
+              </a:solidFill>
+              <a:tailEnd type="triangle"/>
+            </a:ln>
+          </p:spPr>
+          <p:style>
+            <a:lnRef idx="1">
+              <a:schemeClr val="accent1"/>
+            </a:lnRef>
+            <a:fillRef idx="0">
+              <a:schemeClr val="accent1"/>
+            </a:fillRef>
+            <a:effectRef idx="0">
+              <a:schemeClr val="accent1"/>
+            </a:effectRef>
+            <a:fontRef idx="minor">
+              <a:schemeClr val="tx1"/>
+            </a:fontRef>
+          </p:style>
+        </p:cxnSp>
+        <p:cxnSp>
+          <p:nvCxnSpPr>
+            <p:cNvPr id="90" name="직선 화살표 연결선 89"/>
+            <p:cNvCxnSpPr/>
+            <p:nvPr/>
+          </p:nvCxnSpPr>
+          <p:spPr>
+            <a:xfrm flipH="1">
+              <a:off x="2794612" y="4932113"/>
+              <a:ext cx="411854" cy="0"/>
+            </a:xfrm>
+            <a:prstGeom prst="straightConnector1">
+              <a:avLst/>
+            </a:prstGeom>
+            <a:ln w="38100">
+              <a:solidFill>
+                <a:schemeClr val="tx1"/>
+              </a:solidFill>
+              <a:tailEnd type="triangle"/>
+            </a:ln>
+          </p:spPr>
+          <p:style>
+            <a:lnRef idx="1">
+              <a:schemeClr val="accent1"/>
+            </a:lnRef>
+            <a:fillRef idx="0">
+              <a:schemeClr val="accent1"/>
+            </a:fillRef>
+            <a:effectRef idx="0">
+              <a:schemeClr val="accent1"/>
+            </a:effectRef>
+            <a:fontRef idx="minor">
+              <a:schemeClr val="tx1"/>
+            </a:fontRef>
+          </p:style>
+        </p:cxnSp>
+      </p:grpSp>
+    </p:spTree>
+    <p:extLst>
+      <p:ext uri="{BB962C8B-B14F-4D97-AF65-F5344CB8AC3E}">
+        <p14:creationId xmlns:p14="http://schemas.microsoft.com/office/powerpoint/2010/main" val="491410476"/>
+      </p:ext>
+    </p:extLst>
+  </p:cSld>
+  <p:clrMapOvr>
+    <a:masterClrMapping/>
+  </p:clrMapOvr>
+  <p:timing>
+    <p:tnLst>
+      <p:par>
+        <p:cTn id="1" dur="indefinite" restart="never" nodeType="tmRoot"/>
+      </p:par>
+    </p:tnLst>
+  </p:timing>
+</p:sld>
+</file>
+
+<file path=ppt/slides/slide7.xml><?xml version="1.0" encoding="utf-8"?>
+<p:sld xmlns:a="http://schemas.openxmlformats.org/drawingml/2006/main" xmlns:r="http://schemas.openxmlformats.org/officeDocument/2006/relationships" xmlns:p="http://schemas.openxmlformats.org/presentationml/2006/main">
+  <p:cSld>
+    <p:spTree>
+      <p:nvGrpSpPr>
+        <p:cNvPr id="1" name=""/>
+        <p:cNvGrpSpPr/>
+        <p:nvPr/>
+      </p:nvGrpSpPr>
+      <p:grpSpPr>
+        <a:xfrm>
+          <a:off x="0" y="0"/>
+          <a:ext cx="0" cy="0"/>
+          <a:chOff x="0" y="0"/>
+          <a:chExt cx="0" cy="0"/>
+        </a:xfrm>
+      </p:grpSpPr>
+      <p:grpSp>
+        <p:nvGrpSpPr>
+          <p:cNvPr id="71" name="그룹 70"/>
+          <p:cNvGrpSpPr/>
+          <p:nvPr/>
+        </p:nvGrpSpPr>
+        <p:grpSpPr>
+          <a:xfrm>
+            <a:off x="2199073" y="2999044"/>
+            <a:ext cx="1256318" cy="1576799"/>
+            <a:chOff x="5552822" y="2999044"/>
+            <a:chExt cx="1256318" cy="1576799"/>
+          </a:xfrm>
+        </p:grpSpPr>
+        <p:sp>
+          <p:nvSpPr>
+            <p:cNvPr id="8" name="모서리가 둥근 직사각형 7"/>
+            <p:cNvSpPr/>
+            <p:nvPr/>
+          </p:nvSpPr>
+          <p:spPr>
+            <a:xfrm>
+              <a:off x="5552822" y="2999044"/>
+              <a:ext cx="1256318" cy="856520"/>
+            </a:xfrm>
+            <a:prstGeom prst="roundRect">
+              <a:avLst>
+                <a:gd name="adj" fmla="val 4464"/>
+              </a:avLst>
+            </a:prstGeom>
+            <a:solidFill>
+              <a:schemeClr val="bg1"/>
+            </a:solidFill>
+            <a:ln w="50800">
+              <a:solidFill>
+                <a:srgbClr val="4997D0"/>
+              </a:solidFill>
+            </a:ln>
+          </p:spPr>
+          <p:style>
+            <a:lnRef idx="2">
+              <a:schemeClr val="accent1">
+                <a:shade val="50000"/>
+              </a:schemeClr>
+            </a:lnRef>
+            <a:fillRef idx="1">
+              <a:schemeClr val="accent1"/>
+            </a:fillRef>
+            <a:effectRef idx="0">
+              <a:schemeClr val="accent1"/>
+            </a:effectRef>
+            <a:fontRef idx="minor">
+              <a:schemeClr val="lt1"/>
+            </a:fontRef>
+          </p:style>
+          <p:txBody>
+            <a:bodyPr rtlCol="0" anchor="ctr"/>
+            <a:lstStyle/>
+            <a:p>
+              <a:pPr algn="ctr"/>
+              <a:endParaRPr lang="ko-KR" altLang="en-US"/>
+            </a:p>
+          </p:txBody>
+        </p:sp>
+        <p:sp>
+          <p:nvSpPr>
+            <p:cNvPr id="9" name="TextBox 8"/>
+            <p:cNvSpPr txBox="1">
+              <a:spLocks/>
+            </p:cNvSpPr>
+            <p:nvPr/>
+          </p:nvSpPr>
+          <p:spPr>
+            <a:xfrm>
+              <a:off x="5830457" y="3929512"/>
+              <a:ext cx="701048" cy="646331"/>
+            </a:xfrm>
+            <a:prstGeom prst="rect">
+              <a:avLst/>
+            </a:prstGeom>
+            <a:noFill/>
+          </p:spPr>
+          <p:txBody>
+            <a:bodyPr wrap="square" rtlCol="0" anchor="ctr">
+              <a:spAutoFit/>
+            </a:bodyPr>
+            <a:lstStyle/>
+            <a:p>
+              <a:pPr algn="ctr"/>
+              <a:r>
+                <a:rPr lang="en-US" altLang="ko-KR" b="1" dirty="0" smtClean="0">
+                  <a:latin typeface="나눔스퀘어" panose="020B0600000101010101" pitchFamily="50" charset="-127"/>
+                  <a:ea typeface="나눔스퀘어" panose="020B0600000101010101" pitchFamily="50" charset="-127"/>
+                </a:rPr>
+                <a:t>API</a:t>
+              </a:r>
+            </a:p>
+            <a:p>
+              <a:pPr algn="ctr"/>
+              <a:r>
+                <a:rPr lang="en-US" altLang="ko-KR" b="1" dirty="0" smtClean="0">
+                  <a:latin typeface="나눔스퀘어" panose="020B0600000101010101" pitchFamily="50" charset="-127"/>
+                  <a:ea typeface="나눔스퀘어" panose="020B0600000101010101" pitchFamily="50" charset="-127"/>
+                </a:rPr>
+                <a:t>G/W</a:t>
+              </a:r>
+              <a:endParaRPr lang="ko-KR" altLang="en-US" b="1" dirty="0">
+                <a:latin typeface="나눔스퀘어" panose="020B0600000101010101" pitchFamily="50" charset="-127"/>
+                <a:ea typeface="나눔스퀘어" panose="020B0600000101010101" pitchFamily="50" charset="-127"/>
+              </a:endParaRPr>
+            </a:p>
+          </p:txBody>
+        </p:sp>
+        <p:pic>
+          <p:nvPicPr>
+            <p:cNvPr id="23" name="그림 22"/>
+            <p:cNvPicPr>
+              <a:picLocks noChangeAspect="1"/>
+            </p:cNvPicPr>
+            <p:nvPr/>
+          </p:nvPicPr>
+          <p:blipFill>
+            <a:blip r:embed="rId2" cstate="print">
+              <a:extLst>
+                <a:ext uri="{28A0092B-C50C-407E-A947-70E740481C1C}">
+                  <a14:useLocalDpi xmlns:a14="http://schemas.microsoft.com/office/drawing/2010/main" val="0"/>
+                </a:ext>
+              </a:extLst>
+            </a:blip>
+            <a:stretch>
+              <a:fillRect/>
+            </a:stretch>
+          </p:blipFill>
+          <p:spPr>
+            <a:xfrm>
+              <a:off x="5695632" y="3207539"/>
+              <a:ext cx="971676" cy="453044"/>
+            </a:xfrm>
+            <a:prstGeom prst="rect">
+              <a:avLst/>
+            </a:prstGeom>
+          </p:spPr>
+        </p:pic>
+      </p:grpSp>
+      <p:sp>
+        <p:nvSpPr>
+          <p:cNvPr id="46" name="TextBox 45"/>
+          <p:cNvSpPr txBox="1"/>
+          <p:nvPr/>
+        </p:nvSpPr>
+        <p:spPr>
+          <a:xfrm>
+            <a:off x="69251" y="154524"/>
+            <a:ext cx="3795739" cy="461665"/>
+          </a:xfrm>
+          <a:prstGeom prst="rect">
+            <a:avLst/>
+          </a:prstGeom>
+          <a:noFill/>
+        </p:spPr>
+        <p:txBody>
+          <a:bodyPr wrap="square" rtlCol="0">
+            <a:spAutoFit/>
+          </a:bodyPr>
+          <a:lstStyle/>
+          <a:p>
+            <a:r>
+              <a:rPr lang="ko-KR" altLang="en-US" sz="2400" dirty="0" err="1" smtClean="0">
+                <a:latin typeface="나눔스퀘어" panose="020B0600000101010101" pitchFamily="50" charset="-127"/>
+                <a:ea typeface="나눔스퀘어" panose="020B0600000101010101" pitchFamily="50" charset="-127"/>
+              </a:rPr>
+              <a:t>운영단</a:t>
+            </a:r>
+            <a:r>
+              <a:rPr lang="ko-KR" altLang="en-US" sz="2400" dirty="0" smtClean="0">
+                <a:latin typeface="나눔스퀘어" panose="020B0600000101010101" pitchFamily="50" charset="-127"/>
+                <a:ea typeface="나눔스퀘어" panose="020B0600000101010101" pitchFamily="50" charset="-127"/>
+              </a:rPr>
+              <a:t> </a:t>
+            </a:r>
+            <a:r>
+              <a:rPr lang="ko-KR" altLang="en-US" sz="2400" dirty="0" smtClean="0">
+                <a:latin typeface="나눔스퀘어" panose="020B0600000101010101" pitchFamily="50" charset="-127"/>
+                <a:ea typeface="나눔스퀘어" panose="020B0600000101010101" pitchFamily="50" charset="-127"/>
+              </a:rPr>
+              <a:t>상세 </a:t>
+            </a:r>
+            <a:r>
+              <a:rPr lang="ko-KR" altLang="en-US" sz="2400" dirty="0" smtClean="0">
+                <a:latin typeface="나눔스퀘어" panose="020B0600000101010101" pitchFamily="50" charset="-127"/>
+                <a:ea typeface="나눔스퀘어" panose="020B0600000101010101" pitchFamily="50" charset="-127"/>
+              </a:rPr>
+              <a:t>아키텍처</a:t>
+            </a:r>
+            <a:endParaRPr lang="ko-KR" altLang="en-US" sz="2400" dirty="0">
+              <a:latin typeface="나눔스퀘어" panose="020B0600000101010101" pitchFamily="50" charset="-127"/>
+              <a:ea typeface="나눔스퀘어" panose="020B0600000101010101" pitchFamily="50" charset="-127"/>
+            </a:endParaRPr>
+          </a:p>
+        </p:txBody>
+      </p:sp>
+      <p:grpSp>
+        <p:nvGrpSpPr>
+          <p:cNvPr id="56" name="그룹 55"/>
+          <p:cNvGrpSpPr/>
+          <p:nvPr/>
+        </p:nvGrpSpPr>
+        <p:grpSpPr>
+          <a:xfrm>
+            <a:off x="309511" y="2999044"/>
+            <a:ext cx="1140210" cy="1576798"/>
+            <a:chOff x="4091667" y="2999044"/>
+            <a:chExt cx="1140210" cy="1576798"/>
+          </a:xfrm>
+        </p:grpSpPr>
+        <p:sp>
+          <p:nvSpPr>
+            <p:cNvPr id="51" name="모서리가 둥근 직사각형 50"/>
+            <p:cNvSpPr/>
+            <p:nvPr/>
+          </p:nvSpPr>
+          <p:spPr>
+            <a:xfrm>
+              <a:off x="4091667" y="2999044"/>
+              <a:ext cx="1140210" cy="856520"/>
+            </a:xfrm>
+            <a:prstGeom prst="roundRect">
+              <a:avLst>
+                <a:gd name="adj" fmla="val 4464"/>
+              </a:avLst>
+            </a:prstGeom>
+            <a:solidFill>
+              <a:schemeClr val="bg1"/>
+            </a:solidFill>
+            <a:ln w="50800">
+              <a:solidFill>
+                <a:srgbClr val="4997D0"/>
+              </a:solidFill>
+            </a:ln>
+          </p:spPr>
+          <p:style>
+            <a:lnRef idx="2">
+              <a:schemeClr val="accent1">
+                <a:shade val="50000"/>
+              </a:schemeClr>
+            </a:lnRef>
+            <a:fillRef idx="1">
+              <a:schemeClr val="accent1"/>
+            </a:fillRef>
+            <a:effectRef idx="0">
+              <a:schemeClr val="accent1"/>
+            </a:effectRef>
+            <a:fontRef idx="minor">
+              <a:schemeClr val="lt1"/>
+            </a:fontRef>
+          </p:style>
+          <p:txBody>
+            <a:bodyPr rtlCol="0" anchor="ctr"/>
+            <a:lstStyle/>
+            <a:p>
+              <a:pPr algn="ctr"/>
+              <a:endParaRPr lang="ko-KR" altLang="en-US"/>
+            </a:p>
+          </p:txBody>
+        </p:sp>
+        <p:sp>
+          <p:nvSpPr>
+            <p:cNvPr id="52" name="TextBox 51"/>
+            <p:cNvSpPr txBox="1"/>
+            <p:nvPr/>
+          </p:nvSpPr>
+          <p:spPr>
+            <a:xfrm>
+              <a:off x="4176507" y="3929511"/>
+              <a:ext cx="970528" cy="646331"/>
+            </a:xfrm>
+            <a:prstGeom prst="rect">
+              <a:avLst/>
+            </a:prstGeom>
+            <a:noFill/>
+          </p:spPr>
+          <p:txBody>
+            <a:bodyPr wrap="square" rtlCol="0" anchor="ctr">
+              <a:spAutoFit/>
+            </a:bodyPr>
+            <a:lstStyle/>
+            <a:p>
+              <a:pPr algn="ctr"/>
+              <a:r>
+                <a:rPr lang="en-US" altLang="ko-KR" b="1" dirty="0" smtClean="0">
+                  <a:latin typeface="나눔스퀘어" panose="020B0600000101010101" pitchFamily="50" charset="-127"/>
+                  <a:ea typeface="나눔스퀘어" panose="020B0600000101010101" pitchFamily="50" charset="-127"/>
+                </a:rPr>
+                <a:t>HTTP(S)</a:t>
+              </a:r>
+              <a:endParaRPr lang="en-US" altLang="ko-KR" b="1" dirty="0">
+                <a:latin typeface="나눔스퀘어" panose="020B0600000101010101" pitchFamily="50" charset="-127"/>
+                <a:ea typeface="나눔스퀘어" panose="020B0600000101010101" pitchFamily="50" charset="-127"/>
+              </a:endParaRPr>
+            </a:p>
+            <a:p>
+              <a:pPr algn="ctr"/>
+              <a:r>
+                <a:rPr lang="en-US" altLang="ko-KR" b="1" dirty="0" smtClean="0">
+                  <a:latin typeface="나눔스퀘어" panose="020B0600000101010101" pitchFamily="50" charset="-127"/>
+                  <a:ea typeface="나눔스퀘어" panose="020B0600000101010101" pitchFamily="50" charset="-127"/>
+                </a:rPr>
+                <a:t>Server</a:t>
+              </a:r>
+            </a:p>
+          </p:txBody>
+        </p:sp>
+        <p:pic>
+          <p:nvPicPr>
+            <p:cNvPr id="49" name="그림 48"/>
+            <p:cNvPicPr>
+              <a:picLocks noChangeAspect="1"/>
+            </p:cNvPicPr>
+            <p:nvPr/>
+          </p:nvPicPr>
+          <p:blipFill>
+            <a:blip r:embed="rId3" cstate="print">
+              <a:extLst>
+                <a:ext uri="{28A0092B-C50C-407E-A947-70E740481C1C}">
+                  <a14:useLocalDpi xmlns:a14="http://schemas.microsoft.com/office/drawing/2010/main" val="0"/>
+                </a:ext>
+              </a:extLst>
+            </a:blip>
+            <a:stretch>
+              <a:fillRect/>
+            </a:stretch>
+          </p:blipFill>
+          <p:spPr>
+            <a:xfrm>
+              <a:off x="4229507" y="3327488"/>
+              <a:ext cx="864528" cy="182361"/>
+            </a:xfrm>
+            <a:prstGeom prst="rect">
+              <a:avLst/>
+            </a:prstGeom>
+          </p:spPr>
+        </p:pic>
+      </p:grpSp>
+      <p:grpSp>
+        <p:nvGrpSpPr>
+          <p:cNvPr id="74" name="그룹 73"/>
+          <p:cNvGrpSpPr/>
+          <p:nvPr/>
+        </p:nvGrpSpPr>
+        <p:grpSpPr>
+          <a:xfrm>
+            <a:off x="6387944" y="1107882"/>
+            <a:ext cx="1636448" cy="4638844"/>
+            <a:chOff x="8497366" y="1396138"/>
+            <a:chExt cx="1636448" cy="4638844"/>
+          </a:xfrm>
+        </p:grpSpPr>
+        <p:sp>
+          <p:nvSpPr>
+            <p:cNvPr id="72" name="모서리가 둥근 직사각형 71"/>
+            <p:cNvSpPr/>
+            <p:nvPr/>
+          </p:nvSpPr>
+          <p:spPr>
+            <a:xfrm>
+              <a:off x="8497366" y="1396138"/>
+              <a:ext cx="1636448" cy="4062332"/>
+            </a:xfrm>
+            <a:prstGeom prst="roundRect">
+              <a:avLst>
+                <a:gd name="adj" fmla="val 4464"/>
+              </a:avLst>
+            </a:prstGeom>
+            <a:solidFill>
+              <a:schemeClr val="bg1"/>
+            </a:solidFill>
+            <a:ln w="50800">
+              <a:solidFill>
+                <a:schemeClr val="tx1"/>
+              </a:solidFill>
+              <a:prstDash val="sysDash"/>
+            </a:ln>
+          </p:spPr>
+          <p:style>
+            <a:lnRef idx="2">
+              <a:schemeClr val="accent1">
+                <a:shade val="50000"/>
+              </a:schemeClr>
+            </a:lnRef>
+            <a:fillRef idx="1">
+              <a:schemeClr val="accent1"/>
+            </a:fillRef>
+            <a:effectRef idx="0">
+              <a:schemeClr val="accent1"/>
+            </a:effectRef>
+            <a:fontRef idx="minor">
+              <a:schemeClr val="lt1"/>
+            </a:fontRef>
+          </p:style>
+          <p:txBody>
+            <a:bodyPr rtlCol="0" anchor="ctr"/>
+            <a:lstStyle/>
+            <a:p>
+              <a:pPr algn="ctr"/>
+              <a:endParaRPr lang="ko-KR" altLang="en-US"/>
+            </a:p>
+          </p:txBody>
+        </p:sp>
+        <p:sp>
+          <p:nvSpPr>
+            <p:cNvPr id="22" name="TextBox 21"/>
+            <p:cNvSpPr txBox="1"/>
+            <p:nvPr/>
+          </p:nvSpPr>
+          <p:spPr>
+            <a:xfrm>
+              <a:off x="8654451" y="5665650"/>
+              <a:ext cx="1322284" cy="369332"/>
+            </a:xfrm>
+            <a:prstGeom prst="rect">
+              <a:avLst/>
+            </a:prstGeom>
+            <a:noFill/>
+          </p:spPr>
+          <p:txBody>
+            <a:bodyPr wrap="square" rtlCol="0" anchor="ctr">
+              <a:spAutoFit/>
+            </a:bodyPr>
+            <a:lstStyle/>
+            <a:p>
+              <a:pPr algn="ctr"/>
+              <a:r>
+                <a:rPr lang="en-US" altLang="ko-KR" b="1" dirty="0" smtClean="0">
+                  <a:latin typeface="나눔스퀘어" panose="020B0600000101010101" pitchFamily="50" charset="-127"/>
+                  <a:ea typeface="나눔스퀘어" panose="020B0600000101010101" pitchFamily="50" charset="-127"/>
+                </a:rPr>
+                <a:t>Databases</a:t>
+              </a:r>
+              <a:endParaRPr lang="ko-KR" altLang="en-US" b="1" dirty="0">
+                <a:latin typeface="나눔스퀘어" panose="020B0600000101010101" pitchFamily="50" charset="-127"/>
+                <a:ea typeface="나눔스퀘어" panose="020B0600000101010101" pitchFamily="50" charset="-127"/>
+              </a:endParaRPr>
+            </a:p>
+          </p:txBody>
+        </p:sp>
+        <p:grpSp>
+          <p:nvGrpSpPr>
+            <p:cNvPr id="57" name="그룹 56"/>
+            <p:cNvGrpSpPr/>
+            <p:nvPr/>
+          </p:nvGrpSpPr>
+          <p:grpSpPr>
+            <a:xfrm>
+              <a:off x="8620728" y="1639656"/>
+              <a:ext cx="1389730" cy="1221234"/>
+              <a:chOff x="8620728" y="890371"/>
+              <a:chExt cx="1389730" cy="1221234"/>
+            </a:xfrm>
+          </p:grpSpPr>
+          <p:sp>
+            <p:nvSpPr>
+              <p:cNvPr id="21" name="모서리가 둥근 직사각형 20"/>
+              <p:cNvSpPr/>
+              <p:nvPr/>
+            </p:nvSpPr>
+            <p:spPr>
+              <a:xfrm>
+                <a:off x="8620728" y="890371"/>
+                <a:ext cx="1389730" cy="1221234"/>
+              </a:xfrm>
+              <a:prstGeom prst="roundRect">
+                <a:avLst>
+                  <a:gd name="adj" fmla="val 4464"/>
+                </a:avLst>
+              </a:prstGeom>
+              <a:solidFill>
+                <a:schemeClr val="bg1"/>
+              </a:solidFill>
+              <a:ln w="50800">
+                <a:solidFill>
+                  <a:srgbClr val="4997D0"/>
+                </a:solidFill>
+              </a:ln>
+            </p:spPr>
+            <p:style>
+              <a:lnRef idx="2">
+                <a:schemeClr val="accent1">
+                  <a:shade val="50000"/>
+                </a:schemeClr>
+              </a:lnRef>
+              <a:fillRef idx="1">
+                <a:schemeClr val="accent1"/>
+              </a:fillRef>
+              <a:effectRef idx="0">
+                <a:schemeClr val="accent1"/>
+              </a:effectRef>
+              <a:fontRef idx="minor">
+                <a:schemeClr val="lt1"/>
+              </a:fontRef>
+            </p:style>
+            <p:txBody>
+              <a:bodyPr rtlCol="0" anchor="ctr"/>
+              <a:lstStyle/>
+              <a:p>
+                <a:pPr algn="ctr"/>
+                <a:endParaRPr lang="ko-KR" altLang="en-US"/>
+              </a:p>
+            </p:txBody>
+          </p:sp>
+          <p:pic>
+            <p:nvPicPr>
+              <p:cNvPr id="2" name="그림 1"/>
+              <p:cNvPicPr>
+                <a:picLocks noChangeAspect="1"/>
+              </p:cNvPicPr>
+              <p:nvPr/>
+            </p:nvPicPr>
+            <p:blipFill>
+              <a:blip r:embed="rId4" cstate="print">
+                <a:extLst>
+                  <a:ext uri="{28A0092B-C50C-407E-A947-70E740481C1C}">
+                    <a14:useLocalDpi xmlns:a14="http://schemas.microsoft.com/office/drawing/2010/main" val="0"/>
+                  </a:ext>
+                </a:extLst>
+              </a:blip>
+              <a:stretch>
+                <a:fillRect/>
+              </a:stretch>
+            </p:blipFill>
+            <p:spPr>
+              <a:xfrm>
+                <a:off x="8858391" y="1106271"/>
+                <a:ext cx="914402" cy="789434"/>
+              </a:xfrm>
+              <a:prstGeom prst="rect">
+                <a:avLst/>
+              </a:prstGeom>
+            </p:spPr>
+          </p:pic>
+        </p:grpSp>
+        <p:grpSp>
+          <p:nvGrpSpPr>
+            <p:cNvPr id="67" name="그룹 66"/>
+            <p:cNvGrpSpPr/>
+            <p:nvPr/>
+          </p:nvGrpSpPr>
+          <p:grpSpPr>
+            <a:xfrm>
+              <a:off x="8620729" y="4200607"/>
+              <a:ext cx="1389730" cy="1018096"/>
+              <a:chOff x="8620729" y="4575842"/>
+              <a:chExt cx="1389730" cy="1018096"/>
+            </a:xfrm>
+          </p:grpSpPr>
+          <p:sp>
+            <p:nvSpPr>
+              <p:cNvPr id="60" name="모서리가 둥근 직사각형 59"/>
+              <p:cNvSpPr/>
+              <p:nvPr/>
+            </p:nvSpPr>
+            <p:spPr>
+              <a:xfrm>
+                <a:off x="8620729" y="4575842"/>
+                <a:ext cx="1389730" cy="1018096"/>
+              </a:xfrm>
+              <a:prstGeom prst="roundRect">
+                <a:avLst>
+                  <a:gd name="adj" fmla="val 4464"/>
+                </a:avLst>
+              </a:prstGeom>
+              <a:solidFill>
+                <a:schemeClr val="bg1"/>
+              </a:solidFill>
+              <a:ln w="50800">
+                <a:solidFill>
+                  <a:srgbClr val="4997D0"/>
+                </a:solidFill>
+              </a:ln>
+            </p:spPr>
+            <p:style>
+              <a:lnRef idx="2">
+                <a:schemeClr val="accent1">
+                  <a:shade val="50000"/>
+                </a:schemeClr>
+              </a:lnRef>
+              <a:fillRef idx="1">
+                <a:schemeClr val="accent1"/>
+              </a:fillRef>
+              <a:effectRef idx="0">
+                <a:schemeClr val="accent1"/>
+              </a:effectRef>
+              <a:fontRef idx="minor">
+                <a:schemeClr val="lt1"/>
+              </a:fontRef>
+            </p:style>
+            <p:txBody>
+              <a:bodyPr rtlCol="0" anchor="ctr"/>
+              <a:lstStyle/>
+              <a:p>
+                <a:pPr algn="ctr"/>
+                <a:endParaRPr lang="ko-KR" altLang="en-US"/>
+              </a:p>
+            </p:txBody>
+          </p:sp>
+          <p:pic>
+            <p:nvPicPr>
+              <p:cNvPr id="37" name="그림 36"/>
+              <p:cNvPicPr>
+                <a:picLocks noChangeAspect="1"/>
+              </p:cNvPicPr>
+              <p:nvPr/>
+            </p:nvPicPr>
+            <p:blipFill>
+              <a:blip r:embed="rId5" cstate="print">
+                <a:extLst>
+                  <a:ext uri="{28A0092B-C50C-407E-A947-70E740481C1C}">
+                    <a14:useLocalDpi xmlns:a14="http://schemas.microsoft.com/office/drawing/2010/main" val="0"/>
+                  </a:ext>
+                </a:extLst>
+              </a:blip>
+              <a:stretch>
+                <a:fillRect/>
+              </a:stretch>
+            </p:blipFill>
+            <p:spPr>
+              <a:xfrm>
+                <a:off x="8675772" y="4788138"/>
+                <a:ext cx="1279639" cy="582314"/>
+              </a:xfrm>
+              <a:prstGeom prst="rect">
+                <a:avLst/>
+              </a:prstGeom>
+            </p:spPr>
+          </p:pic>
+        </p:grpSp>
+        <p:grpSp>
+          <p:nvGrpSpPr>
+            <p:cNvPr id="70" name="그룹 69"/>
+            <p:cNvGrpSpPr/>
+            <p:nvPr/>
+          </p:nvGrpSpPr>
+          <p:grpSpPr>
+            <a:xfrm>
+              <a:off x="8620729" y="3024809"/>
+              <a:ext cx="1389730" cy="1065993"/>
+              <a:chOff x="8620729" y="3562941"/>
+              <a:chExt cx="1389730" cy="1065993"/>
+            </a:xfrm>
+          </p:grpSpPr>
+          <p:cxnSp>
+            <p:nvCxnSpPr>
+              <p:cNvPr id="69" name="직선 화살표 연결선 68"/>
+              <p:cNvCxnSpPr/>
+              <p:nvPr/>
+            </p:nvCxnSpPr>
+            <p:spPr>
+              <a:xfrm>
+                <a:off x="9315590" y="3562941"/>
+                <a:ext cx="0" cy="1065993"/>
+              </a:xfrm>
+              <a:prstGeom prst="straightConnector1">
+                <a:avLst/>
+              </a:prstGeom>
+              <a:ln w="38100">
+                <a:solidFill>
+                  <a:schemeClr val="tx1"/>
+                </a:solidFill>
+                <a:tailEnd type="triangle"/>
+              </a:ln>
+            </p:spPr>
+            <p:style>
+              <a:lnRef idx="1">
+                <a:schemeClr val="accent1"/>
+              </a:lnRef>
+              <a:fillRef idx="0">
+                <a:schemeClr val="accent1"/>
+              </a:fillRef>
+              <a:effectRef idx="0">
+                <a:schemeClr val="accent1"/>
+              </a:effectRef>
+              <a:fontRef idx="minor">
+                <a:schemeClr val="tx1"/>
+              </a:fontRef>
+            </p:style>
+          </p:cxnSp>
+          <p:grpSp>
+            <p:nvGrpSpPr>
+              <p:cNvPr id="66" name="그룹 65"/>
+              <p:cNvGrpSpPr/>
+              <p:nvPr/>
+            </p:nvGrpSpPr>
+            <p:grpSpPr>
+              <a:xfrm>
+                <a:off x="8620729" y="3797791"/>
+                <a:ext cx="1389730" cy="532216"/>
+                <a:chOff x="8620729" y="3747808"/>
+                <a:chExt cx="1389730" cy="532216"/>
+              </a:xfrm>
+            </p:grpSpPr>
+            <p:sp>
+              <p:nvSpPr>
+                <p:cNvPr id="65" name="모서리가 둥근 직사각형 64"/>
+                <p:cNvSpPr/>
+                <p:nvPr/>
+              </p:nvSpPr>
+              <p:spPr>
+                <a:xfrm>
+                  <a:off x="8620729" y="3789154"/>
+                  <a:ext cx="1389730" cy="459486"/>
+                </a:xfrm>
+                <a:prstGeom prst="roundRect">
+                  <a:avLst>
+                    <a:gd name="adj" fmla="val 4464"/>
+                  </a:avLst>
+                </a:prstGeom>
+                <a:solidFill>
+                  <a:schemeClr val="bg1"/>
+                </a:solidFill>
+                <a:ln w="50800">
+                  <a:solidFill>
+                    <a:srgbClr val="4997D0"/>
+                  </a:solidFill>
+                </a:ln>
+              </p:spPr>
+              <p:style>
+                <a:lnRef idx="2">
+                  <a:schemeClr val="accent1">
+                    <a:shade val="50000"/>
+                  </a:schemeClr>
+                </a:lnRef>
+                <a:fillRef idx="1">
+                  <a:schemeClr val="accent1"/>
+                </a:fillRef>
+                <a:effectRef idx="0">
+                  <a:schemeClr val="accent1"/>
+                </a:effectRef>
+                <a:fontRef idx="minor">
+                  <a:schemeClr val="lt1"/>
+                </a:fontRef>
+              </p:style>
+              <p:txBody>
+                <a:bodyPr rtlCol="0" anchor="ctr"/>
+                <a:lstStyle/>
+                <a:p>
+                  <a:pPr algn="ctr"/>
+                  <a:endParaRPr lang="ko-KR" altLang="en-US"/>
+                </a:p>
+              </p:txBody>
+            </p:sp>
+            <p:pic>
+              <p:nvPicPr>
+                <p:cNvPr id="63" name="그림 62"/>
+                <p:cNvPicPr>
+                  <a:picLocks noChangeAspect="1"/>
+                </p:cNvPicPr>
+                <p:nvPr/>
+              </p:nvPicPr>
+              <p:blipFill>
+                <a:blip r:embed="rId6" cstate="print">
+                  <a:extLst>
+                    <a:ext uri="{28A0092B-C50C-407E-A947-70E740481C1C}">
+                      <a14:useLocalDpi xmlns:a14="http://schemas.microsoft.com/office/drawing/2010/main" val="0"/>
+                    </a:ext>
+                  </a:extLst>
+                </a:blip>
+                <a:stretch>
+                  <a:fillRect/>
+                </a:stretch>
+              </p:blipFill>
+              <p:spPr>
+                <a:xfrm>
+                  <a:off x="8730816" y="3747808"/>
+                  <a:ext cx="1169549" cy="532216"/>
+                </a:xfrm>
+                <a:prstGeom prst="rect">
+                  <a:avLst/>
+                </a:prstGeom>
+              </p:spPr>
+            </p:pic>
+          </p:grpSp>
+        </p:grpSp>
+      </p:grpSp>
+      <p:grpSp>
+        <p:nvGrpSpPr>
+          <p:cNvPr id="78" name="그룹 77"/>
+          <p:cNvGrpSpPr/>
+          <p:nvPr/>
+        </p:nvGrpSpPr>
+        <p:grpSpPr>
+          <a:xfrm>
+            <a:off x="4026204" y="432980"/>
+            <a:ext cx="1654091" cy="5971375"/>
+            <a:chOff x="6886595" y="698828"/>
+            <a:chExt cx="1654091" cy="5971375"/>
+          </a:xfrm>
+        </p:grpSpPr>
+        <p:sp>
+          <p:nvSpPr>
+            <p:cNvPr id="75" name="모서리가 둥근 직사각형 74"/>
+            <p:cNvSpPr/>
+            <p:nvPr/>
+          </p:nvSpPr>
+          <p:spPr>
+            <a:xfrm>
+              <a:off x="6886595" y="698828"/>
+              <a:ext cx="1636448" cy="5513436"/>
+            </a:xfrm>
+            <a:prstGeom prst="roundRect">
+              <a:avLst>
+                <a:gd name="adj" fmla="val 4464"/>
+              </a:avLst>
+            </a:prstGeom>
+            <a:solidFill>
+              <a:schemeClr val="bg1"/>
+            </a:solidFill>
+            <a:ln w="50800">
+              <a:solidFill>
+                <a:schemeClr val="tx1"/>
+              </a:solidFill>
+              <a:prstDash val="sysDash"/>
+            </a:ln>
+          </p:spPr>
+          <p:style>
+            <a:lnRef idx="2">
+              <a:schemeClr val="accent1">
+                <a:shade val="50000"/>
+              </a:schemeClr>
+            </a:lnRef>
+            <a:fillRef idx="1">
+              <a:schemeClr val="accent1"/>
+            </a:fillRef>
+            <a:effectRef idx="0">
+              <a:schemeClr val="accent1"/>
+            </a:effectRef>
+            <a:fontRef idx="minor">
+              <a:schemeClr val="lt1"/>
+            </a:fontRef>
+          </p:style>
+          <p:txBody>
+            <a:bodyPr rtlCol="0" anchor="ctr"/>
+            <a:lstStyle/>
+            <a:p>
+              <a:pPr algn="ctr"/>
+              <a:endParaRPr lang="ko-KR" altLang="en-US"/>
+            </a:p>
+          </p:txBody>
+        </p:sp>
+        <p:grpSp>
+          <p:nvGrpSpPr>
+            <p:cNvPr id="28" name="그룹 27"/>
+            <p:cNvGrpSpPr/>
+            <p:nvPr/>
+          </p:nvGrpSpPr>
+          <p:grpSpPr>
+            <a:xfrm>
+              <a:off x="7086775" y="890373"/>
+              <a:ext cx="1256318" cy="1594259"/>
+              <a:chOff x="8152485" y="922020"/>
+              <a:chExt cx="1256318" cy="1594259"/>
+            </a:xfrm>
+          </p:grpSpPr>
+          <p:grpSp>
+            <p:nvGrpSpPr>
+              <p:cNvPr id="10" name="그룹 9"/>
+              <p:cNvGrpSpPr/>
+              <p:nvPr/>
+            </p:nvGrpSpPr>
+            <p:grpSpPr>
+              <a:xfrm>
+                <a:off x="8152485" y="922020"/>
+                <a:ext cx="1256318" cy="1594259"/>
+                <a:chOff x="2043236" y="5429839"/>
+                <a:chExt cx="7230359" cy="754144"/>
+              </a:xfrm>
+            </p:grpSpPr>
+            <p:sp>
+              <p:nvSpPr>
+                <p:cNvPr id="11" name="모서리가 둥근 직사각형 10"/>
+                <p:cNvSpPr/>
+                <p:nvPr/>
+              </p:nvSpPr>
+              <p:spPr>
+                <a:xfrm>
+                  <a:off x="2043236" y="5429839"/>
+                  <a:ext cx="7230359" cy="754144"/>
+                </a:xfrm>
+                <a:prstGeom prst="roundRect">
+                  <a:avLst>
+                    <a:gd name="adj" fmla="val 4464"/>
+                  </a:avLst>
+                </a:prstGeom>
+                <a:solidFill>
+                  <a:schemeClr val="bg1"/>
+                </a:solidFill>
+                <a:ln w="50800">
+                  <a:solidFill>
+                    <a:srgbClr val="4997D0"/>
+                  </a:solidFill>
+                </a:ln>
+              </p:spPr>
+              <p:style>
+                <a:lnRef idx="2">
+                  <a:schemeClr val="accent1">
+                    <a:shade val="50000"/>
+                  </a:schemeClr>
+                </a:lnRef>
+                <a:fillRef idx="1">
+                  <a:schemeClr val="accent1"/>
+                </a:fillRef>
+                <a:effectRef idx="0">
+                  <a:schemeClr val="accent1"/>
+                </a:effectRef>
+                <a:fontRef idx="minor">
+                  <a:schemeClr val="lt1"/>
+                </a:fontRef>
+              </p:style>
+              <p:txBody>
+                <a:bodyPr rtlCol="0" anchor="ctr"/>
+                <a:lstStyle/>
+                <a:p>
+                  <a:pPr algn="ctr"/>
+                  <a:endParaRPr lang="ko-KR" altLang="en-US"/>
+                </a:p>
+              </p:txBody>
+            </p:sp>
+            <p:sp>
+              <p:nvSpPr>
+                <p:cNvPr id="12" name="TextBox 11"/>
+                <p:cNvSpPr txBox="1"/>
+                <p:nvPr/>
+              </p:nvSpPr>
+              <p:spPr>
+                <a:xfrm>
+                  <a:off x="3634249" y="5702386"/>
+                  <a:ext cx="4034670" cy="305739"/>
+                </a:xfrm>
+                <a:prstGeom prst="rect">
+                  <a:avLst/>
+                </a:prstGeom>
+                <a:noFill/>
+              </p:spPr>
+              <p:txBody>
+                <a:bodyPr wrap="square" rtlCol="0" anchor="ctr">
+                  <a:spAutoFit/>
+                </a:bodyPr>
+                <a:lstStyle/>
+                <a:p>
+                  <a:pPr algn="ctr"/>
+                  <a:r>
+                    <a:rPr lang="en-US" altLang="ko-KR" b="1" dirty="0" smtClean="0">
+                      <a:latin typeface="나눔스퀘어" panose="020B0600000101010101" pitchFamily="50" charset="-127"/>
+                      <a:ea typeface="나눔스퀘어" panose="020B0600000101010101" pitchFamily="50" charset="-127"/>
+                    </a:rPr>
+                    <a:t>Auth.</a:t>
+                  </a:r>
+                </a:p>
+                <a:p>
+                  <a:pPr algn="ctr"/>
+                  <a:r>
+                    <a:rPr lang="en-US" altLang="ko-KR" b="1" dirty="0" smtClean="0">
+                      <a:latin typeface="나눔스퀘어" panose="020B0600000101010101" pitchFamily="50" charset="-127"/>
+                      <a:ea typeface="나눔스퀘어" panose="020B0600000101010101" pitchFamily="50" charset="-127"/>
+                    </a:rPr>
+                    <a:t>API</a:t>
+                  </a:r>
+                  <a:endParaRPr lang="ko-KR" altLang="en-US" b="1" dirty="0">
+                    <a:latin typeface="나눔스퀘어" panose="020B0600000101010101" pitchFamily="50" charset="-127"/>
+                    <a:ea typeface="나눔스퀘어" panose="020B0600000101010101" pitchFamily="50" charset="-127"/>
+                  </a:endParaRPr>
+                </a:p>
+              </p:txBody>
+            </p:sp>
+          </p:grpSp>
+          <p:pic>
+            <p:nvPicPr>
+              <p:cNvPr id="26" name="그림 25"/>
+              <p:cNvPicPr>
+                <a:picLocks noChangeAspect="1"/>
+              </p:cNvPicPr>
+              <p:nvPr/>
+            </p:nvPicPr>
+            <p:blipFill>
+              <a:blip r:embed="rId7">
+                <a:extLst>
+                  <a:ext uri="{28A0092B-C50C-407E-A947-70E740481C1C}">
+                    <a14:useLocalDpi xmlns:a14="http://schemas.microsoft.com/office/drawing/2010/main" val="0"/>
+                  </a:ext>
+                </a:extLst>
+              </a:blip>
+              <a:stretch>
+                <a:fillRect/>
+              </a:stretch>
+            </p:blipFill>
+            <p:spPr>
+              <a:xfrm>
+                <a:off x="8430120" y="1124494"/>
+                <a:ext cx="706981" cy="373690"/>
+              </a:xfrm>
+              <a:prstGeom prst="rect">
+                <a:avLst/>
+              </a:prstGeom>
+            </p:spPr>
+          </p:pic>
+        </p:grpSp>
+        <p:grpSp>
+          <p:nvGrpSpPr>
+            <p:cNvPr id="31" name="그룹 30"/>
+            <p:cNvGrpSpPr/>
+            <p:nvPr/>
+          </p:nvGrpSpPr>
+          <p:grpSpPr>
+            <a:xfrm>
+              <a:off x="7086775" y="4426460"/>
+              <a:ext cx="1256318" cy="1594259"/>
+              <a:chOff x="8152485" y="2126000"/>
+              <a:chExt cx="1256318" cy="1594259"/>
+            </a:xfrm>
+          </p:grpSpPr>
+          <p:grpSp>
+            <p:nvGrpSpPr>
+              <p:cNvPr id="13" name="그룹 12"/>
+              <p:cNvGrpSpPr/>
+              <p:nvPr/>
+            </p:nvGrpSpPr>
+            <p:grpSpPr>
+              <a:xfrm>
+                <a:off x="8152485" y="2126000"/>
+                <a:ext cx="1256318" cy="1594259"/>
+                <a:chOff x="2043236" y="5429839"/>
+                <a:chExt cx="7230359" cy="754144"/>
+              </a:xfrm>
+            </p:grpSpPr>
+            <p:sp>
+              <p:nvSpPr>
+                <p:cNvPr id="14" name="모서리가 둥근 직사각형 13"/>
+                <p:cNvSpPr/>
+                <p:nvPr/>
+              </p:nvSpPr>
+              <p:spPr>
+                <a:xfrm>
+                  <a:off x="2043236" y="5429839"/>
+                  <a:ext cx="7230359" cy="754144"/>
+                </a:xfrm>
+                <a:prstGeom prst="roundRect">
+                  <a:avLst>
+                    <a:gd name="adj" fmla="val 4464"/>
+                  </a:avLst>
+                </a:prstGeom>
+                <a:solidFill>
+                  <a:schemeClr val="bg1"/>
+                </a:solidFill>
+                <a:ln w="50800">
+                  <a:solidFill>
+                    <a:srgbClr val="4997D0"/>
+                  </a:solidFill>
+                </a:ln>
+              </p:spPr>
+              <p:style>
+                <a:lnRef idx="2">
+                  <a:schemeClr val="accent1">
+                    <a:shade val="50000"/>
+                  </a:schemeClr>
+                </a:lnRef>
+                <a:fillRef idx="1">
+                  <a:schemeClr val="accent1"/>
+                </a:fillRef>
+                <a:effectRef idx="0">
+                  <a:schemeClr val="accent1"/>
+                </a:effectRef>
+                <a:fontRef idx="minor">
+                  <a:schemeClr val="lt1"/>
+                </a:fontRef>
+              </p:style>
+              <p:txBody>
+                <a:bodyPr rtlCol="0" anchor="ctr"/>
+                <a:lstStyle/>
+                <a:p>
+                  <a:pPr algn="ctr"/>
+                  <a:endParaRPr lang="ko-KR" altLang="en-US"/>
+                </a:p>
+              </p:txBody>
+            </p:sp>
+            <p:sp>
+              <p:nvSpPr>
+                <p:cNvPr id="15" name="TextBox 14"/>
+                <p:cNvSpPr txBox="1"/>
+                <p:nvPr/>
+              </p:nvSpPr>
+              <p:spPr>
+                <a:xfrm>
+                  <a:off x="2785668" y="5688282"/>
+                  <a:ext cx="5745495" cy="305739"/>
+                </a:xfrm>
+                <a:prstGeom prst="rect">
+                  <a:avLst/>
+                </a:prstGeom>
+                <a:noFill/>
+              </p:spPr>
+              <p:txBody>
+                <a:bodyPr wrap="square" rtlCol="0" anchor="ctr">
+                  <a:spAutoFit/>
+                </a:bodyPr>
+                <a:lstStyle/>
+                <a:p>
+                  <a:pPr algn="ctr"/>
+                  <a:r>
+                    <a:rPr lang="en-US" altLang="ko-KR" b="1" dirty="0" smtClean="0">
+                      <a:latin typeface="나눔스퀘어" panose="020B0600000101010101" pitchFamily="50" charset="-127"/>
+                      <a:ea typeface="나눔스퀘어" panose="020B0600000101010101" pitchFamily="50" charset="-127"/>
+                    </a:rPr>
+                    <a:t>Article</a:t>
+                  </a:r>
+                </a:p>
+                <a:p>
+                  <a:pPr algn="ctr"/>
+                  <a:r>
+                    <a:rPr lang="en-US" altLang="ko-KR" b="1" dirty="0" smtClean="0">
+                      <a:latin typeface="나눔스퀘어" panose="020B0600000101010101" pitchFamily="50" charset="-127"/>
+                      <a:ea typeface="나눔스퀘어" panose="020B0600000101010101" pitchFamily="50" charset="-127"/>
+                    </a:rPr>
+                    <a:t>API</a:t>
+                  </a:r>
+                  <a:endParaRPr lang="ko-KR" altLang="en-US" b="1" dirty="0">
+                    <a:latin typeface="나눔스퀘어" panose="020B0600000101010101" pitchFamily="50" charset="-127"/>
+                    <a:ea typeface="나눔스퀘어" panose="020B0600000101010101" pitchFamily="50" charset="-127"/>
+                  </a:endParaRPr>
+                </a:p>
+              </p:txBody>
+            </p:sp>
+          </p:grpSp>
+          <p:pic>
+            <p:nvPicPr>
+              <p:cNvPr id="27" name="그림 26"/>
+              <p:cNvPicPr>
+                <a:picLocks noChangeAspect="1"/>
+              </p:cNvPicPr>
+              <p:nvPr/>
+            </p:nvPicPr>
+            <p:blipFill>
+              <a:blip r:embed="rId7">
+                <a:extLst>
+                  <a:ext uri="{28A0092B-C50C-407E-A947-70E740481C1C}">
+                    <a14:useLocalDpi xmlns:a14="http://schemas.microsoft.com/office/drawing/2010/main" val="0"/>
+                  </a:ext>
+                </a:extLst>
+              </a:blip>
+              <a:stretch>
+                <a:fillRect/>
+              </a:stretch>
+            </p:blipFill>
+            <p:spPr>
+              <a:xfrm>
+                <a:off x="8430120" y="2328474"/>
+                <a:ext cx="706981" cy="373690"/>
+              </a:xfrm>
+              <a:prstGeom prst="rect">
+                <a:avLst/>
+              </a:prstGeom>
+            </p:spPr>
+          </p:pic>
+        </p:grpSp>
+        <p:grpSp>
+          <p:nvGrpSpPr>
+            <p:cNvPr id="30" name="그룹 29"/>
+            <p:cNvGrpSpPr/>
+            <p:nvPr/>
+          </p:nvGrpSpPr>
+          <p:grpSpPr>
+            <a:xfrm>
+              <a:off x="7086775" y="2658416"/>
+              <a:ext cx="1256318" cy="1594260"/>
+              <a:chOff x="5225701" y="2126000"/>
+              <a:chExt cx="1256318" cy="1594260"/>
+            </a:xfrm>
+          </p:grpSpPr>
+          <p:grpSp>
+            <p:nvGrpSpPr>
+              <p:cNvPr id="17" name="그룹 16"/>
+              <p:cNvGrpSpPr/>
+              <p:nvPr/>
+            </p:nvGrpSpPr>
+            <p:grpSpPr>
+              <a:xfrm>
+                <a:off x="5225701" y="2126000"/>
+                <a:ext cx="1256318" cy="1594260"/>
+                <a:chOff x="2043236" y="5429839"/>
+                <a:chExt cx="7230359" cy="754144"/>
+              </a:xfrm>
+            </p:grpSpPr>
+            <p:sp>
+              <p:nvSpPr>
+                <p:cNvPr id="18" name="모서리가 둥근 직사각형 17"/>
+                <p:cNvSpPr/>
+                <p:nvPr/>
+              </p:nvSpPr>
+              <p:spPr>
+                <a:xfrm>
+                  <a:off x="2043236" y="5429839"/>
+                  <a:ext cx="7230359" cy="754144"/>
+                </a:xfrm>
+                <a:prstGeom prst="roundRect">
+                  <a:avLst>
+                    <a:gd name="adj" fmla="val 4464"/>
+                  </a:avLst>
+                </a:prstGeom>
+                <a:solidFill>
+                  <a:schemeClr val="bg1"/>
+                </a:solidFill>
+                <a:ln w="50800">
+                  <a:solidFill>
+                    <a:srgbClr val="4997D0"/>
+                  </a:solidFill>
+                </a:ln>
+              </p:spPr>
+              <p:style>
+                <a:lnRef idx="2">
+                  <a:schemeClr val="accent1">
+                    <a:shade val="50000"/>
+                  </a:schemeClr>
+                </a:lnRef>
+                <a:fillRef idx="1">
+                  <a:schemeClr val="accent1"/>
+                </a:fillRef>
+                <a:effectRef idx="0">
+                  <a:schemeClr val="accent1"/>
+                </a:effectRef>
+                <a:fontRef idx="minor">
+                  <a:schemeClr val="lt1"/>
+                </a:fontRef>
+              </p:style>
+              <p:txBody>
+                <a:bodyPr rtlCol="0" anchor="ctr"/>
+                <a:lstStyle/>
+                <a:p>
+                  <a:pPr algn="ctr"/>
+                  <a:endParaRPr lang="ko-KR" altLang="en-US"/>
+                </a:p>
+              </p:txBody>
+            </p:sp>
+            <p:sp>
+              <p:nvSpPr>
+                <p:cNvPr id="19" name="TextBox 18"/>
+                <p:cNvSpPr txBox="1"/>
+                <p:nvPr/>
+              </p:nvSpPr>
+              <p:spPr>
+                <a:xfrm>
+                  <a:off x="3641080" y="5661309"/>
+                  <a:ext cx="4034670" cy="305738"/>
+                </a:xfrm>
+                <a:prstGeom prst="rect">
+                  <a:avLst/>
+                </a:prstGeom>
+                <a:noFill/>
+              </p:spPr>
+              <p:txBody>
+                <a:bodyPr wrap="square" rtlCol="0" anchor="ctr">
+                  <a:spAutoFit/>
+                </a:bodyPr>
+                <a:lstStyle/>
+                <a:p>
+                  <a:pPr algn="ctr"/>
+                  <a:r>
+                    <a:rPr lang="en-US" altLang="ko-KR" b="1" dirty="0" smtClean="0">
+                      <a:latin typeface="나눔스퀘어" panose="020B0600000101010101" pitchFamily="50" charset="-127"/>
+                      <a:ea typeface="나눔스퀘어" panose="020B0600000101010101" pitchFamily="50" charset="-127"/>
+                    </a:rPr>
+                    <a:t>User</a:t>
+                  </a:r>
+                </a:p>
+                <a:p>
+                  <a:pPr algn="ctr"/>
+                  <a:r>
+                    <a:rPr lang="en-US" altLang="ko-KR" b="1" dirty="0" smtClean="0">
+                      <a:latin typeface="나눔스퀘어" panose="020B0600000101010101" pitchFamily="50" charset="-127"/>
+                      <a:ea typeface="나눔스퀘어" panose="020B0600000101010101" pitchFamily="50" charset="-127"/>
+                    </a:rPr>
+                    <a:t>API</a:t>
+                  </a:r>
+                  <a:endParaRPr lang="ko-KR" altLang="en-US" b="1" dirty="0">
+                    <a:latin typeface="나눔스퀘어" panose="020B0600000101010101" pitchFamily="50" charset="-127"/>
+                    <a:ea typeface="나눔스퀘어" panose="020B0600000101010101" pitchFamily="50" charset="-127"/>
+                  </a:endParaRPr>
+                </a:p>
+              </p:txBody>
+            </p:sp>
+          </p:grpSp>
+          <p:pic>
+            <p:nvPicPr>
+              <p:cNvPr id="29" name="그림 28"/>
+              <p:cNvPicPr>
+                <a:picLocks noChangeAspect="1"/>
+              </p:cNvPicPr>
+              <p:nvPr/>
+            </p:nvPicPr>
+            <p:blipFill>
+              <a:blip r:embed="rId7">
+                <a:extLst>
+                  <a:ext uri="{28A0092B-C50C-407E-A947-70E740481C1C}">
+                    <a14:useLocalDpi xmlns:a14="http://schemas.microsoft.com/office/drawing/2010/main" val="0"/>
+                  </a:ext>
+                </a:extLst>
+              </a:blip>
+              <a:stretch>
+                <a:fillRect/>
+              </a:stretch>
+            </p:blipFill>
+            <p:spPr>
+              <a:xfrm>
+                <a:off x="5492898" y="2328474"/>
+                <a:ext cx="706981" cy="373690"/>
+              </a:xfrm>
+              <a:prstGeom prst="rect">
+                <a:avLst/>
+              </a:prstGeom>
+            </p:spPr>
+          </p:pic>
+        </p:grpSp>
+        <p:sp>
+          <p:nvSpPr>
+            <p:cNvPr id="77" name="TextBox 76"/>
+            <p:cNvSpPr txBox="1"/>
+            <p:nvPr/>
+          </p:nvSpPr>
+          <p:spPr>
+            <a:xfrm>
+              <a:off x="6889182" y="6300871"/>
+              <a:ext cx="1651504" cy="369332"/>
+            </a:xfrm>
+            <a:prstGeom prst="rect">
+              <a:avLst/>
+            </a:prstGeom>
+            <a:noFill/>
+          </p:spPr>
+          <p:txBody>
+            <a:bodyPr wrap="square" rtlCol="0" anchor="ctr">
+              <a:spAutoFit/>
+            </a:bodyPr>
+            <a:lstStyle/>
+            <a:p>
+              <a:pPr algn="ctr"/>
+              <a:r>
+                <a:rPr lang="en-US" altLang="ko-KR" b="1" dirty="0" err="1" smtClean="0">
+                  <a:latin typeface="나눔스퀘어" panose="020B0600000101010101" pitchFamily="50" charset="-127"/>
+                  <a:ea typeface="나눔스퀘어" panose="020B0600000101010101" pitchFamily="50" charset="-127"/>
+                </a:rPr>
+                <a:t>Microservices</a:t>
+              </a:r>
+              <a:endParaRPr lang="ko-KR" altLang="en-US" b="1" dirty="0">
+                <a:latin typeface="나눔스퀘어" panose="020B0600000101010101" pitchFamily="50" charset="-127"/>
+                <a:ea typeface="나눔스퀘어" panose="020B0600000101010101" pitchFamily="50" charset="-127"/>
+              </a:endParaRPr>
+            </a:p>
+          </p:txBody>
+        </p:sp>
+      </p:grpSp>
+      <p:grpSp>
+        <p:nvGrpSpPr>
+          <p:cNvPr id="84" name="그룹 83"/>
+          <p:cNvGrpSpPr/>
+          <p:nvPr/>
+        </p:nvGrpSpPr>
+        <p:grpSpPr>
+          <a:xfrm>
+            <a:off x="5817363" y="3327488"/>
+            <a:ext cx="411855" cy="176476"/>
+            <a:chOff x="2794611" y="4755637"/>
+            <a:chExt cx="411855" cy="176476"/>
+          </a:xfrm>
+        </p:grpSpPr>
+        <p:cxnSp>
+          <p:nvCxnSpPr>
+            <p:cNvPr id="80" name="직선 화살표 연결선 79"/>
+            <p:cNvCxnSpPr/>
+            <p:nvPr/>
+          </p:nvCxnSpPr>
+          <p:spPr>
+            <a:xfrm>
+              <a:off x="2794611" y="4755637"/>
+              <a:ext cx="411855" cy="0"/>
+            </a:xfrm>
+            <a:prstGeom prst="straightConnector1">
+              <a:avLst/>
+            </a:prstGeom>
+            <a:ln w="38100">
+              <a:solidFill>
+                <a:schemeClr val="tx1"/>
+              </a:solidFill>
+              <a:tailEnd type="triangle"/>
+            </a:ln>
+          </p:spPr>
+          <p:style>
+            <a:lnRef idx="1">
+              <a:schemeClr val="accent1"/>
+            </a:lnRef>
+            <a:fillRef idx="0">
+              <a:schemeClr val="accent1"/>
+            </a:fillRef>
+            <a:effectRef idx="0">
+              <a:schemeClr val="accent1"/>
+            </a:effectRef>
+            <a:fontRef idx="minor">
+              <a:schemeClr val="tx1"/>
+            </a:fontRef>
+          </p:style>
+        </p:cxnSp>
+        <p:cxnSp>
+          <p:nvCxnSpPr>
+            <p:cNvPr id="81" name="직선 화살표 연결선 80"/>
+            <p:cNvCxnSpPr/>
+            <p:nvPr/>
+          </p:nvCxnSpPr>
+          <p:spPr>
+            <a:xfrm flipH="1">
+              <a:off x="2794612" y="4932113"/>
+              <a:ext cx="411854" cy="0"/>
+            </a:xfrm>
+            <a:prstGeom prst="straightConnector1">
+              <a:avLst/>
+            </a:prstGeom>
+            <a:ln w="38100">
+              <a:solidFill>
+                <a:schemeClr val="tx1"/>
+              </a:solidFill>
+              <a:tailEnd type="triangle"/>
+            </a:ln>
+          </p:spPr>
+          <p:style>
+            <a:lnRef idx="1">
+              <a:schemeClr val="accent1"/>
+            </a:lnRef>
+            <a:fillRef idx="0">
+              <a:schemeClr val="accent1"/>
+            </a:fillRef>
+            <a:effectRef idx="0">
+              <a:schemeClr val="accent1"/>
+            </a:effectRef>
+            <a:fontRef idx="minor">
+              <a:schemeClr val="tx1"/>
+            </a:fontRef>
+          </p:style>
+        </p:cxnSp>
+      </p:grpSp>
+      <p:grpSp>
+        <p:nvGrpSpPr>
+          <p:cNvPr id="85" name="그룹 84"/>
+          <p:cNvGrpSpPr/>
+          <p:nvPr/>
+        </p:nvGrpSpPr>
+        <p:grpSpPr>
+          <a:xfrm>
+            <a:off x="3536894" y="3327488"/>
+            <a:ext cx="411855" cy="176476"/>
+            <a:chOff x="2794611" y="4755637"/>
+            <a:chExt cx="411855" cy="176476"/>
+          </a:xfrm>
+        </p:grpSpPr>
+        <p:cxnSp>
+          <p:nvCxnSpPr>
+            <p:cNvPr id="86" name="직선 화살표 연결선 85"/>
+            <p:cNvCxnSpPr/>
+            <p:nvPr/>
+          </p:nvCxnSpPr>
+          <p:spPr>
+            <a:xfrm>
+              <a:off x="2794611" y="4755637"/>
+              <a:ext cx="411855" cy="0"/>
+            </a:xfrm>
+            <a:prstGeom prst="straightConnector1">
+              <a:avLst/>
+            </a:prstGeom>
+            <a:ln w="38100">
+              <a:solidFill>
+                <a:schemeClr val="tx1"/>
+              </a:solidFill>
+              <a:tailEnd type="triangle"/>
+            </a:ln>
+          </p:spPr>
+          <p:style>
+            <a:lnRef idx="1">
+              <a:schemeClr val="accent1"/>
+            </a:lnRef>
+            <a:fillRef idx="0">
+              <a:schemeClr val="accent1"/>
+            </a:fillRef>
+            <a:effectRef idx="0">
+              <a:schemeClr val="accent1"/>
+            </a:effectRef>
+            <a:fontRef idx="minor">
+              <a:schemeClr val="tx1"/>
+            </a:fontRef>
+          </p:style>
+        </p:cxnSp>
+        <p:cxnSp>
+          <p:nvCxnSpPr>
+            <p:cNvPr id="87" name="직선 화살표 연결선 86"/>
+            <p:cNvCxnSpPr/>
+            <p:nvPr/>
+          </p:nvCxnSpPr>
+          <p:spPr>
+            <a:xfrm flipH="1">
+              <a:off x="2794612" y="4932113"/>
+              <a:ext cx="411854" cy="0"/>
+            </a:xfrm>
+            <a:prstGeom prst="straightConnector1">
+              <a:avLst/>
+            </a:prstGeom>
+            <a:ln w="38100">
+              <a:solidFill>
+                <a:schemeClr val="tx1"/>
+              </a:solidFill>
+              <a:tailEnd type="triangle"/>
+            </a:ln>
+          </p:spPr>
+          <p:style>
+            <a:lnRef idx="1">
+              <a:schemeClr val="accent1"/>
+            </a:lnRef>
+            <a:fillRef idx="0">
+              <a:schemeClr val="accent1"/>
+            </a:fillRef>
+            <a:effectRef idx="0">
+              <a:schemeClr val="accent1"/>
+            </a:effectRef>
+            <a:fontRef idx="minor">
+              <a:schemeClr val="tx1"/>
+            </a:fontRef>
+          </p:style>
+        </p:cxnSp>
+      </p:grpSp>
+      <p:grpSp>
+        <p:nvGrpSpPr>
+          <p:cNvPr id="88" name="그룹 87"/>
+          <p:cNvGrpSpPr/>
+          <p:nvPr/>
+        </p:nvGrpSpPr>
+        <p:grpSpPr>
+          <a:xfrm>
+            <a:off x="1635346" y="3330430"/>
+            <a:ext cx="411855" cy="176476"/>
+            <a:chOff x="2794611" y="4755637"/>
+            <a:chExt cx="411855" cy="176476"/>
+          </a:xfrm>
+        </p:grpSpPr>
+        <p:cxnSp>
+          <p:nvCxnSpPr>
+            <p:cNvPr id="89" name="직선 화살표 연결선 88"/>
+            <p:cNvCxnSpPr/>
+            <p:nvPr/>
+          </p:nvCxnSpPr>
+          <p:spPr>
+            <a:xfrm>
+              <a:off x="2794611" y="4755637"/>
+              <a:ext cx="411855" cy="0"/>
+            </a:xfrm>
+            <a:prstGeom prst="straightConnector1">
+              <a:avLst/>
+            </a:prstGeom>
+            <a:ln w="38100">
+              <a:solidFill>
+                <a:schemeClr val="tx1"/>
+              </a:solidFill>
+              <a:tailEnd type="triangle"/>
+            </a:ln>
+          </p:spPr>
+          <p:style>
+            <a:lnRef idx="1">
+              <a:schemeClr val="accent1"/>
+            </a:lnRef>
+            <a:fillRef idx="0">
+              <a:schemeClr val="accent1"/>
+            </a:fillRef>
+            <a:effectRef idx="0">
+              <a:schemeClr val="accent1"/>
+            </a:effectRef>
+            <a:fontRef idx="minor">
+              <a:schemeClr val="tx1"/>
+            </a:fontRef>
+          </p:style>
+        </p:cxnSp>
+        <p:cxnSp>
+          <p:nvCxnSpPr>
+            <p:cNvPr id="90" name="직선 화살표 연결선 89"/>
+            <p:cNvCxnSpPr/>
+            <p:nvPr/>
+          </p:nvCxnSpPr>
+          <p:spPr>
+            <a:xfrm flipH="1">
+              <a:off x="2794612" y="4932113"/>
+              <a:ext cx="411854" cy="0"/>
+            </a:xfrm>
+            <a:prstGeom prst="straightConnector1">
+              <a:avLst/>
+            </a:prstGeom>
+            <a:ln w="38100">
+              <a:solidFill>
+                <a:schemeClr val="tx1"/>
+              </a:solidFill>
+              <a:tailEnd type="triangle"/>
+            </a:ln>
+          </p:spPr>
+          <p:style>
+            <a:lnRef idx="1">
+              <a:schemeClr val="accent1"/>
+            </a:lnRef>
+            <a:fillRef idx="0">
+              <a:schemeClr val="accent1"/>
+            </a:fillRef>
+            <a:effectRef idx="0">
+              <a:schemeClr val="accent1"/>
+            </a:effectRef>
+            <a:fontRef idx="minor">
+              <a:schemeClr val="tx1"/>
+            </a:fontRef>
+          </p:style>
+        </p:cxnSp>
+      </p:grpSp>
+    </p:spTree>
+    <p:extLst>
+      <p:ext uri="{BB962C8B-B14F-4D97-AF65-F5344CB8AC3E}">
+        <p14:creationId xmlns:p14="http://schemas.microsoft.com/office/powerpoint/2010/main" val="408578166"/>
+      </p:ext>
+    </p:extLst>
+  </p:cSld>
+  <p:clrMapOvr>
+    <a:masterClrMapping/>
+  </p:clrMapOvr>
+  <p:timing>
+    <p:tnLst>
+      <p:par>
+        <p:cTn id="1" dur="indefinite" restart="never" nodeType="tmRoot"/>
+      </p:par>
+    </p:tnLst>
+  </p:timing>
+</p:sld>
+</file>
+
+<file path=ppt/slides/slide8.xml><?xml version="1.0" encoding="utf-8"?>
+<p:sld xmlns:a="http://schemas.openxmlformats.org/drawingml/2006/main" xmlns:r="http://schemas.openxmlformats.org/officeDocument/2006/relationships" xmlns:p="http://schemas.openxmlformats.org/presentationml/2006/main">
+  <p:cSld>
+    <p:spTree>
+      <p:nvGrpSpPr>
+        <p:cNvPr id="1" name=""/>
+        <p:cNvGrpSpPr/>
+        <p:nvPr/>
+      </p:nvGrpSpPr>
+      <p:grpSpPr>
+        <a:xfrm>
+          <a:off x="0" y="0"/>
+          <a:ext cx="0" cy="0"/>
+          <a:chOff x="0" y="0"/>
+          <a:chExt cx="0" cy="0"/>
+        </a:xfrm>
+      </p:grpSpPr>
+    </p:spTree>
+    <p:extLst>
+      <p:ext uri="{BB962C8B-B14F-4D97-AF65-F5344CB8AC3E}">
+        <p14:creationId xmlns:p14="http://schemas.microsoft.com/office/powerpoint/2010/main" val="262071028"/>
       </p:ext>
     </p:extLst>
   </p:cSld>

--- a/docs/raws/diagrams.pptx
+++ b/docs/raws/diagrams.pptx
@@ -13,6 +13,8 @@
     <p:sldId id="258" r:id="rId7"/>
     <p:sldId id="263" r:id="rId8"/>
     <p:sldId id="262" r:id="rId9"/>
+    <p:sldId id="264" r:id="rId10"/>
+    <p:sldId id="265" r:id="rId11"/>
   </p:sldIdLst>
   <p:sldSz cx="12192000" cy="6858000"/>
   <p:notesSz cx="6858000" cy="9144000"/>
@@ -130,6 +132,1061 @@
 </p:presentation>
 </file>
 
+<file path=ppt/charts/chart1.xml><?xml version="1.0" encoding="utf-8"?>
+<c:chartSpace xmlns:c="http://schemas.openxmlformats.org/drawingml/2006/chart" xmlns:a="http://schemas.openxmlformats.org/drawingml/2006/main" xmlns:r="http://schemas.openxmlformats.org/officeDocument/2006/relationships" xmlns:c16r2="http://schemas.microsoft.com/office/drawing/2015/06/chart">
+  <c:date1904 val="0"/>
+  <c:lang val="ko-KR"/>
+  <c:roundedCorners val="0"/>
+  <mc:AlternateContent xmlns:mc="http://schemas.openxmlformats.org/markup-compatibility/2006">
+    <mc:Choice xmlns:c14="http://schemas.microsoft.com/office/drawing/2007/8/2/chart" Requires="c14">
+      <c14:style val="102"/>
+    </mc:Choice>
+    <mc:Fallback>
+      <c:style val="2"/>
+    </mc:Fallback>
+  </mc:AlternateContent>
+  <c:chart>
+    <c:title>
+      <c:tx>
+        <c:rich>
+          <a:bodyPr rot="0" spcFirstLastPara="1" vertOverflow="ellipsis" vert="horz" wrap="square" anchor="ctr" anchorCtr="1"/>
+          <a:lstStyle/>
+          <a:p>
+            <a:pPr>
+              <a:defRPr sz="1862" b="0" i="0" u="none" strike="noStrike" kern="1200" spc="0" baseline="0">
+                <a:solidFill>
+                  <a:schemeClr val="tx1">
+                    <a:lumMod val="65000"/>
+                    <a:lumOff val="35000"/>
+                  </a:schemeClr>
+                </a:solidFill>
+                <a:latin typeface="+mn-lt"/>
+                <a:ea typeface="+mn-ea"/>
+                <a:cs typeface="+mn-cs"/>
+              </a:defRPr>
+            </a:pPr>
+            <a:r>
+              <a:rPr lang="ko-KR" altLang="en-US" smtClean="0"/>
+              <a:t>종이신문 </a:t>
+            </a:r>
+            <a:r>
+              <a:rPr lang="ko-KR" altLang="en-US" dirty="0" err="1" smtClean="0"/>
+              <a:t>열독률</a:t>
+            </a:r>
+            <a:endParaRPr lang="en-US" altLang="ko-KR" dirty="0"/>
+          </a:p>
+        </c:rich>
+      </c:tx>
+      <c:layout/>
+      <c:overlay val="0"/>
+      <c:spPr>
+        <a:noFill/>
+        <a:ln>
+          <a:noFill/>
+        </a:ln>
+        <a:effectLst/>
+      </c:spPr>
+      <c:txPr>
+        <a:bodyPr rot="0" spcFirstLastPara="1" vertOverflow="ellipsis" vert="horz" wrap="square" anchor="ctr" anchorCtr="1"/>
+        <a:lstStyle/>
+        <a:p>
+          <a:pPr>
+            <a:defRPr sz="1862" b="0" i="0" u="none" strike="noStrike" kern="1200" spc="0" baseline="0">
+              <a:solidFill>
+                <a:schemeClr val="tx1">
+                  <a:lumMod val="65000"/>
+                  <a:lumOff val="35000"/>
+                </a:schemeClr>
+              </a:solidFill>
+              <a:latin typeface="+mn-lt"/>
+              <a:ea typeface="+mn-ea"/>
+              <a:cs typeface="+mn-cs"/>
+            </a:defRPr>
+          </a:pPr>
+          <a:endParaRPr lang="ko-KR"/>
+        </a:p>
+      </c:txPr>
+    </c:title>
+    <c:autoTitleDeleted val="0"/>
+    <c:plotArea>
+      <c:layout/>
+      <c:lineChart>
+        <c:grouping val="standard"/>
+        <c:varyColors val="0"/>
+        <c:ser>
+          <c:idx val="0"/>
+          <c:order val="0"/>
+          <c:tx>
+            <c:strRef>
+              <c:f>Sheet1!$B$1</c:f>
+              <c:strCache>
+                <c:ptCount val="1"/>
+                <c:pt idx="0">
+                  <c:v>열독률(%)</c:v>
+                </c:pt>
+              </c:strCache>
+            </c:strRef>
+          </c:tx>
+          <c:spPr>
+            <a:ln w="28575" cap="rnd">
+              <a:solidFill>
+                <a:schemeClr val="accent6"/>
+              </a:solidFill>
+              <a:round/>
+            </a:ln>
+            <a:effectLst/>
+          </c:spPr>
+          <c:marker>
+            <c:symbol val="none"/>
+          </c:marker>
+          <c:cat>
+            <c:numRef>
+              <c:f>Sheet1!$A$2:$A$17</c:f>
+              <c:numCache>
+                <c:formatCode>General</c:formatCode>
+                <c:ptCount val="16"/>
+                <c:pt idx="0">
+                  <c:v>1993</c:v>
+                </c:pt>
+                <c:pt idx="1">
+                  <c:v>1996</c:v>
+                </c:pt>
+                <c:pt idx="2">
+                  <c:v>1998</c:v>
+                </c:pt>
+                <c:pt idx="3">
+                  <c:v>2000</c:v>
+                </c:pt>
+                <c:pt idx="4">
+                  <c:v>2002</c:v>
+                </c:pt>
+                <c:pt idx="5">
+                  <c:v>2004</c:v>
+                </c:pt>
+                <c:pt idx="6">
+                  <c:v>2006</c:v>
+                </c:pt>
+                <c:pt idx="7">
+                  <c:v>2008</c:v>
+                </c:pt>
+                <c:pt idx="8">
+                  <c:v>2010</c:v>
+                </c:pt>
+                <c:pt idx="9">
+                  <c:v>2011</c:v>
+                </c:pt>
+                <c:pt idx="10">
+                  <c:v>2012</c:v>
+                </c:pt>
+                <c:pt idx="11">
+                  <c:v>2013</c:v>
+                </c:pt>
+                <c:pt idx="12">
+                  <c:v>2014</c:v>
+                </c:pt>
+                <c:pt idx="13">
+                  <c:v>2015</c:v>
+                </c:pt>
+                <c:pt idx="14">
+                  <c:v>2016</c:v>
+                </c:pt>
+                <c:pt idx="15">
+                  <c:v>2017</c:v>
+                </c:pt>
+              </c:numCache>
+            </c:numRef>
+          </c:cat>
+          <c:val>
+            <c:numRef>
+              <c:f>Sheet1!$B$2:$B$17</c:f>
+              <c:numCache>
+                <c:formatCode>General</c:formatCode>
+                <c:ptCount val="16"/>
+                <c:pt idx="0">
+                  <c:v>87.8</c:v>
+                </c:pt>
+                <c:pt idx="1">
+                  <c:v>85.2</c:v>
+                </c:pt>
+                <c:pt idx="2">
+                  <c:v>83.8</c:v>
+                </c:pt>
+                <c:pt idx="3">
+                  <c:v>81.400000000000006</c:v>
+                </c:pt>
+                <c:pt idx="4">
+                  <c:v>82.1</c:v>
+                </c:pt>
+                <c:pt idx="5">
+                  <c:v>76</c:v>
+                </c:pt>
+                <c:pt idx="6">
+                  <c:v>68.8</c:v>
+                </c:pt>
+                <c:pt idx="7">
+                  <c:v>58.5</c:v>
+                </c:pt>
+                <c:pt idx="8">
+                  <c:v>52.6</c:v>
+                </c:pt>
+                <c:pt idx="9">
+                  <c:v>44.6</c:v>
+                </c:pt>
+                <c:pt idx="10">
+                  <c:v>40.9</c:v>
+                </c:pt>
+                <c:pt idx="11">
+                  <c:v>33.799999999999997</c:v>
+                </c:pt>
+                <c:pt idx="12">
+                  <c:v>30.7</c:v>
+                </c:pt>
+                <c:pt idx="13">
+                  <c:v>25.4</c:v>
+                </c:pt>
+                <c:pt idx="14">
+                  <c:v>20.9</c:v>
+                </c:pt>
+                <c:pt idx="15">
+                  <c:v>16.7</c:v>
+                </c:pt>
+              </c:numCache>
+            </c:numRef>
+          </c:val>
+          <c:smooth val="0"/>
+          <c:extLst>
+            <c:ext xmlns:c16="http://schemas.microsoft.com/office/drawing/2014/chart" uri="{C3380CC4-5D6E-409C-BE32-E72D297353CC}">
+              <c16:uniqueId val="{00000000-1E54-4B65-8C07-C3652BFFE070}"/>
+            </c:ext>
+          </c:extLst>
+        </c:ser>
+        <c:dLbls>
+          <c:showLegendKey val="0"/>
+          <c:showVal val="0"/>
+          <c:showCatName val="0"/>
+          <c:showSerName val="0"/>
+          <c:showPercent val="0"/>
+          <c:showBubbleSize val="0"/>
+        </c:dLbls>
+        <c:smooth val="0"/>
+        <c:axId val="2142550367"/>
+        <c:axId val="2142550783"/>
+      </c:lineChart>
+      <c:catAx>
+        <c:axId val="2142550367"/>
+        <c:scaling>
+          <c:orientation val="minMax"/>
+        </c:scaling>
+        <c:delete val="0"/>
+        <c:axPos val="b"/>
+        <c:title>
+          <c:tx>
+            <c:rich>
+              <a:bodyPr rot="0" spcFirstLastPara="1" vertOverflow="ellipsis" vert="horz" wrap="square" anchor="ctr" anchorCtr="1"/>
+              <a:lstStyle/>
+              <a:p>
+                <a:pPr>
+                  <a:defRPr sz="1330" b="0" i="0" u="none" strike="noStrike" kern="1200" baseline="0">
+                    <a:solidFill>
+                      <a:schemeClr val="tx1">
+                        <a:lumMod val="65000"/>
+                        <a:lumOff val="35000"/>
+                      </a:schemeClr>
+                    </a:solidFill>
+                    <a:latin typeface="+mn-lt"/>
+                    <a:ea typeface="+mn-ea"/>
+                    <a:cs typeface="+mn-cs"/>
+                  </a:defRPr>
+                </a:pPr>
+                <a:r>
+                  <a:rPr lang="ko-KR" altLang="en-US" dirty="0" smtClean="0"/>
+                  <a:t>연도</a:t>
+                </a:r>
+                <a:r>
+                  <a:rPr lang="en-US" altLang="ko-KR" dirty="0" smtClean="0"/>
+                  <a:t>(</a:t>
+                </a:r>
+                <a:r>
+                  <a:rPr lang="ko-KR" altLang="en-US" dirty="0" smtClean="0"/>
+                  <a:t>년</a:t>
+                </a:r>
+                <a:r>
+                  <a:rPr lang="en-US" altLang="ko-KR" dirty="0" smtClean="0"/>
+                  <a:t>)</a:t>
+                </a:r>
+                <a:endParaRPr lang="ko-KR" altLang="en-US" dirty="0"/>
+              </a:p>
+            </c:rich>
+          </c:tx>
+          <c:layout/>
+          <c:overlay val="0"/>
+          <c:spPr>
+            <a:noFill/>
+            <a:ln>
+              <a:noFill/>
+            </a:ln>
+            <a:effectLst/>
+          </c:spPr>
+          <c:txPr>
+            <a:bodyPr rot="0" spcFirstLastPara="1" vertOverflow="ellipsis" vert="horz" wrap="square" anchor="ctr" anchorCtr="1"/>
+            <a:lstStyle/>
+            <a:p>
+              <a:pPr>
+                <a:defRPr sz="1330" b="0" i="0" u="none" strike="noStrike" kern="1200" baseline="0">
+                  <a:solidFill>
+                    <a:schemeClr val="tx1">
+                      <a:lumMod val="65000"/>
+                      <a:lumOff val="35000"/>
+                    </a:schemeClr>
+                  </a:solidFill>
+                  <a:latin typeface="+mn-lt"/>
+                  <a:ea typeface="+mn-ea"/>
+                  <a:cs typeface="+mn-cs"/>
+                </a:defRPr>
+              </a:pPr>
+              <a:endParaRPr lang="ko-KR"/>
+            </a:p>
+          </c:txPr>
+        </c:title>
+        <c:numFmt formatCode="General" sourceLinked="1"/>
+        <c:majorTickMark val="none"/>
+        <c:minorTickMark val="none"/>
+        <c:tickLblPos val="nextTo"/>
+        <c:spPr>
+          <a:noFill/>
+          <a:ln w="9525" cap="flat" cmpd="sng" algn="ctr">
+            <a:solidFill>
+              <a:schemeClr val="tx1">
+                <a:lumMod val="15000"/>
+                <a:lumOff val="85000"/>
+              </a:schemeClr>
+            </a:solidFill>
+            <a:round/>
+          </a:ln>
+          <a:effectLst/>
+        </c:spPr>
+        <c:txPr>
+          <a:bodyPr rot="-60000000" spcFirstLastPara="1" vertOverflow="ellipsis" vert="horz" wrap="square" anchor="ctr" anchorCtr="1"/>
+          <a:lstStyle/>
+          <a:p>
+            <a:pPr>
+              <a:defRPr sz="1197" b="0" i="0" u="none" strike="noStrike" kern="1200" baseline="0">
+                <a:solidFill>
+                  <a:schemeClr val="tx1">
+                    <a:lumMod val="65000"/>
+                    <a:lumOff val="35000"/>
+                  </a:schemeClr>
+                </a:solidFill>
+                <a:latin typeface="+mn-lt"/>
+                <a:ea typeface="+mn-ea"/>
+                <a:cs typeface="+mn-cs"/>
+              </a:defRPr>
+            </a:pPr>
+            <a:endParaRPr lang="ko-KR"/>
+          </a:p>
+        </c:txPr>
+        <c:crossAx val="2142550783"/>
+        <c:crosses val="autoZero"/>
+        <c:auto val="1"/>
+        <c:lblAlgn val="ctr"/>
+        <c:lblOffset val="100"/>
+        <c:noMultiLvlLbl val="0"/>
+      </c:catAx>
+      <c:valAx>
+        <c:axId val="2142550783"/>
+        <c:scaling>
+          <c:orientation val="minMax"/>
+        </c:scaling>
+        <c:delete val="0"/>
+        <c:axPos val="l"/>
+        <c:majorGridlines>
+          <c:spPr>
+            <a:ln w="9525" cap="flat" cmpd="sng" algn="ctr">
+              <a:solidFill>
+                <a:schemeClr val="tx1">
+                  <a:lumMod val="15000"/>
+                  <a:lumOff val="85000"/>
+                </a:schemeClr>
+              </a:solidFill>
+              <a:round/>
+            </a:ln>
+            <a:effectLst/>
+          </c:spPr>
+        </c:majorGridlines>
+        <c:title>
+          <c:tx>
+            <c:rich>
+              <a:bodyPr rot="-5400000" spcFirstLastPara="1" vertOverflow="ellipsis" vert="horz" wrap="square" anchor="ctr" anchorCtr="1"/>
+              <a:lstStyle/>
+              <a:p>
+                <a:pPr>
+                  <a:defRPr sz="1330" b="0" i="0" u="none" strike="noStrike" kern="1200" baseline="0">
+                    <a:solidFill>
+                      <a:schemeClr val="tx1">
+                        <a:lumMod val="65000"/>
+                        <a:lumOff val="35000"/>
+                      </a:schemeClr>
+                    </a:solidFill>
+                    <a:latin typeface="+mn-lt"/>
+                    <a:ea typeface="+mn-ea"/>
+                    <a:cs typeface="+mn-cs"/>
+                  </a:defRPr>
+                </a:pPr>
+                <a:r>
+                  <a:rPr lang="ko-KR" altLang="en-US" dirty="0" err="1" smtClean="0"/>
+                  <a:t>열독률</a:t>
+                </a:r>
+                <a:r>
+                  <a:rPr lang="en-US" altLang="ko-KR" dirty="0" smtClean="0"/>
+                  <a:t>(%)</a:t>
+                </a:r>
+                <a:endParaRPr lang="ko-KR" altLang="en-US" dirty="0"/>
+              </a:p>
+            </c:rich>
+          </c:tx>
+          <c:layout/>
+          <c:overlay val="0"/>
+          <c:spPr>
+            <a:noFill/>
+            <a:ln>
+              <a:noFill/>
+            </a:ln>
+            <a:effectLst/>
+          </c:spPr>
+          <c:txPr>
+            <a:bodyPr rot="-5400000" spcFirstLastPara="1" vertOverflow="ellipsis" vert="horz" wrap="square" anchor="ctr" anchorCtr="1"/>
+            <a:lstStyle/>
+            <a:p>
+              <a:pPr>
+                <a:defRPr sz="1330" b="0" i="0" u="none" strike="noStrike" kern="1200" baseline="0">
+                  <a:solidFill>
+                    <a:schemeClr val="tx1">
+                      <a:lumMod val="65000"/>
+                      <a:lumOff val="35000"/>
+                    </a:schemeClr>
+                  </a:solidFill>
+                  <a:latin typeface="+mn-lt"/>
+                  <a:ea typeface="+mn-ea"/>
+                  <a:cs typeface="+mn-cs"/>
+                </a:defRPr>
+              </a:pPr>
+              <a:endParaRPr lang="ko-KR"/>
+            </a:p>
+          </c:txPr>
+        </c:title>
+        <c:numFmt formatCode="General" sourceLinked="1"/>
+        <c:majorTickMark val="none"/>
+        <c:minorTickMark val="none"/>
+        <c:tickLblPos val="nextTo"/>
+        <c:spPr>
+          <a:noFill/>
+          <a:ln>
+            <a:noFill/>
+          </a:ln>
+          <a:effectLst/>
+        </c:spPr>
+        <c:txPr>
+          <a:bodyPr rot="-60000000" spcFirstLastPara="1" vertOverflow="ellipsis" vert="horz" wrap="square" anchor="ctr" anchorCtr="1"/>
+          <a:lstStyle/>
+          <a:p>
+            <a:pPr>
+              <a:defRPr sz="1197" b="0" i="0" u="none" strike="noStrike" kern="1200" baseline="0">
+                <a:solidFill>
+                  <a:schemeClr val="tx1">
+                    <a:lumMod val="65000"/>
+                    <a:lumOff val="35000"/>
+                  </a:schemeClr>
+                </a:solidFill>
+                <a:latin typeface="+mn-lt"/>
+                <a:ea typeface="+mn-ea"/>
+                <a:cs typeface="+mn-cs"/>
+              </a:defRPr>
+            </a:pPr>
+            <a:endParaRPr lang="ko-KR"/>
+          </a:p>
+        </c:txPr>
+        <c:crossAx val="2142550367"/>
+        <c:crosses val="autoZero"/>
+        <c:crossBetween val="between"/>
+      </c:valAx>
+      <c:spPr>
+        <a:noFill/>
+        <a:ln>
+          <a:noFill/>
+        </a:ln>
+        <a:effectLst/>
+      </c:spPr>
+    </c:plotArea>
+    <c:plotVisOnly val="1"/>
+    <c:dispBlanksAs val="gap"/>
+    <c:showDLblsOverMax val="0"/>
+  </c:chart>
+  <c:spPr>
+    <a:noFill/>
+    <a:ln>
+      <a:noFill/>
+    </a:ln>
+    <a:effectLst/>
+  </c:spPr>
+  <c:txPr>
+    <a:bodyPr/>
+    <a:lstStyle/>
+    <a:p>
+      <a:pPr>
+        <a:defRPr/>
+      </a:pPr>
+      <a:endParaRPr lang="ko-KR"/>
+    </a:p>
+  </c:txPr>
+  <c:externalData r:id="rId3">
+    <c:autoUpdate val="0"/>
+  </c:externalData>
+</c:chartSpace>
+</file>
+
+<file path=ppt/charts/colors1.xml><?xml version="1.0" encoding="utf-8"?>
+<cs:colorStyle xmlns:cs="http://schemas.microsoft.com/office/drawing/2012/chartStyle" xmlns:a="http://schemas.openxmlformats.org/drawingml/2006/main" meth="cycle" id="10">
+  <a:schemeClr val="accent1"/>
+  <a:schemeClr val="accent2"/>
+  <a:schemeClr val="accent3"/>
+  <a:schemeClr val="accent4"/>
+  <a:schemeClr val="accent5"/>
+  <a:schemeClr val="accent6"/>
+  <cs:variation/>
+  <cs:variation>
+    <a:lumMod val="60000"/>
+  </cs:variation>
+  <cs:variation>
+    <a:lumMod val="80000"/>
+    <a:lumOff val="20000"/>
+  </cs:variation>
+  <cs:variation>
+    <a:lumMod val="80000"/>
+  </cs:variation>
+  <cs:variation>
+    <a:lumMod val="60000"/>
+    <a:lumOff val="40000"/>
+  </cs:variation>
+  <cs:variation>
+    <a:lumMod val="50000"/>
+  </cs:variation>
+  <cs:variation>
+    <a:lumMod val="70000"/>
+    <a:lumOff val="30000"/>
+  </cs:variation>
+  <cs:variation>
+    <a:lumMod val="70000"/>
+  </cs:variation>
+  <cs:variation>
+    <a:lumMod val="50000"/>
+    <a:lumOff val="50000"/>
+  </cs:variation>
+</cs:colorStyle>
+</file>
+
+<file path=ppt/charts/style1.xml><?xml version="1.0" encoding="utf-8"?>
+<cs:chartStyle xmlns:cs="http://schemas.microsoft.com/office/drawing/2012/chartStyle" xmlns:a="http://schemas.openxmlformats.org/drawingml/2006/main" id="201">
+  <cs:axisTitle>
+    <cs:lnRef idx="0"/>
+    <cs:fillRef idx="0"/>
+    <cs:effectRef idx="0"/>
+    <cs:fontRef idx="minor">
+      <a:schemeClr val="tx1">
+        <a:lumMod val="65000"/>
+        <a:lumOff val="35000"/>
+      </a:schemeClr>
+    </cs:fontRef>
+    <cs:defRPr sz="1330" kern="1200"/>
+  </cs:axisTitle>
+  <cs:categoryAxis>
+    <cs:lnRef idx="0"/>
+    <cs:fillRef idx="0"/>
+    <cs:effectRef idx="0"/>
+    <cs:fontRef idx="minor">
+      <a:schemeClr val="tx1">
+        <a:lumMod val="65000"/>
+        <a:lumOff val="35000"/>
+      </a:schemeClr>
+    </cs:fontRef>
+    <cs:spPr>
+      <a:ln w="9525" cap="flat" cmpd="sng" algn="ctr">
+        <a:solidFill>
+          <a:schemeClr val="tx1">
+            <a:lumMod val="15000"/>
+            <a:lumOff val="85000"/>
+          </a:schemeClr>
+        </a:solidFill>
+        <a:round/>
+      </a:ln>
+    </cs:spPr>
+    <cs:defRPr sz="1197" kern="1200"/>
+  </cs:categoryAxis>
+  <cs:chartArea mods="allowNoFillOverride allowNoLineOverride">
+    <cs:lnRef idx="0"/>
+    <cs:fillRef idx="0"/>
+    <cs:effectRef idx="0"/>
+    <cs:fontRef idx="minor">
+      <a:schemeClr val="tx1"/>
+    </cs:fontRef>
+    <cs:spPr>
+      <a:solidFill>
+        <a:schemeClr val="bg1"/>
+      </a:solidFill>
+      <a:ln w="9525" cap="flat" cmpd="sng" algn="ctr">
+        <a:solidFill>
+          <a:schemeClr val="tx1">
+            <a:lumMod val="15000"/>
+            <a:lumOff val="85000"/>
+          </a:schemeClr>
+        </a:solidFill>
+        <a:round/>
+      </a:ln>
+    </cs:spPr>
+    <cs:defRPr sz="1330" kern="1200"/>
+  </cs:chartArea>
+  <cs:dataLabel>
+    <cs:lnRef idx="0"/>
+    <cs:fillRef idx="0"/>
+    <cs:effectRef idx="0"/>
+    <cs:fontRef idx="minor">
+      <a:schemeClr val="tx1">
+        <a:lumMod val="75000"/>
+        <a:lumOff val="25000"/>
+      </a:schemeClr>
+    </cs:fontRef>
+    <cs:defRPr sz="1197" kern="1200"/>
+  </cs:dataLabel>
+  <cs:dataLabelCallout>
+    <cs:lnRef idx="0"/>
+    <cs:fillRef idx="0"/>
+    <cs:effectRef idx="0"/>
+    <cs:fontRef idx="minor">
+      <a:schemeClr val="dk1">
+        <a:lumMod val="65000"/>
+        <a:lumOff val="35000"/>
+      </a:schemeClr>
+    </cs:fontRef>
+    <cs:spPr>
+      <a:solidFill>
+        <a:schemeClr val="lt1"/>
+      </a:solidFill>
+      <a:ln>
+        <a:solidFill>
+          <a:schemeClr val="dk1">
+            <a:lumMod val="25000"/>
+            <a:lumOff val="75000"/>
+          </a:schemeClr>
+        </a:solidFill>
+      </a:ln>
+    </cs:spPr>
+    <cs:defRPr sz="1197" kern="1200"/>
+    <cs:bodyPr rot="0" spcFirstLastPara="1" vertOverflow="clip" horzOverflow="clip" vert="horz" wrap="square" lIns="36576" tIns="18288" rIns="36576" bIns="18288" anchor="ctr" anchorCtr="1">
+      <a:spAutoFit/>
+    </cs:bodyPr>
+  </cs:dataLabelCallout>
+  <cs:dataPoint>
+    <cs:lnRef idx="0"/>
+    <cs:fillRef idx="1">
+      <cs:styleClr val="auto"/>
+    </cs:fillRef>
+    <cs:effectRef idx="0"/>
+    <cs:fontRef idx="minor">
+      <a:schemeClr val="tx1"/>
+    </cs:fontRef>
+  </cs:dataPoint>
+  <cs:dataPoint3D>
+    <cs:lnRef idx="0"/>
+    <cs:fillRef idx="1">
+      <cs:styleClr val="auto"/>
+    </cs:fillRef>
+    <cs:effectRef idx="0"/>
+    <cs:fontRef idx="minor">
+      <a:schemeClr val="tx1"/>
+    </cs:fontRef>
+  </cs:dataPoint3D>
+  <cs:dataPointLine>
+    <cs:lnRef idx="0">
+      <cs:styleClr val="auto"/>
+    </cs:lnRef>
+    <cs:fillRef idx="1"/>
+    <cs:effectRef idx="0"/>
+    <cs:fontRef idx="minor">
+      <a:schemeClr val="tx1"/>
+    </cs:fontRef>
+    <cs:spPr>
+      <a:ln w="28575" cap="rnd">
+        <a:solidFill>
+          <a:schemeClr val="phClr"/>
+        </a:solidFill>
+        <a:round/>
+      </a:ln>
+    </cs:spPr>
+  </cs:dataPointLine>
+  <cs:dataPointMarker>
+    <cs:lnRef idx="0">
+      <cs:styleClr val="auto"/>
+    </cs:lnRef>
+    <cs:fillRef idx="1">
+      <cs:styleClr val="auto"/>
+    </cs:fillRef>
+    <cs:effectRef idx="0"/>
+    <cs:fontRef idx="minor">
+      <a:schemeClr val="tx1"/>
+    </cs:fontRef>
+    <cs:spPr>
+      <a:ln w="9525">
+        <a:solidFill>
+          <a:schemeClr val="phClr"/>
+        </a:solidFill>
+      </a:ln>
+    </cs:spPr>
+  </cs:dataPointMarker>
+  <cs:dataPointMarkerLayout symbol="circle" size="5"/>
+  <cs:dataPointWireframe>
+    <cs:lnRef idx="0">
+      <cs:styleClr val="auto"/>
+    </cs:lnRef>
+    <cs:fillRef idx="1"/>
+    <cs:effectRef idx="0"/>
+    <cs:fontRef idx="minor">
+      <a:schemeClr val="tx1"/>
+    </cs:fontRef>
+    <cs:spPr>
+      <a:ln w="9525" cap="rnd">
+        <a:solidFill>
+          <a:schemeClr val="phClr"/>
+        </a:solidFill>
+        <a:round/>
+      </a:ln>
+    </cs:spPr>
+  </cs:dataPointWireframe>
+  <cs:dataTable>
+    <cs:lnRef idx="0"/>
+    <cs:fillRef idx="0"/>
+    <cs:effectRef idx="0"/>
+    <cs:fontRef idx="minor">
+      <a:schemeClr val="tx1">
+        <a:lumMod val="65000"/>
+        <a:lumOff val="35000"/>
+      </a:schemeClr>
+    </cs:fontRef>
+    <cs:spPr>
+      <a:noFill/>
+      <a:ln w="9525" cap="flat" cmpd="sng" algn="ctr">
+        <a:solidFill>
+          <a:schemeClr val="tx1">
+            <a:lumMod val="15000"/>
+            <a:lumOff val="85000"/>
+          </a:schemeClr>
+        </a:solidFill>
+        <a:round/>
+      </a:ln>
+    </cs:spPr>
+    <cs:defRPr sz="1197" kern="1200"/>
+  </cs:dataTable>
+  <cs:downBar>
+    <cs:lnRef idx="0"/>
+    <cs:fillRef idx="0"/>
+    <cs:effectRef idx="0"/>
+    <cs:fontRef idx="minor">
+      <a:schemeClr val="dk1"/>
+    </cs:fontRef>
+    <cs:spPr>
+      <a:solidFill>
+        <a:schemeClr val="dk1">
+          <a:lumMod val="65000"/>
+          <a:lumOff val="35000"/>
+        </a:schemeClr>
+      </a:solidFill>
+      <a:ln w="9525">
+        <a:solidFill>
+          <a:schemeClr val="tx1">
+            <a:lumMod val="65000"/>
+            <a:lumOff val="35000"/>
+          </a:schemeClr>
+        </a:solidFill>
+      </a:ln>
+    </cs:spPr>
+  </cs:downBar>
+  <cs:dropLine>
+    <cs:lnRef idx="0"/>
+    <cs:fillRef idx="0"/>
+    <cs:effectRef idx="0"/>
+    <cs:fontRef idx="minor">
+      <a:schemeClr val="tx1"/>
+    </cs:fontRef>
+    <cs:spPr>
+      <a:ln w="9525" cap="flat" cmpd="sng" algn="ctr">
+        <a:solidFill>
+          <a:schemeClr val="tx1">
+            <a:lumMod val="35000"/>
+            <a:lumOff val="65000"/>
+          </a:schemeClr>
+        </a:solidFill>
+        <a:round/>
+      </a:ln>
+    </cs:spPr>
+  </cs:dropLine>
+  <cs:errorBar>
+    <cs:lnRef idx="0"/>
+    <cs:fillRef idx="0"/>
+    <cs:effectRef idx="0"/>
+    <cs:fontRef idx="minor">
+      <a:schemeClr val="tx1"/>
+    </cs:fontRef>
+    <cs:spPr>
+      <a:ln w="9525" cap="flat" cmpd="sng" algn="ctr">
+        <a:solidFill>
+          <a:schemeClr val="tx1">
+            <a:lumMod val="65000"/>
+            <a:lumOff val="35000"/>
+          </a:schemeClr>
+        </a:solidFill>
+        <a:round/>
+      </a:ln>
+    </cs:spPr>
+  </cs:errorBar>
+  <cs:floor>
+    <cs:lnRef idx="0"/>
+    <cs:fillRef idx="0"/>
+    <cs:effectRef idx="0"/>
+    <cs:fontRef idx="minor">
+      <a:schemeClr val="tx1"/>
+    </cs:fontRef>
+    <cs:spPr>
+      <a:noFill/>
+      <a:ln>
+        <a:noFill/>
+      </a:ln>
+    </cs:spPr>
+  </cs:floor>
+  <cs:gridlineMajor>
+    <cs:lnRef idx="0"/>
+    <cs:fillRef idx="0"/>
+    <cs:effectRef idx="0"/>
+    <cs:fontRef idx="minor">
+      <a:schemeClr val="tx1"/>
+    </cs:fontRef>
+    <cs:spPr>
+      <a:ln w="9525" cap="flat" cmpd="sng" algn="ctr">
+        <a:solidFill>
+          <a:schemeClr val="tx1">
+            <a:lumMod val="15000"/>
+            <a:lumOff val="85000"/>
+          </a:schemeClr>
+        </a:solidFill>
+        <a:round/>
+      </a:ln>
+    </cs:spPr>
+  </cs:gridlineMajor>
+  <cs:gridlineMinor>
+    <cs:lnRef idx="0"/>
+    <cs:fillRef idx="0"/>
+    <cs:effectRef idx="0"/>
+    <cs:fontRef idx="minor">
+      <a:schemeClr val="tx1"/>
+    </cs:fontRef>
+    <cs:spPr>
+      <a:ln w="9525" cap="flat" cmpd="sng" algn="ctr">
+        <a:solidFill>
+          <a:schemeClr val="tx1">
+            <a:lumMod val="5000"/>
+            <a:lumOff val="95000"/>
+          </a:schemeClr>
+        </a:solidFill>
+        <a:round/>
+      </a:ln>
+    </cs:spPr>
+  </cs:gridlineMinor>
+  <cs:hiLoLine>
+    <cs:lnRef idx="0"/>
+    <cs:fillRef idx="0"/>
+    <cs:effectRef idx="0"/>
+    <cs:fontRef idx="minor">
+      <a:schemeClr val="tx1"/>
+    </cs:fontRef>
+    <cs:spPr>
+      <a:ln w="9525" cap="flat" cmpd="sng" algn="ctr">
+        <a:solidFill>
+          <a:schemeClr val="tx1">
+            <a:lumMod val="75000"/>
+            <a:lumOff val="25000"/>
+          </a:schemeClr>
+        </a:solidFill>
+        <a:round/>
+      </a:ln>
+    </cs:spPr>
+  </cs:hiLoLine>
+  <cs:leaderLine>
+    <cs:lnRef idx="0"/>
+    <cs:fillRef idx="0"/>
+    <cs:effectRef idx="0"/>
+    <cs:fontRef idx="minor">
+      <a:schemeClr val="tx1"/>
+    </cs:fontRef>
+    <cs:spPr>
+      <a:ln w="9525" cap="flat" cmpd="sng" algn="ctr">
+        <a:solidFill>
+          <a:schemeClr val="tx1">
+            <a:lumMod val="35000"/>
+            <a:lumOff val="65000"/>
+          </a:schemeClr>
+        </a:solidFill>
+        <a:round/>
+      </a:ln>
+    </cs:spPr>
+  </cs:leaderLine>
+  <cs:legend>
+    <cs:lnRef idx="0"/>
+    <cs:fillRef idx="0"/>
+    <cs:effectRef idx="0"/>
+    <cs:fontRef idx="minor">
+      <a:schemeClr val="tx1">
+        <a:lumMod val="65000"/>
+        <a:lumOff val="35000"/>
+      </a:schemeClr>
+    </cs:fontRef>
+    <cs:defRPr sz="1197" kern="1200"/>
+  </cs:legend>
+  <cs:plotArea mods="allowNoFillOverride allowNoLineOverride">
+    <cs:lnRef idx="0"/>
+    <cs:fillRef idx="0"/>
+    <cs:effectRef idx="0"/>
+    <cs:fontRef idx="minor">
+      <a:schemeClr val="tx1"/>
+    </cs:fontRef>
+  </cs:plotArea>
+  <cs:plotArea3D mods="allowNoFillOverride allowNoLineOverride">
+    <cs:lnRef idx="0"/>
+    <cs:fillRef idx="0"/>
+    <cs:effectRef idx="0"/>
+    <cs:fontRef idx="minor">
+      <a:schemeClr val="tx1"/>
+    </cs:fontRef>
+  </cs:plotArea3D>
+  <cs:seriesAxis>
+    <cs:lnRef idx="0"/>
+    <cs:fillRef idx="0"/>
+    <cs:effectRef idx="0"/>
+    <cs:fontRef idx="minor">
+      <a:schemeClr val="tx1">
+        <a:lumMod val="65000"/>
+        <a:lumOff val="35000"/>
+      </a:schemeClr>
+    </cs:fontRef>
+    <cs:defRPr sz="1197" kern="1200"/>
+  </cs:seriesAxis>
+  <cs:seriesLine>
+    <cs:lnRef idx="0"/>
+    <cs:fillRef idx="0"/>
+    <cs:effectRef idx="0"/>
+    <cs:fontRef idx="minor">
+      <a:schemeClr val="tx1"/>
+    </cs:fontRef>
+    <cs:spPr>
+      <a:ln w="9525" cap="flat" cmpd="sng" algn="ctr">
+        <a:solidFill>
+          <a:schemeClr val="tx1">
+            <a:lumMod val="35000"/>
+            <a:lumOff val="65000"/>
+          </a:schemeClr>
+        </a:solidFill>
+        <a:round/>
+      </a:ln>
+    </cs:spPr>
+  </cs:seriesLine>
+  <cs:title>
+    <cs:lnRef idx="0"/>
+    <cs:fillRef idx="0"/>
+    <cs:effectRef idx="0"/>
+    <cs:fontRef idx="minor">
+      <a:schemeClr val="tx1">
+        <a:lumMod val="65000"/>
+        <a:lumOff val="35000"/>
+      </a:schemeClr>
+    </cs:fontRef>
+    <cs:defRPr sz="1862" b="0" kern="1200" spc="0" baseline="0"/>
+  </cs:title>
+  <cs:trendline>
+    <cs:lnRef idx="0">
+      <cs:styleClr val="auto"/>
+    </cs:lnRef>
+    <cs:fillRef idx="0"/>
+    <cs:effectRef idx="0"/>
+    <cs:fontRef idx="minor">
+      <a:schemeClr val="tx1"/>
+    </cs:fontRef>
+    <cs:spPr>
+      <a:ln w="19050" cap="rnd">
+        <a:solidFill>
+          <a:schemeClr val="phClr"/>
+        </a:solidFill>
+        <a:prstDash val="sysDot"/>
+      </a:ln>
+    </cs:spPr>
+  </cs:trendline>
+  <cs:trendlineLabel>
+    <cs:lnRef idx="0"/>
+    <cs:fillRef idx="0"/>
+    <cs:effectRef idx="0"/>
+    <cs:fontRef idx="minor">
+      <a:schemeClr val="tx1">
+        <a:lumMod val="65000"/>
+        <a:lumOff val="35000"/>
+      </a:schemeClr>
+    </cs:fontRef>
+    <cs:defRPr sz="1197" kern="1200"/>
+  </cs:trendlineLabel>
+  <cs:upBar>
+    <cs:lnRef idx="0"/>
+    <cs:fillRef idx="0"/>
+    <cs:effectRef idx="0"/>
+    <cs:fontRef idx="minor">
+      <a:schemeClr val="dk1"/>
+    </cs:fontRef>
+    <cs:spPr>
+      <a:solidFill>
+        <a:schemeClr val="lt1"/>
+      </a:solidFill>
+      <a:ln w="9525">
+        <a:solidFill>
+          <a:schemeClr val="tx1">
+            <a:lumMod val="15000"/>
+            <a:lumOff val="85000"/>
+          </a:schemeClr>
+        </a:solidFill>
+      </a:ln>
+    </cs:spPr>
+  </cs:upBar>
+  <cs:valueAxis>
+    <cs:lnRef idx="0"/>
+    <cs:fillRef idx="0"/>
+    <cs:effectRef idx="0"/>
+    <cs:fontRef idx="minor">
+      <a:schemeClr val="tx1">
+        <a:lumMod val="65000"/>
+        <a:lumOff val="35000"/>
+      </a:schemeClr>
+    </cs:fontRef>
+    <cs:defRPr sz="1197" kern="1200"/>
+  </cs:valueAxis>
+  <cs:wall>
+    <cs:lnRef idx="0"/>
+    <cs:fillRef idx="0"/>
+    <cs:effectRef idx="0"/>
+    <cs:fontRef idx="minor">
+      <a:schemeClr val="tx1"/>
+    </cs:fontRef>
+    <cs:spPr>
+      <a:noFill/>
+      <a:ln>
+        <a:noFill/>
+      </a:ln>
+    </cs:spPr>
+  </cs:wall>
+</cs:chartStyle>
+</file>
+
 <file path=ppt/slideLayouts/slideLayout1.xml><?xml version="1.0" encoding="utf-8"?>
 <p:sldLayout xmlns:a="http://schemas.openxmlformats.org/drawingml/2006/main" xmlns:r="http://schemas.openxmlformats.org/officeDocument/2006/relationships" xmlns:p="http://schemas.openxmlformats.org/presentationml/2006/main" type="title" preserve="1">
   <p:cSld name="제목 슬라이드">
@@ -261,7 +1318,7 @@
           <a:p>
             <a:fld id="{C11A109B-BF70-4DBF-88EF-618DE184CFC0}" type="datetimeFigureOut">
               <a:rPr lang="ko-KR" altLang="en-US" smtClean="0"/>
-              <a:t>2018-09-14</a:t>
+              <a:t>2018-11-21</a:t>
             </a:fld>
             <a:endParaRPr lang="ko-KR" altLang="en-US"/>
           </a:p>
@@ -431,7 +1488,7 @@
           <a:p>
             <a:fld id="{C11A109B-BF70-4DBF-88EF-618DE184CFC0}" type="datetimeFigureOut">
               <a:rPr lang="ko-KR" altLang="en-US" smtClean="0"/>
-              <a:t>2018-09-14</a:t>
+              <a:t>2018-11-21</a:t>
             </a:fld>
             <a:endParaRPr lang="ko-KR" altLang="en-US"/>
           </a:p>
@@ -611,7 +1668,7 @@
           <a:p>
             <a:fld id="{C11A109B-BF70-4DBF-88EF-618DE184CFC0}" type="datetimeFigureOut">
               <a:rPr lang="ko-KR" altLang="en-US" smtClean="0"/>
-              <a:t>2018-09-14</a:t>
+              <a:t>2018-11-21</a:t>
             </a:fld>
             <a:endParaRPr lang="ko-KR" altLang="en-US"/>
           </a:p>
@@ -781,7 +1838,7 @@
           <a:p>
             <a:fld id="{C11A109B-BF70-4DBF-88EF-618DE184CFC0}" type="datetimeFigureOut">
               <a:rPr lang="ko-KR" altLang="en-US" smtClean="0"/>
-              <a:t>2018-09-14</a:t>
+              <a:t>2018-11-21</a:t>
             </a:fld>
             <a:endParaRPr lang="ko-KR" altLang="en-US"/>
           </a:p>
@@ -1027,7 +2084,7 @@
           <a:p>
             <a:fld id="{C11A109B-BF70-4DBF-88EF-618DE184CFC0}" type="datetimeFigureOut">
               <a:rPr lang="ko-KR" altLang="en-US" smtClean="0"/>
-              <a:t>2018-09-14</a:t>
+              <a:t>2018-11-21</a:t>
             </a:fld>
             <a:endParaRPr lang="ko-KR" altLang="en-US"/>
           </a:p>
@@ -1259,7 +2316,7 @@
           <a:p>
             <a:fld id="{C11A109B-BF70-4DBF-88EF-618DE184CFC0}" type="datetimeFigureOut">
               <a:rPr lang="ko-KR" altLang="en-US" smtClean="0"/>
-              <a:t>2018-09-14</a:t>
+              <a:t>2018-11-21</a:t>
             </a:fld>
             <a:endParaRPr lang="ko-KR" altLang="en-US"/>
           </a:p>
@@ -1626,7 +2683,7 @@
           <a:p>
             <a:fld id="{C11A109B-BF70-4DBF-88EF-618DE184CFC0}" type="datetimeFigureOut">
               <a:rPr lang="ko-KR" altLang="en-US" smtClean="0"/>
-              <a:t>2018-09-14</a:t>
+              <a:t>2018-11-21</a:t>
             </a:fld>
             <a:endParaRPr lang="ko-KR" altLang="en-US"/>
           </a:p>
@@ -1744,7 +2801,7 @@
           <a:p>
             <a:fld id="{C11A109B-BF70-4DBF-88EF-618DE184CFC0}" type="datetimeFigureOut">
               <a:rPr lang="ko-KR" altLang="en-US" smtClean="0"/>
-              <a:t>2018-09-14</a:t>
+              <a:t>2018-11-21</a:t>
             </a:fld>
             <a:endParaRPr lang="ko-KR" altLang="en-US"/>
           </a:p>
@@ -1839,7 +2896,7 @@
           <a:p>
             <a:fld id="{C11A109B-BF70-4DBF-88EF-618DE184CFC0}" type="datetimeFigureOut">
               <a:rPr lang="ko-KR" altLang="en-US" smtClean="0"/>
-              <a:t>2018-09-14</a:t>
+              <a:t>2018-11-21</a:t>
             </a:fld>
             <a:endParaRPr lang="ko-KR" altLang="en-US"/>
           </a:p>
@@ -2116,7 +3173,7 @@
           <a:p>
             <a:fld id="{C11A109B-BF70-4DBF-88EF-618DE184CFC0}" type="datetimeFigureOut">
               <a:rPr lang="ko-KR" altLang="en-US" smtClean="0"/>
-              <a:t>2018-09-14</a:t>
+              <a:t>2018-11-21</a:t>
             </a:fld>
             <a:endParaRPr lang="ko-KR" altLang="en-US"/>
           </a:p>
@@ -2369,7 +3426,7 @@
           <a:p>
             <a:fld id="{C11A109B-BF70-4DBF-88EF-618DE184CFC0}" type="datetimeFigureOut">
               <a:rPr lang="ko-KR" altLang="en-US" smtClean="0"/>
-              <a:t>2018-09-14</a:t>
+              <a:t>2018-11-21</a:t>
             </a:fld>
             <a:endParaRPr lang="ko-KR" altLang="en-US"/>
           </a:p>
@@ -2582,7 +3639,7 @@
           <a:p>
             <a:fld id="{C11A109B-BF70-4DBF-88EF-618DE184CFC0}" type="datetimeFigureOut">
               <a:rPr lang="ko-KR" altLang="en-US" smtClean="0"/>
-              <a:t>2018-09-14</a:t>
+              <a:t>2018-11-21</a:t>
             </a:fld>
             <a:endParaRPr lang="ko-KR" altLang="en-US"/>
           </a:p>
@@ -3444,6 +4501,1087 @@
       </p:par>
     </p:tnLst>
   </p:timing>
+</p:sld>
+</file>
+
+<file path=ppt/slides/slide10.xml><?xml version="1.0" encoding="utf-8"?>
+<p:sld xmlns:a="http://schemas.openxmlformats.org/drawingml/2006/main" xmlns:r="http://schemas.openxmlformats.org/officeDocument/2006/relationships" xmlns:p="http://schemas.openxmlformats.org/presentationml/2006/main">
+  <p:cSld>
+    <p:spTree>
+      <p:nvGrpSpPr>
+        <p:cNvPr id="1" name=""/>
+        <p:cNvGrpSpPr/>
+        <p:nvPr/>
+      </p:nvGrpSpPr>
+      <p:grpSpPr>
+        <a:xfrm>
+          <a:off x="0" y="0"/>
+          <a:ext cx="0" cy="0"/>
+          <a:chOff x="0" y="0"/>
+          <a:chExt cx="0" cy="0"/>
+        </a:xfrm>
+      </p:grpSpPr>
+      <p:grpSp>
+        <p:nvGrpSpPr>
+          <p:cNvPr id="45" name="그룹 44"/>
+          <p:cNvGrpSpPr/>
+          <p:nvPr/>
+        </p:nvGrpSpPr>
+        <p:grpSpPr>
+          <a:xfrm>
+            <a:off x="5015880" y="2601798"/>
+            <a:ext cx="2582008" cy="2105164"/>
+            <a:chOff x="5231904" y="2601798"/>
+            <a:chExt cx="2582008" cy="2105164"/>
+          </a:xfrm>
+        </p:grpSpPr>
+        <p:grpSp>
+          <p:nvGrpSpPr>
+            <p:cNvPr id="18" name="그룹 17"/>
+            <p:cNvGrpSpPr/>
+            <p:nvPr/>
+          </p:nvGrpSpPr>
+          <p:grpSpPr>
+            <a:xfrm>
+              <a:off x="5231904" y="2601798"/>
+              <a:ext cx="2582008" cy="2105164"/>
+              <a:chOff x="2692866" y="5429839"/>
+              <a:chExt cx="5931099" cy="1559378"/>
+            </a:xfrm>
+          </p:grpSpPr>
+          <p:sp>
+            <p:nvSpPr>
+              <p:cNvPr id="19" name="모서리가 둥근 직사각형 18"/>
+              <p:cNvSpPr/>
+              <p:nvPr/>
+            </p:nvSpPr>
+            <p:spPr>
+              <a:xfrm>
+                <a:off x="2692866" y="5429839"/>
+                <a:ext cx="5931099" cy="1559378"/>
+              </a:xfrm>
+              <a:prstGeom prst="roundRect">
+                <a:avLst>
+                  <a:gd name="adj" fmla="val 4464"/>
+                </a:avLst>
+              </a:prstGeom>
+              <a:solidFill>
+                <a:schemeClr val="bg1"/>
+              </a:solidFill>
+              <a:ln w="50800">
+                <a:solidFill>
+                  <a:srgbClr val="4997D0"/>
+                </a:solidFill>
+              </a:ln>
+            </p:spPr>
+            <p:style>
+              <a:lnRef idx="2">
+                <a:schemeClr val="accent1">
+                  <a:shade val="50000"/>
+                </a:schemeClr>
+              </a:lnRef>
+              <a:fillRef idx="1">
+                <a:schemeClr val="accent1"/>
+              </a:fillRef>
+              <a:effectRef idx="0">
+                <a:schemeClr val="accent1"/>
+              </a:effectRef>
+              <a:fontRef idx="minor">
+                <a:schemeClr val="lt1"/>
+              </a:fontRef>
+            </p:style>
+            <p:txBody>
+              <a:bodyPr rtlCol="0" anchor="ctr"/>
+              <a:lstStyle/>
+              <a:p>
+                <a:pPr algn="ctr"/>
+                <a:endParaRPr lang="ko-KR" altLang="en-US"/>
+              </a:p>
+            </p:txBody>
+          </p:sp>
+          <p:sp>
+            <p:nvSpPr>
+              <p:cNvPr id="20" name="TextBox 19"/>
+              <p:cNvSpPr txBox="1"/>
+              <p:nvPr/>
+            </p:nvSpPr>
+            <p:spPr>
+              <a:xfrm>
+                <a:off x="3147600" y="5567531"/>
+                <a:ext cx="5021631" cy="478763"/>
+              </a:xfrm>
+              <a:prstGeom prst="rect">
+                <a:avLst/>
+              </a:prstGeom>
+              <a:noFill/>
+            </p:spPr>
+            <p:txBody>
+              <a:bodyPr wrap="square" rtlCol="0" anchor="ctr">
+                <a:spAutoFit/>
+              </a:bodyPr>
+              <a:lstStyle/>
+              <a:p>
+                <a:pPr algn="ctr"/>
+                <a:r>
+                  <a:rPr lang="en-US" altLang="ko-KR" b="1" dirty="0" smtClean="0">
+                    <a:latin typeface="나눔스퀘어" panose="020B0600000101010101" pitchFamily="50" charset="-127"/>
+                    <a:ea typeface="나눔스퀘어" panose="020B0600000101010101" pitchFamily="50" charset="-127"/>
+                  </a:rPr>
+                  <a:t>Recommendation module</a:t>
+                </a:r>
+                <a:endParaRPr lang="ko-KR" altLang="en-US" b="1" dirty="0">
+                  <a:latin typeface="나눔스퀘어" panose="020B0600000101010101" pitchFamily="50" charset="-127"/>
+                  <a:ea typeface="나눔스퀘어" panose="020B0600000101010101" pitchFamily="50" charset="-127"/>
+                </a:endParaRPr>
+              </a:p>
+            </p:txBody>
+          </p:sp>
+        </p:grpSp>
+        <p:grpSp>
+          <p:nvGrpSpPr>
+            <p:cNvPr id="28" name="그룹 27"/>
+            <p:cNvGrpSpPr/>
+            <p:nvPr/>
+          </p:nvGrpSpPr>
+          <p:grpSpPr>
+            <a:xfrm>
+              <a:off x="5583750" y="3561440"/>
+              <a:ext cx="1878315" cy="1018096"/>
+              <a:chOff x="2043236" y="5429839"/>
+              <a:chExt cx="7230359" cy="754144"/>
+            </a:xfrm>
+          </p:grpSpPr>
+          <p:sp>
+            <p:nvSpPr>
+              <p:cNvPr id="29" name="모서리가 둥근 직사각형 28"/>
+              <p:cNvSpPr/>
+              <p:nvPr/>
+            </p:nvSpPr>
+            <p:spPr>
+              <a:xfrm>
+                <a:off x="2043236" y="5429839"/>
+                <a:ext cx="7230359" cy="754144"/>
+              </a:xfrm>
+              <a:prstGeom prst="roundRect">
+                <a:avLst>
+                  <a:gd name="adj" fmla="val 4464"/>
+                </a:avLst>
+              </a:prstGeom>
+              <a:solidFill>
+                <a:schemeClr val="bg1"/>
+              </a:solidFill>
+              <a:ln w="50800">
+                <a:solidFill>
+                  <a:srgbClr val="4997D0"/>
+                </a:solidFill>
+              </a:ln>
+            </p:spPr>
+            <p:style>
+              <a:lnRef idx="2">
+                <a:schemeClr val="accent1">
+                  <a:shade val="50000"/>
+                </a:schemeClr>
+              </a:lnRef>
+              <a:fillRef idx="1">
+                <a:schemeClr val="accent1"/>
+              </a:fillRef>
+              <a:effectRef idx="0">
+                <a:schemeClr val="accent1"/>
+              </a:effectRef>
+              <a:fontRef idx="minor">
+                <a:schemeClr val="lt1"/>
+              </a:fontRef>
+            </p:style>
+            <p:txBody>
+              <a:bodyPr rtlCol="0" anchor="ctr"/>
+              <a:lstStyle/>
+              <a:p>
+                <a:pPr algn="ctr"/>
+                <a:endParaRPr lang="ko-KR" altLang="en-US"/>
+              </a:p>
+            </p:txBody>
+          </p:sp>
+          <p:sp>
+            <p:nvSpPr>
+              <p:cNvPr id="30" name="TextBox 29"/>
+              <p:cNvSpPr txBox="1"/>
+              <p:nvPr/>
+            </p:nvSpPr>
+            <p:spPr>
+              <a:xfrm>
+                <a:off x="3641078" y="5567531"/>
+                <a:ext cx="4034672" cy="478763"/>
+              </a:xfrm>
+              <a:prstGeom prst="rect">
+                <a:avLst/>
+              </a:prstGeom>
+              <a:noFill/>
+            </p:spPr>
+            <p:txBody>
+              <a:bodyPr wrap="square" rtlCol="0" anchor="ctr">
+                <a:spAutoFit/>
+              </a:bodyPr>
+              <a:lstStyle/>
+              <a:p>
+                <a:pPr algn="ctr"/>
+                <a:r>
+                  <a:rPr lang="en-US" altLang="ko-KR" b="1" dirty="0" smtClean="0">
+                    <a:latin typeface="나눔스퀘어" panose="020B0600000101010101" pitchFamily="50" charset="-127"/>
+                    <a:ea typeface="나눔스퀘어" panose="020B0600000101010101" pitchFamily="50" charset="-127"/>
+                  </a:rPr>
+                  <a:t>trained</a:t>
+                </a:r>
+              </a:p>
+              <a:p>
+                <a:pPr algn="ctr"/>
+                <a:r>
+                  <a:rPr lang="en-US" altLang="ko-KR" b="1" dirty="0" smtClean="0">
+                    <a:latin typeface="나눔스퀘어" panose="020B0600000101010101" pitchFamily="50" charset="-127"/>
+                    <a:ea typeface="나눔스퀘어" panose="020B0600000101010101" pitchFamily="50" charset="-127"/>
+                  </a:rPr>
+                  <a:t>model</a:t>
+                </a:r>
+                <a:endParaRPr lang="ko-KR" altLang="en-US" b="1" dirty="0">
+                  <a:latin typeface="나눔스퀘어" panose="020B0600000101010101" pitchFamily="50" charset="-127"/>
+                  <a:ea typeface="나눔스퀘어" panose="020B0600000101010101" pitchFamily="50" charset="-127"/>
+                </a:endParaRPr>
+              </a:p>
+            </p:txBody>
+          </p:sp>
+        </p:grpSp>
+      </p:grpSp>
+      <p:grpSp>
+        <p:nvGrpSpPr>
+          <p:cNvPr id="31" name="그룹 30"/>
+          <p:cNvGrpSpPr/>
+          <p:nvPr/>
+        </p:nvGrpSpPr>
+        <p:grpSpPr>
+          <a:xfrm>
+            <a:off x="8973453" y="1107882"/>
+            <a:ext cx="1636448" cy="4638844"/>
+            <a:chOff x="8497366" y="1396138"/>
+            <a:chExt cx="1636448" cy="4638844"/>
+          </a:xfrm>
+        </p:grpSpPr>
+        <p:sp>
+          <p:nvSpPr>
+            <p:cNvPr id="32" name="모서리가 둥근 직사각형 31"/>
+            <p:cNvSpPr/>
+            <p:nvPr/>
+          </p:nvSpPr>
+          <p:spPr>
+            <a:xfrm>
+              <a:off x="8497366" y="1396138"/>
+              <a:ext cx="1636448" cy="4062332"/>
+            </a:xfrm>
+            <a:prstGeom prst="roundRect">
+              <a:avLst>
+                <a:gd name="adj" fmla="val 4464"/>
+              </a:avLst>
+            </a:prstGeom>
+            <a:solidFill>
+              <a:schemeClr val="bg1"/>
+            </a:solidFill>
+            <a:ln w="50800">
+              <a:solidFill>
+                <a:schemeClr val="tx1"/>
+              </a:solidFill>
+              <a:prstDash val="sysDash"/>
+            </a:ln>
+          </p:spPr>
+          <p:style>
+            <a:lnRef idx="2">
+              <a:schemeClr val="accent1">
+                <a:shade val="50000"/>
+              </a:schemeClr>
+            </a:lnRef>
+            <a:fillRef idx="1">
+              <a:schemeClr val="accent1"/>
+            </a:fillRef>
+            <a:effectRef idx="0">
+              <a:schemeClr val="accent1"/>
+            </a:effectRef>
+            <a:fontRef idx="minor">
+              <a:schemeClr val="lt1"/>
+            </a:fontRef>
+          </p:style>
+          <p:txBody>
+            <a:bodyPr rtlCol="0" anchor="ctr"/>
+            <a:lstStyle/>
+            <a:p>
+              <a:pPr algn="ctr"/>
+              <a:endParaRPr lang="ko-KR" altLang="en-US"/>
+            </a:p>
+          </p:txBody>
+        </p:sp>
+        <p:sp>
+          <p:nvSpPr>
+            <p:cNvPr id="33" name="TextBox 32"/>
+            <p:cNvSpPr txBox="1"/>
+            <p:nvPr/>
+          </p:nvSpPr>
+          <p:spPr>
+            <a:xfrm>
+              <a:off x="8654451" y="5665650"/>
+              <a:ext cx="1322284" cy="369332"/>
+            </a:xfrm>
+            <a:prstGeom prst="rect">
+              <a:avLst/>
+            </a:prstGeom>
+            <a:noFill/>
+          </p:spPr>
+          <p:txBody>
+            <a:bodyPr wrap="square" rtlCol="0" anchor="ctr">
+              <a:spAutoFit/>
+            </a:bodyPr>
+            <a:lstStyle/>
+            <a:p>
+              <a:pPr algn="ctr"/>
+              <a:r>
+                <a:rPr lang="en-US" altLang="ko-KR" b="1" dirty="0" smtClean="0">
+                  <a:latin typeface="나눔스퀘어" panose="020B0600000101010101" pitchFamily="50" charset="-127"/>
+                  <a:ea typeface="나눔스퀘어" panose="020B0600000101010101" pitchFamily="50" charset="-127"/>
+                </a:rPr>
+                <a:t>Databases</a:t>
+              </a:r>
+              <a:endParaRPr lang="ko-KR" altLang="en-US" b="1" dirty="0">
+                <a:latin typeface="나눔스퀘어" panose="020B0600000101010101" pitchFamily="50" charset="-127"/>
+                <a:ea typeface="나눔스퀘어" panose="020B0600000101010101" pitchFamily="50" charset="-127"/>
+              </a:endParaRPr>
+            </a:p>
+          </p:txBody>
+        </p:sp>
+        <p:grpSp>
+          <p:nvGrpSpPr>
+            <p:cNvPr id="34" name="그룹 33"/>
+            <p:cNvGrpSpPr/>
+            <p:nvPr/>
+          </p:nvGrpSpPr>
+          <p:grpSpPr>
+            <a:xfrm>
+              <a:off x="8620728" y="1639656"/>
+              <a:ext cx="1389730" cy="1221234"/>
+              <a:chOff x="8620728" y="890371"/>
+              <a:chExt cx="1389730" cy="1221234"/>
+            </a:xfrm>
+          </p:grpSpPr>
+          <p:sp>
+            <p:nvSpPr>
+              <p:cNvPr id="43" name="모서리가 둥근 직사각형 42"/>
+              <p:cNvSpPr/>
+              <p:nvPr/>
+            </p:nvSpPr>
+            <p:spPr>
+              <a:xfrm>
+                <a:off x="8620728" y="890371"/>
+                <a:ext cx="1389730" cy="1221234"/>
+              </a:xfrm>
+              <a:prstGeom prst="roundRect">
+                <a:avLst>
+                  <a:gd name="adj" fmla="val 4464"/>
+                </a:avLst>
+              </a:prstGeom>
+              <a:solidFill>
+                <a:schemeClr val="bg1"/>
+              </a:solidFill>
+              <a:ln w="50800">
+                <a:solidFill>
+                  <a:srgbClr val="4997D0"/>
+                </a:solidFill>
+              </a:ln>
+            </p:spPr>
+            <p:style>
+              <a:lnRef idx="2">
+                <a:schemeClr val="accent1">
+                  <a:shade val="50000"/>
+                </a:schemeClr>
+              </a:lnRef>
+              <a:fillRef idx="1">
+                <a:schemeClr val="accent1"/>
+              </a:fillRef>
+              <a:effectRef idx="0">
+                <a:schemeClr val="accent1"/>
+              </a:effectRef>
+              <a:fontRef idx="minor">
+                <a:schemeClr val="lt1"/>
+              </a:fontRef>
+            </p:style>
+            <p:txBody>
+              <a:bodyPr rtlCol="0" anchor="ctr"/>
+              <a:lstStyle/>
+              <a:p>
+                <a:pPr algn="ctr"/>
+                <a:endParaRPr lang="ko-KR" altLang="en-US"/>
+              </a:p>
+            </p:txBody>
+          </p:sp>
+          <p:pic>
+            <p:nvPicPr>
+              <p:cNvPr id="44" name="그림 43"/>
+              <p:cNvPicPr>
+                <a:picLocks noChangeAspect="1"/>
+              </p:cNvPicPr>
+              <p:nvPr/>
+            </p:nvPicPr>
+            <p:blipFill>
+              <a:blip r:embed="rId2" cstate="print">
+                <a:extLst>
+                  <a:ext uri="{28A0092B-C50C-407E-A947-70E740481C1C}">
+                    <a14:useLocalDpi xmlns:a14="http://schemas.microsoft.com/office/drawing/2010/main" val="0"/>
+                  </a:ext>
+                </a:extLst>
+              </a:blip>
+              <a:stretch>
+                <a:fillRect/>
+              </a:stretch>
+            </p:blipFill>
+            <p:spPr>
+              <a:xfrm>
+                <a:off x="8858391" y="1106271"/>
+                <a:ext cx="914402" cy="789434"/>
+              </a:xfrm>
+              <a:prstGeom prst="rect">
+                <a:avLst/>
+              </a:prstGeom>
+            </p:spPr>
+          </p:pic>
+        </p:grpSp>
+        <p:grpSp>
+          <p:nvGrpSpPr>
+            <p:cNvPr id="35" name="그룹 34"/>
+            <p:cNvGrpSpPr/>
+            <p:nvPr/>
+          </p:nvGrpSpPr>
+          <p:grpSpPr>
+            <a:xfrm>
+              <a:off x="8620729" y="4200607"/>
+              <a:ext cx="1389730" cy="1018096"/>
+              <a:chOff x="8620729" y="4575842"/>
+              <a:chExt cx="1389730" cy="1018096"/>
+            </a:xfrm>
+          </p:grpSpPr>
+          <p:sp>
+            <p:nvSpPr>
+              <p:cNvPr id="41" name="모서리가 둥근 직사각형 40"/>
+              <p:cNvSpPr/>
+              <p:nvPr/>
+            </p:nvSpPr>
+            <p:spPr>
+              <a:xfrm>
+                <a:off x="8620729" y="4575842"/>
+                <a:ext cx="1389730" cy="1018096"/>
+              </a:xfrm>
+              <a:prstGeom prst="roundRect">
+                <a:avLst>
+                  <a:gd name="adj" fmla="val 4464"/>
+                </a:avLst>
+              </a:prstGeom>
+              <a:solidFill>
+                <a:schemeClr val="bg1"/>
+              </a:solidFill>
+              <a:ln w="50800">
+                <a:solidFill>
+                  <a:srgbClr val="4997D0"/>
+                </a:solidFill>
+              </a:ln>
+            </p:spPr>
+            <p:style>
+              <a:lnRef idx="2">
+                <a:schemeClr val="accent1">
+                  <a:shade val="50000"/>
+                </a:schemeClr>
+              </a:lnRef>
+              <a:fillRef idx="1">
+                <a:schemeClr val="accent1"/>
+              </a:fillRef>
+              <a:effectRef idx="0">
+                <a:schemeClr val="accent1"/>
+              </a:effectRef>
+              <a:fontRef idx="minor">
+                <a:schemeClr val="lt1"/>
+              </a:fontRef>
+            </p:style>
+            <p:txBody>
+              <a:bodyPr rtlCol="0" anchor="ctr"/>
+              <a:lstStyle/>
+              <a:p>
+                <a:pPr algn="ctr"/>
+                <a:endParaRPr lang="ko-KR" altLang="en-US"/>
+              </a:p>
+            </p:txBody>
+          </p:sp>
+          <p:pic>
+            <p:nvPicPr>
+              <p:cNvPr id="42" name="그림 41"/>
+              <p:cNvPicPr>
+                <a:picLocks noChangeAspect="1"/>
+              </p:cNvPicPr>
+              <p:nvPr/>
+            </p:nvPicPr>
+            <p:blipFill>
+              <a:blip r:embed="rId3" cstate="print">
+                <a:extLst>
+                  <a:ext uri="{28A0092B-C50C-407E-A947-70E740481C1C}">
+                    <a14:useLocalDpi xmlns:a14="http://schemas.microsoft.com/office/drawing/2010/main" val="0"/>
+                  </a:ext>
+                </a:extLst>
+              </a:blip>
+              <a:stretch>
+                <a:fillRect/>
+              </a:stretch>
+            </p:blipFill>
+            <p:spPr>
+              <a:xfrm>
+                <a:off x="8675772" y="4788138"/>
+                <a:ext cx="1279639" cy="582314"/>
+              </a:xfrm>
+              <a:prstGeom prst="rect">
+                <a:avLst/>
+              </a:prstGeom>
+            </p:spPr>
+          </p:pic>
+        </p:grpSp>
+        <p:grpSp>
+          <p:nvGrpSpPr>
+            <p:cNvPr id="36" name="그룹 35"/>
+            <p:cNvGrpSpPr/>
+            <p:nvPr/>
+          </p:nvGrpSpPr>
+          <p:grpSpPr>
+            <a:xfrm>
+              <a:off x="8620729" y="3024809"/>
+              <a:ext cx="1389730" cy="1065993"/>
+              <a:chOff x="8620729" y="3562941"/>
+              <a:chExt cx="1389730" cy="1065993"/>
+            </a:xfrm>
+          </p:grpSpPr>
+          <p:cxnSp>
+            <p:nvCxnSpPr>
+              <p:cNvPr id="37" name="직선 화살표 연결선 36"/>
+              <p:cNvCxnSpPr/>
+              <p:nvPr/>
+            </p:nvCxnSpPr>
+            <p:spPr>
+              <a:xfrm>
+                <a:off x="9315590" y="3562941"/>
+                <a:ext cx="0" cy="1065993"/>
+              </a:xfrm>
+              <a:prstGeom prst="straightConnector1">
+                <a:avLst/>
+              </a:prstGeom>
+              <a:ln w="38100">
+                <a:solidFill>
+                  <a:schemeClr val="tx1"/>
+                </a:solidFill>
+                <a:tailEnd type="triangle"/>
+              </a:ln>
+            </p:spPr>
+            <p:style>
+              <a:lnRef idx="1">
+                <a:schemeClr val="accent1"/>
+              </a:lnRef>
+              <a:fillRef idx="0">
+                <a:schemeClr val="accent1"/>
+              </a:fillRef>
+              <a:effectRef idx="0">
+                <a:schemeClr val="accent1"/>
+              </a:effectRef>
+              <a:fontRef idx="minor">
+                <a:schemeClr val="tx1"/>
+              </a:fontRef>
+            </p:style>
+          </p:cxnSp>
+          <p:grpSp>
+            <p:nvGrpSpPr>
+              <p:cNvPr id="38" name="그룹 37"/>
+              <p:cNvGrpSpPr/>
+              <p:nvPr/>
+            </p:nvGrpSpPr>
+            <p:grpSpPr>
+              <a:xfrm>
+                <a:off x="8620729" y="3797791"/>
+                <a:ext cx="1389730" cy="532216"/>
+                <a:chOff x="8620729" y="3747808"/>
+                <a:chExt cx="1389730" cy="532216"/>
+              </a:xfrm>
+            </p:grpSpPr>
+            <p:sp>
+              <p:nvSpPr>
+                <p:cNvPr id="39" name="모서리가 둥근 직사각형 38"/>
+                <p:cNvSpPr/>
+                <p:nvPr/>
+              </p:nvSpPr>
+              <p:spPr>
+                <a:xfrm>
+                  <a:off x="8620729" y="3789154"/>
+                  <a:ext cx="1389730" cy="459486"/>
+                </a:xfrm>
+                <a:prstGeom prst="roundRect">
+                  <a:avLst>
+                    <a:gd name="adj" fmla="val 4464"/>
+                  </a:avLst>
+                </a:prstGeom>
+                <a:solidFill>
+                  <a:schemeClr val="bg1"/>
+                </a:solidFill>
+                <a:ln w="50800">
+                  <a:solidFill>
+                    <a:srgbClr val="4997D0"/>
+                  </a:solidFill>
+                </a:ln>
+              </p:spPr>
+              <p:style>
+                <a:lnRef idx="2">
+                  <a:schemeClr val="accent1">
+                    <a:shade val="50000"/>
+                  </a:schemeClr>
+                </a:lnRef>
+                <a:fillRef idx="1">
+                  <a:schemeClr val="accent1"/>
+                </a:fillRef>
+                <a:effectRef idx="0">
+                  <a:schemeClr val="accent1"/>
+                </a:effectRef>
+                <a:fontRef idx="minor">
+                  <a:schemeClr val="lt1"/>
+                </a:fontRef>
+              </p:style>
+              <p:txBody>
+                <a:bodyPr rtlCol="0" anchor="ctr"/>
+                <a:lstStyle/>
+                <a:p>
+                  <a:pPr algn="ctr"/>
+                  <a:endParaRPr lang="ko-KR" altLang="en-US"/>
+                </a:p>
+              </p:txBody>
+            </p:sp>
+            <p:pic>
+              <p:nvPicPr>
+                <p:cNvPr id="40" name="그림 39"/>
+                <p:cNvPicPr>
+                  <a:picLocks noChangeAspect="1"/>
+                </p:cNvPicPr>
+                <p:nvPr/>
+              </p:nvPicPr>
+              <p:blipFill>
+                <a:blip r:embed="rId4" cstate="print">
+                  <a:extLst>
+                    <a:ext uri="{28A0092B-C50C-407E-A947-70E740481C1C}">
+                      <a14:useLocalDpi xmlns:a14="http://schemas.microsoft.com/office/drawing/2010/main" val="0"/>
+                    </a:ext>
+                  </a:extLst>
+                </a:blip>
+                <a:stretch>
+                  <a:fillRect/>
+                </a:stretch>
+              </p:blipFill>
+              <p:spPr>
+                <a:xfrm>
+                  <a:off x="8730816" y="3747808"/>
+                  <a:ext cx="1169549" cy="532216"/>
+                </a:xfrm>
+                <a:prstGeom prst="rect">
+                  <a:avLst/>
+                </a:prstGeom>
+              </p:spPr>
+            </p:pic>
+          </p:grpSp>
+        </p:grpSp>
+      </p:grpSp>
+      <p:cxnSp>
+        <p:nvCxnSpPr>
+          <p:cNvPr id="49" name="직선 화살표 연결선 48"/>
+          <p:cNvCxnSpPr/>
+          <p:nvPr/>
+        </p:nvCxnSpPr>
+        <p:spPr>
+          <a:xfrm flipH="1">
+            <a:off x="7745405" y="2356734"/>
+            <a:ext cx="1080120" cy="784234"/>
+          </a:xfrm>
+          <a:prstGeom prst="straightConnector1">
+            <a:avLst/>
+          </a:prstGeom>
+          <a:ln w="38100">
+            <a:solidFill>
+              <a:schemeClr val="tx1"/>
+            </a:solidFill>
+            <a:tailEnd type="triangle"/>
+          </a:ln>
+        </p:spPr>
+        <p:style>
+          <a:lnRef idx="1">
+            <a:schemeClr val="accent1"/>
+          </a:lnRef>
+          <a:fillRef idx="0">
+            <a:schemeClr val="accent1"/>
+          </a:fillRef>
+          <a:effectRef idx="0">
+            <a:schemeClr val="accent1"/>
+          </a:effectRef>
+          <a:fontRef idx="minor">
+            <a:schemeClr val="tx1"/>
+          </a:fontRef>
+        </p:style>
+      </p:cxnSp>
+      <p:grpSp>
+        <p:nvGrpSpPr>
+          <p:cNvPr id="70" name="그룹 69"/>
+          <p:cNvGrpSpPr/>
+          <p:nvPr/>
+        </p:nvGrpSpPr>
+        <p:grpSpPr>
+          <a:xfrm>
+            <a:off x="1986224" y="2712705"/>
+            <a:ext cx="1654091" cy="2399291"/>
+            <a:chOff x="6886595" y="4270912"/>
+            <a:chExt cx="1654091" cy="2399291"/>
+          </a:xfrm>
+        </p:grpSpPr>
+        <p:sp>
+          <p:nvSpPr>
+            <p:cNvPr id="71" name="모서리가 둥근 직사각형 70"/>
+            <p:cNvSpPr/>
+            <p:nvPr/>
+          </p:nvSpPr>
+          <p:spPr>
+            <a:xfrm>
+              <a:off x="6886595" y="4270912"/>
+              <a:ext cx="1636448" cy="1941352"/>
+            </a:xfrm>
+            <a:prstGeom prst="roundRect">
+              <a:avLst>
+                <a:gd name="adj" fmla="val 4464"/>
+              </a:avLst>
+            </a:prstGeom>
+            <a:solidFill>
+              <a:schemeClr val="bg1"/>
+            </a:solidFill>
+            <a:ln w="50800">
+              <a:solidFill>
+                <a:schemeClr val="tx1"/>
+              </a:solidFill>
+              <a:prstDash val="sysDash"/>
+            </a:ln>
+          </p:spPr>
+          <p:style>
+            <a:lnRef idx="2">
+              <a:schemeClr val="accent1">
+                <a:shade val="50000"/>
+              </a:schemeClr>
+            </a:lnRef>
+            <a:fillRef idx="1">
+              <a:schemeClr val="accent1"/>
+            </a:fillRef>
+            <a:effectRef idx="0">
+              <a:schemeClr val="accent1"/>
+            </a:effectRef>
+            <a:fontRef idx="minor">
+              <a:schemeClr val="lt1"/>
+            </a:fontRef>
+          </p:style>
+          <p:txBody>
+            <a:bodyPr rtlCol="0" anchor="ctr"/>
+            <a:lstStyle/>
+            <a:p>
+              <a:pPr algn="ctr"/>
+              <a:endParaRPr lang="ko-KR" altLang="en-US"/>
+            </a:p>
+          </p:txBody>
+        </p:sp>
+        <p:grpSp>
+          <p:nvGrpSpPr>
+            <p:cNvPr id="73" name="그룹 72"/>
+            <p:cNvGrpSpPr/>
+            <p:nvPr/>
+          </p:nvGrpSpPr>
+          <p:grpSpPr>
+            <a:xfrm>
+              <a:off x="7086775" y="4426460"/>
+              <a:ext cx="1256318" cy="1594259"/>
+              <a:chOff x="8152485" y="2126000"/>
+              <a:chExt cx="1256318" cy="1594259"/>
+            </a:xfrm>
+          </p:grpSpPr>
+          <p:grpSp>
+            <p:nvGrpSpPr>
+              <p:cNvPr id="80" name="그룹 79"/>
+              <p:cNvGrpSpPr/>
+              <p:nvPr/>
+            </p:nvGrpSpPr>
+            <p:grpSpPr>
+              <a:xfrm>
+                <a:off x="8152485" y="2126000"/>
+                <a:ext cx="1256318" cy="1594259"/>
+                <a:chOff x="2043236" y="5429839"/>
+                <a:chExt cx="7230359" cy="754144"/>
+              </a:xfrm>
+            </p:grpSpPr>
+            <p:sp>
+              <p:nvSpPr>
+                <p:cNvPr id="82" name="모서리가 둥근 직사각형 81"/>
+                <p:cNvSpPr/>
+                <p:nvPr/>
+              </p:nvSpPr>
+              <p:spPr>
+                <a:xfrm>
+                  <a:off x="2043236" y="5429839"/>
+                  <a:ext cx="7230359" cy="754144"/>
+                </a:xfrm>
+                <a:prstGeom prst="roundRect">
+                  <a:avLst>
+                    <a:gd name="adj" fmla="val 4464"/>
+                  </a:avLst>
+                </a:prstGeom>
+                <a:solidFill>
+                  <a:schemeClr val="bg1"/>
+                </a:solidFill>
+                <a:ln w="50800">
+                  <a:solidFill>
+                    <a:srgbClr val="4997D0"/>
+                  </a:solidFill>
+                </a:ln>
+              </p:spPr>
+              <p:style>
+                <a:lnRef idx="2">
+                  <a:schemeClr val="accent1">
+                    <a:shade val="50000"/>
+                  </a:schemeClr>
+                </a:lnRef>
+                <a:fillRef idx="1">
+                  <a:schemeClr val="accent1"/>
+                </a:fillRef>
+                <a:effectRef idx="0">
+                  <a:schemeClr val="accent1"/>
+                </a:effectRef>
+                <a:fontRef idx="minor">
+                  <a:schemeClr val="lt1"/>
+                </a:fontRef>
+              </p:style>
+              <p:txBody>
+                <a:bodyPr rtlCol="0" anchor="ctr"/>
+                <a:lstStyle/>
+                <a:p>
+                  <a:pPr algn="ctr"/>
+                  <a:endParaRPr lang="ko-KR" altLang="en-US"/>
+                </a:p>
+              </p:txBody>
+            </p:sp>
+            <p:sp>
+              <p:nvSpPr>
+                <p:cNvPr id="83" name="TextBox 82"/>
+                <p:cNvSpPr txBox="1"/>
+                <p:nvPr/>
+              </p:nvSpPr>
+              <p:spPr>
+                <a:xfrm>
+                  <a:off x="2785668" y="5688282"/>
+                  <a:ext cx="5745495" cy="305739"/>
+                </a:xfrm>
+                <a:prstGeom prst="rect">
+                  <a:avLst/>
+                </a:prstGeom>
+                <a:noFill/>
+              </p:spPr>
+              <p:txBody>
+                <a:bodyPr wrap="square" rtlCol="0" anchor="ctr">
+                  <a:spAutoFit/>
+                </a:bodyPr>
+                <a:lstStyle/>
+                <a:p>
+                  <a:pPr algn="ctr"/>
+                  <a:r>
+                    <a:rPr lang="en-US" altLang="ko-KR" b="1" dirty="0" smtClean="0">
+                      <a:latin typeface="나눔스퀘어" panose="020B0600000101010101" pitchFamily="50" charset="-127"/>
+                      <a:ea typeface="나눔스퀘어" panose="020B0600000101010101" pitchFamily="50" charset="-127"/>
+                    </a:rPr>
+                    <a:t>Article</a:t>
+                  </a:r>
+                </a:p>
+                <a:p>
+                  <a:pPr algn="ctr"/>
+                  <a:r>
+                    <a:rPr lang="en-US" altLang="ko-KR" b="1" dirty="0" smtClean="0">
+                      <a:latin typeface="나눔스퀘어" panose="020B0600000101010101" pitchFamily="50" charset="-127"/>
+                      <a:ea typeface="나눔스퀘어" panose="020B0600000101010101" pitchFamily="50" charset="-127"/>
+                    </a:rPr>
+                    <a:t>API</a:t>
+                  </a:r>
+                  <a:endParaRPr lang="ko-KR" altLang="en-US" b="1" dirty="0">
+                    <a:latin typeface="나눔스퀘어" panose="020B0600000101010101" pitchFamily="50" charset="-127"/>
+                    <a:ea typeface="나눔스퀘어" panose="020B0600000101010101" pitchFamily="50" charset="-127"/>
+                  </a:endParaRPr>
+                </a:p>
+              </p:txBody>
+            </p:sp>
+          </p:grpSp>
+          <p:pic>
+            <p:nvPicPr>
+              <p:cNvPr id="81" name="그림 80"/>
+              <p:cNvPicPr>
+                <a:picLocks noChangeAspect="1"/>
+              </p:cNvPicPr>
+              <p:nvPr/>
+            </p:nvPicPr>
+            <p:blipFill>
+              <a:blip r:embed="rId5">
+                <a:extLst>
+                  <a:ext uri="{28A0092B-C50C-407E-A947-70E740481C1C}">
+                    <a14:useLocalDpi xmlns:a14="http://schemas.microsoft.com/office/drawing/2010/main" val="0"/>
+                  </a:ext>
+                </a:extLst>
+              </a:blip>
+              <a:stretch>
+                <a:fillRect/>
+              </a:stretch>
+            </p:blipFill>
+            <p:spPr>
+              <a:xfrm>
+                <a:off x="8430120" y="2328474"/>
+                <a:ext cx="706981" cy="373690"/>
+              </a:xfrm>
+              <a:prstGeom prst="rect">
+                <a:avLst/>
+              </a:prstGeom>
+            </p:spPr>
+          </p:pic>
+        </p:grpSp>
+        <p:sp>
+          <p:nvSpPr>
+            <p:cNvPr id="75" name="TextBox 74"/>
+            <p:cNvSpPr txBox="1"/>
+            <p:nvPr/>
+          </p:nvSpPr>
+          <p:spPr>
+            <a:xfrm>
+              <a:off x="6889182" y="6300871"/>
+              <a:ext cx="1651504" cy="369332"/>
+            </a:xfrm>
+            <a:prstGeom prst="rect">
+              <a:avLst/>
+            </a:prstGeom>
+            <a:noFill/>
+          </p:spPr>
+          <p:txBody>
+            <a:bodyPr wrap="square" rtlCol="0" anchor="ctr">
+              <a:spAutoFit/>
+            </a:bodyPr>
+            <a:lstStyle/>
+            <a:p>
+              <a:pPr algn="ctr"/>
+              <a:r>
+                <a:rPr lang="en-US" altLang="ko-KR" b="1" dirty="0" err="1" smtClean="0">
+                  <a:latin typeface="나눔스퀘어" panose="020B0600000101010101" pitchFamily="50" charset="-127"/>
+                  <a:ea typeface="나눔스퀘어" panose="020B0600000101010101" pitchFamily="50" charset="-127"/>
+                </a:rPr>
+                <a:t>Microservices</a:t>
+              </a:r>
+              <a:endParaRPr lang="ko-KR" altLang="en-US" b="1" dirty="0">
+                <a:latin typeface="나눔스퀘어" panose="020B0600000101010101" pitchFamily="50" charset="-127"/>
+                <a:ea typeface="나눔스퀘어" panose="020B0600000101010101" pitchFamily="50" charset="-127"/>
+              </a:endParaRPr>
+            </a:p>
+          </p:txBody>
+        </p:sp>
+      </p:grpSp>
+      <p:grpSp>
+        <p:nvGrpSpPr>
+          <p:cNvPr id="88" name="그룹 87"/>
+          <p:cNvGrpSpPr/>
+          <p:nvPr/>
+        </p:nvGrpSpPr>
+        <p:grpSpPr>
+          <a:xfrm>
+            <a:off x="3752196" y="3508282"/>
+            <a:ext cx="1128511" cy="176476"/>
+            <a:chOff x="1727811" y="3429000"/>
+            <a:chExt cx="1128511" cy="176476"/>
+          </a:xfrm>
+        </p:grpSpPr>
+        <p:cxnSp>
+          <p:nvCxnSpPr>
+            <p:cNvPr id="89" name="직선 화살표 연결선 88"/>
+            <p:cNvCxnSpPr/>
+            <p:nvPr/>
+          </p:nvCxnSpPr>
+          <p:spPr>
+            <a:xfrm>
+              <a:off x="1727811" y="3429000"/>
+              <a:ext cx="1128510" cy="0"/>
+            </a:xfrm>
+            <a:prstGeom prst="straightConnector1">
+              <a:avLst/>
+            </a:prstGeom>
+            <a:ln w="38100">
+              <a:solidFill>
+                <a:schemeClr val="tx1"/>
+              </a:solidFill>
+              <a:tailEnd type="triangle"/>
+            </a:ln>
+          </p:spPr>
+          <p:style>
+            <a:lnRef idx="1">
+              <a:schemeClr val="accent1"/>
+            </a:lnRef>
+            <a:fillRef idx="0">
+              <a:schemeClr val="accent1"/>
+            </a:fillRef>
+            <a:effectRef idx="0">
+              <a:schemeClr val="accent1"/>
+            </a:effectRef>
+            <a:fontRef idx="minor">
+              <a:schemeClr val="tx1"/>
+            </a:fontRef>
+          </p:style>
+        </p:cxnSp>
+        <p:cxnSp>
+          <p:nvCxnSpPr>
+            <p:cNvPr id="90" name="직선 화살표 연결선 89"/>
+            <p:cNvCxnSpPr/>
+            <p:nvPr/>
+          </p:nvCxnSpPr>
+          <p:spPr>
+            <a:xfrm flipH="1">
+              <a:off x="1727811" y="3605476"/>
+              <a:ext cx="1128511" cy="0"/>
+            </a:xfrm>
+            <a:prstGeom prst="straightConnector1">
+              <a:avLst/>
+            </a:prstGeom>
+            <a:ln w="38100">
+              <a:solidFill>
+                <a:schemeClr val="tx1"/>
+              </a:solidFill>
+              <a:tailEnd type="triangle"/>
+            </a:ln>
+          </p:spPr>
+          <p:style>
+            <a:lnRef idx="1">
+              <a:schemeClr val="accent1"/>
+            </a:lnRef>
+            <a:fillRef idx="0">
+              <a:schemeClr val="accent1"/>
+            </a:fillRef>
+            <a:effectRef idx="0">
+              <a:schemeClr val="accent1"/>
+            </a:effectRef>
+            <a:fontRef idx="minor">
+              <a:schemeClr val="tx1"/>
+            </a:fontRef>
+          </p:style>
+        </p:cxnSp>
+      </p:grpSp>
+    </p:spTree>
+    <p:extLst>
+      <p:ext uri="{BB962C8B-B14F-4D97-AF65-F5344CB8AC3E}">
+        <p14:creationId xmlns:p14="http://schemas.microsoft.com/office/powerpoint/2010/main" val="3981189364"/>
+      </p:ext>
+    </p:extLst>
+  </p:cSld>
+  <p:clrMapOvr>
+    <a:masterClrMapping/>
+  </p:clrMapOvr>
 </p:sld>
 </file>
 
@@ -5055,282 +7193,6 @@
       </p:grpSpPr>
       <p:grpSp>
         <p:nvGrpSpPr>
-          <p:cNvPr id="71" name="그룹 70"/>
-          <p:cNvGrpSpPr/>
-          <p:nvPr/>
-        </p:nvGrpSpPr>
-        <p:grpSpPr>
-          <a:xfrm>
-            <a:off x="5440213" y="2999044"/>
-            <a:ext cx="1256318" cy="1576799"/>
-            <a:chOff x="5552822" y="2999044"/>
-            <a:chExt cx="1256318" cy="1576799"/>
-          </a:xfrm>
-        </p:grpSpPr>
-        <p:sp>
-          <p:nvSpPr>
-            <p:cNvPr id="8" name="모서리가 둥근 직사각형 7"/>
-            <p:cNvSpPr/>
-            <p:nvPr/>
-          </p:nvSpPr>
-          <p:spPr>
-            <a:xfrm>
-              <a:off x="5552822" y="2999044"/>
-              <a:ext cx="1256318" cy="856520"/>
-            </a:xfrm>
-            <a:prstGeom prst="roundRect">
-              <a:avLst>
-                <a:gd name="adj" fmla="val 4464"/>
-              </a:avLst>
-            </a:prstGeom>
-            <a:solidFill>
-              <a:schemeClr val="bg1"/>
-            </a:solidFill>
-            <a:ln w="50800">
-              <a:solidFill>
-                <a:srgbClr val="4997D0"/>
-              </a:solidFill>
-            </a:ln>
-          </p:spPr>
-          <p:style>
-            <a:lnRef idx="2">
-              <a:schemeClr val="accent1">
-                <a:shade val="50000"/>
-              </a:schemeClr>
-            </a:lnRef>
-            <a:fillRef idx="1">
-              <a:schemeClr val="accent1"/>
-            </a:fillRef>
-            <a:effectRef idx="0">
-              <a:schemeClr val="accent1"/>
-            </a:effectRef>
-            <a:fontRef idx="minor">
-              <a:schemeClr val="lt1"/>
-            </a:fontRef>
-          </p:style>
-          <p:txBody>
-            <a:bodyPr rtlCol="0" anchor="ctr"/>
-            <a:lstStyle/>
-            <a:p>
-              <a:pPr algn="ctr"/>
-              <a:endParaRPr lang="ko-KR" altLang="en-US"/>
-            </a:p>
-          </p:txBody>
-        </p:sp>
-        <p:sp>
-          <p:nvSpPr>
-            <p:cNvPr id="9" name="TextBox 8"/>
-            <p:cNvSpPr txBox="1">
-              <a:spLocks/>
-            </p:cNvSpPr>
-            <p:nvPr/>
-          </p:nvSpPr>
-          <p:spPr>
-            <a:xfrm>
-              <a:off x="5830457" y="3929512"/>
-              <a:ext cx="701048" cy="646331"/>
-            </a:xfrm>
-            <a:prstGeom prst="rect">
-              <a:avLst/>
-            </a:prstGeom>
-            <a:noFill/>
-          </p:spPr>
-          <p:txBody>
-            <a:bodyPr wrap="square" rtlCol="0" anchor="ctr">
-              <a:spAutoFit/>
-            </a:bodyPr>
-            <a:lstStyle/>
-            <a:p>
-              <a:pPr algn="ctr"/>
-              <a:r>
-                <a:rPr lang="en-US" altLang="ko-KR" b="1" dirty="0" smtClean="0">
-                  <a:latin typeface="나눔스퀘어" panose="020B0600000101010101" pitchFamily="50" charset="-127"/>
-                  <a:ea typeface="나눔스퀘어" panose="020B0600000101010101" pitchFamily="50" charset="-127"/>
-                </a:rPr>
-                <a:t>API</a:t>
-              </a:r>
-            </a:p>
-            <a:p>
-              <a:pPr algn="ctr"/>
-              <a:r>
-                <a:rPr lang="en-US" altLang="ko-KR" b="1" dirty="0" smtClean="0">
-                  <a:latin typeface="나눔스퀘어" panose="020B0600000101010101" pitchFamily="50" charset="-127"/>
-                  <a:ea typeface="나눔스퀘어" panose="020B0600000101010101" pitchFamily="50" charset="-127"/>
-                </a:rPr>
-                <a:t>G/W</a:t>
-              </a:r>
-              <a:endParaRPr lang="ko-KR" altLang="en-US" b="1" dirty="0">
-                <a:latin typeface="나눔스퀘어" panose="020B0600000101010101" pitchFamily="50" charset="-127"/>
-                <a:ea typeface="나눔스퀘어" panose="020B0600000101010101" pitchFamily="50" charset="-127"/>
-              </a:endParaRPr>
-            </a:p>
-          </p:txBody>
-        </p:sp>
-        <p:pic>
-          <p:nvPicPr>
-            <p:cNvPr id="23" name="그림 22"/>
-            <p:cNvPicPr>
-              <a:picLocks noChangeAspect="1"/>
-            </p:cNvPicPr>
-            <p:nvPr/>
-          </p:nvPicPr>
-          <p:blipFill>
-            <a:blip r:embed="rId2" cstate="print">
-              <a:extLst>
-                <a:ext uri="{28A0092B-C50C-407E-A947-70E740481C1C}">
-                  <a14:useLocalDpi xmlns:a14="http://schemas.microsoft.com/office/drawing/2010/main" val="0"/>
-                </a:ext>
-              </a:extLst>
-            </a:blip>
-            <a:stretch>
-              <a:fillRect/>
-            </a:stretch>
-          </p:blipFill>
-          <p:spPr>
-            <a:xfrm>
-              <a:off x="5695632" y="3207539"/>
-              <a:ext cx="971676" cy="453044"/>
-            </a:xfrm>
-            <a:prstGeom prst="rect">
-              <a:avLst/>
-            </a:prstGeom>
-          </p:spPr>
-        </p:pic>
-      </p:grpSp>
-      <p:grpSp>
-        <p:nvGrpSpPr>
-          <p:cNvPr id="58" name="그룹 57"/>
-          <p:cNvGrpSpPr/>
-          <p:nvPr/>
-        </p:nvGrpSpPr>
-        <p:grpSpPr>
-          <a:xfrm>
-            <a:off x="647552" y="2972440"/>
-            <a:ext cx="1256318" cy="1376285"/>
-            <a:chOff x="1188568" y="2378415"/>
-            <a:chExt cx="1256318" cy="1376285"/>
-          </a:xfrm>
-        </p:grpSpPr>
-        <p:sp>
-          <p:nvSpPr>
-            <p:cNvPr id="5" name="모서리가 둥근 직사각형 4"/>
-            <p:cNvSpPr/>
-            <p:nvPr/>
-          </p:nvSpPr>
-          <p:spPr>
-            <a:xfrm>
-              <a:off x="1188568" y="2378415"/>
-              <a:ext cx="1256318" cy="949073"/>
-            </a:xfrm>
-            <a:prstGeom prst="roundRect">
-              <a:avLst>
-                <a:gd name="adj" fmla="val 4464"/>
-              </a:avLst>
-            </a:prstGeom>
-            <a:solidFill>
-              <a:schemeClr val="bg1"/>
-            </a:solidFill>
-            <a:ln w="50800">
-              <a:solidFill>
-                <a:srgbClr val="4997D0"/>
-              </a:solidFill>
-            </a:ln>
-          </p:spPr>
-          <p:style>
-            <a:lnRef idx="2">
-              <a:schemeClr val="accent1">
-                <a:shade val="50000"/>
-              </a:schemeClr>
-            </a:lnRef>
-            <a:fillRef idx="1">
-              <a:schemeClr val="accent1"/>
-            </a:fillRef>
-            <a:effectRef idx="0">
-              <a:schemeClr val="accent1"/>
-            </a:effectRef>
-            <a:fontRef idx="minor">
-              <a:schemeClr val="lt1"/>
-            </a:fontRef>
-          </p:style>
-          <p:txBody>
-            <a:bodyPr rtlCol="0" anchor="ctr"/>
-            <a:lstStyle/>
-            <a:p>
-              <a:pPr algn="ctr"/>
-              <a:endParaRPr lang="ko-KR" altLang="en-US"/>
-            </a:p>
-          </p:txBody>
-        </p:sp>
-        <p:sp>
-          <p:nvSpPr>
-            <p:cNvPr id="6" name="TextBox 5"/>
-            <p:cNvSpPr txBox="1"/>
-            <p:nvPr/>
-          </p:nvSpPr>
-          <p:spPr>
-            <a:xfrm>
-              <a:off x="1466203" y="3385368"/>
-              <a:ext cx="701048" cy="369332"/>
-            </a:xfrm>
-            <a:prstGeom prst="rect">
-              <a:avLst/>
-            </a:prstGeom>
-            <a:noFill/>
-          </p:spPr>
-          <p:txBody>
-            <a:bodyPr wrap="square" rtlCol="0" anchor="ctr">
-              <a:spAutoFit/>
-            </a:bodyPr>
-            <a:lstStyle/>
-            <a:p>
-              <a:pPr algn="ctr"/>
-              <a:r>
-                <a:rPr lang="en-US" altLang="ko-KR" b="1" dirty="0" smtClean="0">
-                  <a:latin typeface="나눔스퀘어" panose="020B0600000101010101" pitchFamily="50" charset="-127"/>
-                  <a:ea typeface="나눔스퀘어" panose="020B0600000101010101" pitchFamily="50" charset="-127"/>
-                </a:rPr>
-                <a:t>User</a:t>
-              </a:r>
-              <a:endParaRPr lang="ko-KR" altLang="en-US" b="1" dirty="0">
-                <a:latin typeface="나눔스퀘어" panose="020B0600000101010101" pitchFamily="50" charset="-127"/>
-                <a:ea typeface="나눔스퀘어" panose="020B0600000101010101" pitchFamily="50" charset="-127"/>
-              </a:endParaRPr>
-            </a:p>
-          </p:txBody>
-        </p:sp>
-        <p:pic>
-          <p:nvPicPr>
-            <p:cNvPr id="35" name="그림 34"/>
-            <p:cNvPicPr>
-              <a:picLocks noChangeAspect="1"/>
-            </p:cNvPicPr>
-            <p:nvPr/>
-          </p:nvPicPr>
-          <p:blipFill>
-            <a:blip r:embed="rId3" cstate="print">
-              <a:extLst>
-                <a:ext uri="{28A0092B-C50C-407E-A947-70E740481C1C}">
-                  <a14:useLocalDpi xmlns:a14="http://schemas.microsoft.com/office/drawing/2010/main" val="0"/>
-                </a:ext>
-              </a:extLst>
-            </a:blip>
-            <a:stretch>
-              <a:fillRect/>
-            </a:stretch>
-          </p:blipFill>
-          <p:spPr>
-            <a:xfrm>
-              <a:off x="1400071" y="2436295"/>
-              <a:ext cx="833311" cy="833311"/>
-            </a:xfrm>
-            <a:prstGeom prst="rect">
-              <a:avLst/>
-            </a:prstGeom>
-          </p:spPr>
-        </p:pic>
-      </p:grpSp>
-      <p:grpSp>
-        <p:nvGrpSpPr>
           <p:cNvPr id="45" name="그룹 44"/>
           <p:cNvGrpSpPr/>
           <p:nvPr/>
@@ -5572,7 +7434,7 @@
             <p:nvPr/>
           </p:nvPicPr>
           <p:blipFill>
-            <a:blip r:embed="rId4" cstate="print">
+            <a:blip r:embed="rId2" cstate="print">
               <a:extLst>
                 <a:ext uri="{28A0092B-C50C-407E-A947-70E740481C1C}">
                   <a14:useLocalDpi xmlns:a14="http://schemas.microsoft.com/office/drawing/2010/main" val="0"/>
@@ -5769,7 +7631,7 @@
               <p:nvPr/>
             </p:nvPicPr>
             <p:blipFill>
-              <a:blip r:embed="rId5" cstate="print">
+              <a:blip r:embed="rId3" cstate="print">
                 <a:extLst>
                   <a:ext uri="{28A0092B-C50C-407E-A947-70E740481C1C}">
                     <a14:useLocalDpi xmlns:a14="http://schemas.microsoft.com/office/drawing/2010/main" val="0"/>
@@ -5864,7 +7726,7 @@
               <p:nvPr/>
             </p:nvPicPr>
             <p:blipFill>
-              <a:blip r:embed="rId6" cstate="print">
+              <a:blip r:embed="rId4" cstate="print">
                 <a:extLst>
                   <a:ext uri="{28A0092B-C50C-407E-A947-70E740481C1C}">
                     <a14:useLocalDpi xmlns:a14="http://schemas.microsoft.com/office/drawing/2010/main" val="0"/>
@@ -6009,7 +7871,7 @@
                 <p:nvPr/>
               </p:nvPicPr>
               <p:blipFill>
-                <a:blip r:embed="rId7" cstate="print">
+                <a:blip r:embed="rId5" cstate="print">
                   <a:extLst>
                     <a:ext uri="{28A0092B-C50C-407E-A947-70E740481C1C}">
                       <a14:useLocalDpi xmlns:a14="http://schemas.microsoft.com/office/drawing/2010/main" val="0"/>
@@ -6184,8 +8046,8 @@
               </p:nvSpPr>
               <p:spPr>
                 <a:xfrm>
-                  <a:off x="3634249" y="5702386"/>
-                  <a:ext cx="4034670" cy="305739"/>
+                  <a:off x="3467210" y="5702386"/>
+                  <a:ext cx="4368748" cy="305739"/>
                 </a:xfrm>
                 <a:prstGeom prst="rect">
                   <a:avLst/>
@@ -6233,7 +8095,7 @@
               <p:nvPr/>
             </p:nvPicPr>
             <p:blipFill>
-              <a:blip r:embed="rId8">
+              <a:blip r:embed="rId6">
                 <a:extLst>
                   <a:ext uri="{28A0092B-C50C-407E-A947-70E740481C1C}">
                     <a14:useLocalDpi xmlns:a14="http://schemas.microsoft.com/office/drawing/2010/main" val="0"/>
@@ -6390,7 +8252,7 @@
               <p:nvPr/>
             </p:nvPicPr>
             <p:blipFill>
-              <a:blip r:embed="rId8">
+              <a:blip r:embed="rId6">
                 <a:extLst>
                   <a:ext uri="{28A0092B-C50C-407E-A947-70E740481C1C}">
                     <a14:useLocalDpi xmlns:a14="http://schemas.microsoft.com/office/drawing/2010/main" val="0"/>
@@ -6547,7 +8409,7 @@
               <p:nvPr/>
             </p:nvPicPr>
             <p:blipFill>
-              <a:blip r:embed="rId8">
+              <a:blip r:embed="rId6">
                 <a:extLst>
                   <a:ext uri="{28A0092B-C50C-407E-A947-70E740481C1C}">
                     <a14:useLocalDpi xmlns:a14="http://schemas.microsoft.com/office/drawing/2010/main" val="0"/>
@@ -6868,54 +8730,149 @@
           </p:style>
         </p:cxnSp>
       </p:grpSp>
-    </p:spTree>
-    <p:extLst>
-      <p:ext uri="{BB962C8B-B14F-4D97-AF65-F5344CB8AC3E}">
-        <p14:creationId xmlns:p14="http://schemas.microsoft.com/office/powerpoint/2010/main" val="491410476"/>
-      </p:ext>
-    </p:extLst>
-  </p:cSld>
-  <p:clrMapOvr>
-    <a:masterClrMapping/>
-  </p:clrMapOvr>
-  <p:timing>
-    <p:tnLst>
-      <p:par>
-        <p:cTn id="1" dur="indefinite" restart="never" nodeType="tmRoot"/>
-      </p:par>
-    </p:tnLst>
-  </p:timing>
-</p:sld>
-</file>
-
-<file path=ppt/slides/slide7.xml><?xml version="1.0" encoding="utf-8"?>
-<p:sld xmlns:a="http://schemas.openxmlformats.org/drawingml/2006/main" xmlns:r="http://schemas.openxmlformats.org/officeDocument/2006/relationships" xmlns:p="http://schemas.openxmlformats.org/presentationml/2006/main">
-  <p:cSld>
-    <p:spTree>
-      <p:nvGrpSpPr>
-        <p:cNvPr id="1" name=""/>
-        <p:cNvGrpSpPr/>
-        <p:nvPr/>
-      </p:nvGrpSpPr>
-      <p:grpSpPr>
-        <a:xfrm>
-          <a:off x="0" y="0"/>
-          <a:ext cx="0" cy="0"/>
-          <a:chOff x="0" y="0"/>
-          <a:chExt cx="0" cy="0"/>
-        </a:xfrm>
-      </p:grpSpPr>
       <p:grpSp>
         <p:nvGrpSpPr>
-          <p:cNvPr id="71" name="그룹 70"/>
+          <p:cNvPr id="7" name="그룹 6"/>
           <p:cNvGrpSpPr/>
           <p:nvPr/>
         </p:nvGrpSpPr>
         <p:grpSpPr>
           <a:xfrm>
-            <a:off x="2199073" y="2999044"/>
+            <a:off x="647552" y="2972440"/>
+            <a:ext cx="1256318" cy="1376285"/>
+            <a:chOff x="647552" y="2972440"/>
+            <a:chExt cx="1256318" cy="1376285"/>
+          </a:xfrm>
+        </p:grpSpPr>
+        <p:sp>
+          <p:nvSpPr>
+            <p:cNvPr id="5" name="모서리가 둥근 직사각형 4"/>
+            <p:cNvSpPr/>
+            <p:nvPr/>
+          </p:nvSpPr>
+          <p:spPr>
+            <a:xfrm>
+              <a:off x="647552" y="2972440"/>
+              <a:ext cx="1256318" cy="949073"/>
+            </a:xfrm>
+            <a:prstGeom prst="roundRect">
+              <a:avLst>
+                <a:gd name="adj" fmla="val 4464"/>
+              </a:avLst>
+            </a:prstGeom>
+            <a:solidFill>
+              <a:schemeClr val="bg1"/>
+            </a:solidFill>
+            <a:ln w="50800">
+              <a:solidFill>
+                <a:srgbClr val="4997D0"/>
+              </a:solidFill>
+            </a:ln>
+          </p:spPr>
+          <p:style>
+            <a:lnRef idx="2">
+              <a:schemeClr val="accent1">
+                <a:shade val="50000"/>
+              </a:schemeClr>
+            </a:lnRef>
+            <a:fillRef idx="1">
+              <a:schemeClr val="accent1"/>
+            </a:fillRef>
+            <a:effectRef idx="0">
+              <a:schemeClr val="accent1"/>
+            </a:effectRef>
+            <a:fontRef idx="minor">
+              <a:schemeClr val="lt1"/>
+            </a:fontRef>
+          </p:style>
+          <p:txBody>
+            <a:bodyPr rtlCol="0" anchor="ctr"/>
+            <a:lstStyle/>
+            <a:p>
+              <a:pPr algn="ctr"/>
+              <a:endParaRPr lang="ko-KR" altLang="en-US"/>
+            </a:p>
+          </p:txBody>
+        </p:sp>
+        <p:sp>
+          <p:nvSpPr>
+            <p:cNvPr id="6" name="TextBox 5"/>
+            <p:cNvSpPr txBox="1"/>
+            <p:nvPr/>
+          </p:nvSpPr>
+          <p:spPr>
+            <a:xfrm>
+              <a:off x="925187" y="3979393"/>
+              <a:ext cx="701048" cy="369332"/>
+            </a:xfrm>
+            <a:prstGeom prst="rect">
+              <a:avLst/>
+            </a:prstGeom>
+            <a:noFill/>
+          </p:spPr>
+          <p:txBody>
+            <a:bodyPr wrap="square" rtlCol="0" anchor="ctr">
+              <a:spAutoFit/>
+            </a:bodyPr>
+            <a:lstStyle/>
+            <a:p>
+              <a:pPr algn="ctr"/>
+              <a:r>
+                <a:rPr lang="en-US" altLang="ko-KR" b="1" dirty="0" smtClean="0">
+                  <a:latin typeface="나눔스퀘어" panose="020B0600000101010101" pitchFamily="50" charset="-127"/>
+                  <a:ea typeface="나눔스퀘어" panose="020B0600000101010101" pitchFamily="50" charset="-127"/>
+                </a:rPr>
+                <a:t>User</a:t>
+              </a:r>
+              <a:endParaRPr lang="ko-KR" altLang="en-US" b="1" dirty="0">
+                <a:latin typeface="나눔스퀘어" panose="020B0600000101010101" pitchFamily="50" charset="-127"/>
+                <a:ea typeface="나눔스퀘어" panose="020B0600000101010101" pitchFamily="50" charset="-127"/>
+              </a:endParaRPr>
+            </a:p>
+          </p:txBody>
+        </p:sp>
+        <p:pic>
+          <p:nvPicPr>
+            <p:cNvPr id="3" name="그림 2"/>
+            <p:cNvPicPr>
+              <a:picLocks noChangeAspect="1"/>
+            </p:cNvPicPr>
+            <p:nvPr/>
+          </p:nvPicPr>
+          <p:blipFill>
+            <a:blip r:embed="rId7" cstate="print">
+              <a:extLst>
+                <a:ext uri="{28A0092B-C50C-407E-A947-70E740481C1C}">
+                  <a14:useLocalDpi xmlns:a14="http://schemas.microsoft.com/office/drawing/2010/main" val="0"/>
+                </a:ext>
+              </a:extLst>
+            </a:blip>
+            <a:stretch>
+              <a:fillRect/>
+            </a:stretch>
+          </p:blipFill>
+          <p:spPr>
+            <a:xfrm>
+              <a:off x="915756" y="3083820"/>
+              <a:ext cx="718726" cy="718726"/>
+            </a:xfrm>
+            <a:prstGeom prst="rect">
+              <a:avLst/>
+            </a:prstGeom>
+          </p:spPr>
+        </p:pic>
+      </p:grpSp>
+      <p:grpSp>
+        <p:nvGrpSpPr>
+          <p:cNvPr id="16" name="그룹 15"/>
+          <p:cNvGrpSpPr/>
+          <p:nvPr/>
+        </p:nvGrpSpPr>
+        <p:grpSpPr>
+          <a:xfrm>
+            <a:off x="5440213" y="2999044"/>
             <a:ext cx="1256318" cy="1576799"/>
-            <a:chOff x="5552822" y="2999044"/>
+            <a:chOff x="5440213" y="2999044"/>
             <a:chExt cx="1256318" cy="1576799"/>
           </a:xfrm>
         </p:grpSpPr>
@@ -6927,7 +8884,7 @@
           </p:nvSpPr>
           <p:spPr>
             <a:xfrm>
-              <a:off x="5552822" y="2999044"/>
+              <a:off x="5440213" y="2999044"/>
               <a:ext cx="1256318" cy="856520"/>
             </a:xfrm>
             <a:prstGeom prst="roundRect">
@@ -6979,7 +8936,7 @@
           </p:nvSpPr>
           <p:spPr>
             <a:xfrm>
-              <a:off x="5830457" y="3929512"/>
+              <a:off x="5717848" y="3929512"/>
               <a:ext cx="701048" cy="646331"/>
             </a:xfrm>
             <a:prstGeom prst="rect">
@@ -7020,14 +8977,14 @@
         </p:sp>
         <p:pic>
           <p:nvPicPr>
-            <p:cNvPr id="23" name="그림 22"/>
+            <p:cNvPr id="4" name="그림 3"/>
             <p:cNvPicPr>
               <a:picLocks noChangeAspect="1"/>
             </p:cNvPicPr>
             <p:nvPr/>
           </p:nvPicPr>
           <p:blipFill>
-            <a:blip r:embed="rId2" cstate="print">
+            <a:blip r:embed="rId8" cstate="print">
               <a:extLst>
                 <a:ext uri="{28A0092B-C50C-407E-A947-70E740481C1C}">
                   <a14:useLocalDpi xmlns:a14="http://schemas.microsoft.com/office/drawing/2010/main" val="0"/>
@@ -7040,8 +8997,8 @@
           </p:blipFill>
           <p:spPr>
             <a:xfrm>
-              <a:off x="5695632" y="3207539"/>
-              <a:ext cx="971676" cy="453044"/>
+              <a:off x="5737836" y="3189698"/>
+              <a:ext cx="656770" cy="486571"/>
             </a:xfrm>
             <a:prstGeom prst="rect">
               <a:avLst/>
@@ -7049,6 +9006,43 @@
           </p:spPr>
         </p:pic>
       </p:grpSp>
+    </p:spTree>
+    <p:extLst>
+      <p:ext uri="{BB962C8B-B14F-4D97-AF65-F5344CB8AC3E}">
+        <p14:creationId xmlns:p14="http://schemas.microsoft.com/office/powerpoint/2010/main" val="491410476"/>
+      </p:ext>
+    </p:extLst>
+  </p:cSld>
+  <p:clrMapOvr>
+    <a:masterClrMapping/>
+  </p:clrMapOvr>
+  <p:timing>
+    <p:tnLst>
+      <p:par>
+        <p:cTn id="1" dur="indefinite" restart="never" nodeType="tmRoot"/>
+      </p:par>
+    </p:tnLst>
+  </p:timing>
+</p:sld>
+</file>
+
+<file path=ppt/slides/slide7.xml><?xml version="1.0" encoding="utf-8"?>
+<p:sld xmlns:a="http://schemas.openxmlformats.org/drawingml/2006/main" xmlns:r="http://schemas.openxmlformats.org/officeDocument/2006/relationships" xmlns:p="http://schemas.openxmlformats.org/presentationml/2006/main">
+  <p:cSld>
+    <p:spTree>
+      <p:nvGrpSpPr>
+        <p:cNvPr id="1" name=""/>
+        <p:cNvGrpSpPr/>
+        <p:nvPr/>
+      </p:nvGrpSpPr>
+      <p:grpSpPr>
+        <a:xfrm>
+          <a:off x="0" y="0"/>
+          <a:ext cx="0" cy="0"/>
+          <a:chOff x="0" y="0"/>
+          <a:chExt cx="0" cy="0"/>
+        </a:xfrm>
+      </p:grpSpPr>
       <p:sp>
         <p:nvSpPr>
           <p:cNvPr id="46" name="TextBox 45"/>
@@ -7083,21 +9077,7 @@
                 <a:latin typeface="나눔스퀘어" panose="020B0600000101010101" pitchFamily="50" charset="-127"/>
                 <a:ea typeface="나눔스퀘어" panose="020B0600000101010101" pitchFamily="50" charset="-127"/>
               </a:rPr>
-              <a:t> </a:t>
-            </a:r>
-            <a:r>
-              <a:rPr lang="ko-KR" altLang="en-US" sz="2400" dirty="0" smtClean="0">
-                <a:latin typeface="나눔스퀘어" panose="020B0600000101010101" pitchFamily="50" charset="-127"/>
-                <a:ea typeface="나눔스퀘어" panose="020B0600000101010101" pitchFamily="50" charset="-127"/>
-              </a:rPr>
-              <a:t>상세 </a:t>
-            </a:r>
-            <a:r>
-              <a:rPr lang="ko-KR" altLang="en-US" sz="2400" dirty="0" smtClean="0">
-                <a:latin typeface="나눔스퀘어" panose="020B0600000101010101" pitchFamily="50" charset="-127"/>
-                <a:ea typeface="나눔스퀘어" panose="020B0600000101010101" pitchFamily="50" charset="-127"/>
-              </a:rPr>
-              <a:t>아키텍처</a:t>
+              <a:t> 상세 아키텍처</a:t>
             </a:r>
             <a:endParaRPr lang="ko-KR" altLang="en-US" sz="2400" dirty="0">
               <a:latin typeface="나눔스퀘어" panose="020B0600000101010101" pitchFamily="50" charset="-127"/>
@@ -7226,7 +9206,7 @@
             <p:nvPr/>
           </p:nvPicPr>
           <p:blipFill>
-            <a:blip r:embed="rId3" cstate="print">
+            <a:blip r:embed="rId2" cstate="print">
               <a:extLst>
                 <a:ext uri="{28A0092B-C50C-407E-A947-70E740481C1C}">
                   <a14:useLocalDpi xmlns:a14="http://schemas.microsoft.com/office/drawing/2010/main" val="0"/>
@@ -7423,7 +9403,7 @@
               <p:nvPr/>
             </p:nvPicPr>
             <p:blipFill>
-              <a:blip r:embed="rId4" cstate="print">
+              <a:blip r:embed="rId3" cstate="print">
                 <a:extLst>
                   <a:ext uri="{28A0092B-C50C-407E-A947-70E740481C1C}">
                     <a14:useLocalDpi xmlns:a14="http://schemas.microsoft.com/office/drawing/2010/main" val="0"/>
@@ -7518,7 +9498,7 @@
               <p:nvPr/>
             </p:nvPicPr>
             <p:blipFill>
-              <a:blip r:embed="rId5" cstate="print">
+              <a:blip r:embed="rId4" cstate="print">
                 <a:extLst>
                   <a:ext uri="{28A0092B-C50C-407E-A947-70E740481C1C}">
                     <a14:useLocalDpi xmlns:a14="http://schemas.microsoft.com/office/drawing/2010/main" val="0"/>
@@ -7663,7 +9643,7 @@
                 <p:nvPr/>
               </p:nvPicPr>
               <p:blipFill>
-                <a:blip r:embed="rId6" cstate="print">
+                <a:blip r:embed="rId5" cstate="print">
                   <a:extLst>
                     <a:ext uri="{28A0092B-C50C-407E-A947-70E740481C1C}">
                       <a14:useLocalDpi xmlns:a14="http://schemas.microsoft.com/office/drawing/2010/main" val="0"/>
@@ -7887,7 +9867,7 @@
               <p:nvPr/>
             </p:nvPicPr>
             <p:blipFill>
-              <a:blip r:embed="rId7">
+              <a:blip r:embed="rId6">
                 <a:extLst>
                   <a:ext uri="{28A0092B-C50C-407E-A947-70E740481C1C}">
                     <a14:useLocalDpi xmlns:a14="http://schemas.microsoft.com/office/drawing/2010/main" val="0"/>
@@ -8044,7 +10024,7 @@
               <p:nvPr/>
             </p:nvPicPr>
             <p:blipFill>
-              <a:blip r:embed="rId7">
+              <a:blip r:embed="rId6">
                 <a:extLst>
                   <a:ext uri="{28A0092B-C50C-407E-A947-70E740481C1C}">
                     <a14:useLocalDpi xmlns:a14="http://schemas.microsoft.com/office/drawing/2010/main" val="0"/>
@@ -8201,7 +10181,7 @@
               <p:nvPr/>
             </p:nvPicPr>
             <p:blipFill>
-              <a:blip r:embed="rId7">
+              <a:blip r:embed="rId6">
                 <a:extLst>
                   <a:ext uri="{28A0092B-C50C-407E-A947-70E740481C1C}">
                     <a14:useLocalDpi xmlns:a14="http://schemas.microsoft.com/office/drawing/2010/main" val="0"/>
@@ -8522,6 +10502,150 @@
           </p:style>
         </p:cxnSp>
       </p:grpSp>
+      <p:grpSp>
+        <p:nvGrpSpPr>
+          <p:cNvPr id="53" name="그룹 52"/>
+          <p:cNvGrpSpPr/>
+          <p:nvPr/>
+        </p:nvGrpSpPr>
+        <p:grpSpPr>
+          <a:xfrm>
+            <a:off x="2199600" y="2999044"/>
+            <a:ext cx="1256318" cy="1576799"/>
+            <a:chOff x="5440213" y="2999044"/>
+            <a:chExt cx="1256318" cy="1576799"/>
+          </a:xfrm>
+        </p:grpSpPr>
+        <p:sp>
+          <p:nvSpPr>
+            <p:cNvPr id="54" name="모서리가 둥근 직사각형 53"/>
+            <p:cNvSpPr/>
+            <p:nvPr/>
+          </p:nvSpPr>
+          <p:spPr>
+            <a:xfrm>
+              <a:off x="5440213" y="2999044"/>
+              <a:ext cx="1256318" cy="856520"/>
+            </a:xfrm>
+            <a:prstGeom prst="roundRect">
+              <a:avLst>
+                <a:gd name="adj" fmla="val 4464"/>
+              </a:avLst>
+            </a:prstGeom>
+            <a:solidFill>
+              <a:schemeClr val="bg1"/>
+            </a:solidFill>
+            <a:ln w="50800">
+              <a:solidFill>
+                <a:srgbClr val="4997D0"/>
+              </a:solidFill>
+            </a:ln>
+          </p:spPr>
+          <p:style>
+            <a:lnRef idx="2">
+              <a:schemeClr val="accent1">
+                <a:shade val="50000"/>
+              </a:schemeClr>
+            </a:lnRef>
+            <a:fillRef idx="1">
+              <a:schemeClr val="accent1"/>
+            </a:fillRef>
+            <a:effectRef idx="0">
+              <a:schemeClr val="accent1"/>
+            </a:effectRef>
+            <a:fontRef idx="minor">
+              <a:schemeClr val="lt1"/>
+            </a:fontRef>
+          </p:style>
+          <p:txBody>
+            <a:bodyPr rtlCol="0" anchor="ctr"/>
+            <a:lstStyle/>
+            <a:p>
+              <a:pPr algn="ctr"/>
+              <a:endParaRPr lang="ko-KR" altLang="en-US"/>
+            </a:p>
+          </p:txBody>
+        </p:sp>
+        <p:sp>
+          <p:nvSpPr>
+            <p:cNvPr id="55" name="TextBox 54"/>
+            <p:cNvSpPr txBox="1">
+              <a:spLocks/>
+            </p:cNvSpPr>
+            <p:nvPr/>
+          </p:nvSpPr>
+          <p:spPr>
+            <a:xfrm>
+              <a:off x="5717848" y="3929512"/>
+              <a:ext cx="701048" cy="646331"/>
+            </a:xfrm>
+            <a:prstGeom prst="rect">
+              <a:avLst/>
+            </a:prstGeom>
+            <a:noFill/>
+          </p:spPr>
+          <p:txBody>
+            <a:bodyPr wrap="square" rtlCol="0" anchor="ctr">
+              <a:spAutoFit/>
+            </a:bodyPr>
+            <a:lstStyle/>
+            <a:p>
+              <a:pPr algn="ctr"/>
+              <a:r>
+                <a:rPr lang="en-US" altLang="ko-KR" b="1" dirty="0" smtClean="0">
+                  <a:latin typeface="나눔스퀘어" panose="020B0600000101010101" pitchFamily="50" charset="-127"/>
+                  <a:ea typeface="나눔스퀘어" panose="020B0600000101010101" pitchFamily="50" charset="-127"/>
+                </a:rPr>
+                <a:t>API</a:t>
+              </a:r>
+            </a:p>
+            <a:p>
+              <a:pPr algn="ctr"/>
+              <a:r>
+                <a:rPr lang="en-US" altLang="ko-KR" b="1" dirty="0" smtClean="0">
+                  <a:latin typeface="나눔스퀘어" panose="020B0600000101010101" pitchFamily="50" charset="-127"/>
+                  <a:ea typeface="나눔스퀘어" panose="020B0600000101010101" pitchFamily="50" charset="-127"/>
+                </a:rPr>
+                <a:t>G/W</a:t>
+              </a:r>
+              <a:endParaRPr lang="ko-KR" altLang="en-US" b="1" dirty="0">
+                <a:latin typeface="나눔스퀘어" panose="020B0600000101010101" pitchFamily="50" charset="-127"/>
+                <a:ea typeface="나눔스퀘어" panose="020B0600000101010101" pitchFamily="50" charset="-127"/>
+              </a:endParaRPr>
+            </a:p>
+          </p:txBody>
+        </p:sp>
+        <p:pic>
+          <p:nvPicPr>
+            <p:cNvPr id="58" name="그림 57"/>
+            <p:cNvPicPr>
+              <a:picLocks noChangeAspect="1"/>
+            </p:cNvPicPr>
+            <p:nvPr/>
+          </p:nvPicPr>
+          <p:blipFill>
+            <a:blip r:embed="rId7" cstate="print">
+              <a:extLst>
+                <a:ext uri="{28A0092B-C50C-407E-A947-70E740481C1C}">
+                  <a14:useLocalDpi xmlns:a14="http://schemas.microsoft.com/office/drawing/2010/main" val="0"/>
+                </a:ext>
+              </a:extLst>
+            </a:blip>
+            <a:stretch>
+              <a:fillRect/>
+            </a:stretch>
+          </p:blipFill>
+          <p:spPr>
+            <a:xfrm>
+              <a:off x="5737836" y="3189698"/>
+              <a:ext cx="656770" cy="486571"/>
+            </a:xfrm>
+            <a:prstGeom prst="rect">
+              <a:avLst/>
+            </a:prstGeom>
+          </p:spPr>
+        </p:pic>
+      </p:grpSp>
     </p:spTree>
     <p:extLst>
       <p:ext uri="{BB962C8B-B14F-4D97-AF65-F5344CB8AC3E}">
@@ -8559,10 +10683,365 @@
           <a:chExt cx="0" cy="0"/>
         </a:xfrm>
       </p:grpSpPr>
+      <p:sp>
+        <p:nvSpPr>
+          <p:cNvPr id="4" name="타원 3"/>
+          <p:cNvSpPr/>
+          <p:nvPr/>
+        </p:nvSpPr>
+        <p:spPr>
+          <a:xfrm>
+            <a:off x="2855640" y="3429000"/>
+            <a:ext cx="2026763" cy="2026763"/>
+          </a:xfrm>
+          <a:prstGeom prst="ellipse">
+            <a:avLst/>
+          </a:prstGeom>
+          <a:solidFill>
+            <a:schemeClr val="bg1"/>
+          </a:solidFill>
+          <a:ln w="50800">
+            <a:solidFill>
+              <a:schemeClr val="accent6"/>
+            </a:solidFill>
+          </a:ln>
+        </p:spPr>
+        <p:style>
+          <a:lnRef idx="2">
+            <a:schemeClr val="accent1">
+              <a:shade val="50000"/>
+            </a:schemeClr>
+          </a:lnRef>
+          <a:fillRef idx="1">
+            <a:schemeClr val="accent1"/>
+          </a:fillRef>
+          <a:effectRef idx="0">
+            <a:schemeClr val="accent1"/>
+          </a:effectRef>
+          <a:fontRef idx="minor">
+            <a:schemeClr val="lt1"/>
+          </a:fontRef>
+        </p:style>
+        <p:txBody>
+          <a:bodyPr rtlCol="0" anchor="ctr"/>
+          <a:lstStyle/>
+          <a:p>
+            <a:pPr algn="ctr"/>
+            <a:r>
+              <a:rPr lang="ko-KR" altLang="en-US" dirty="0" smtClean="0">
+                <a:solidFill>
+                  <a:schemeClr val="tx1"/>
+                </a:solidFill>
+              </a:rPr>
+              <a:t>이용자 감소</a:t>
+            </a:r>
+            <a:endParaRPr lang="ko-KR" altLang="en-US" dirty="0">
+              <a:solidFill>
+                <a:schemeClr val="tx1"/>
+              </a:solidFill>
+            </a:endParaRPr>
+          </a:p>
+        </p:txBody>
+      </p:sp>
+      <p:sp>
+        <p:nvSpPr>
+          <p:cNvPr id="5" name="타원 4"/>
+          <p:cNvSpPr/>
+          <p:nvPr/>
+        </p:nvSpPr>
+        <p:spPr>
+          <a:xfrm>
+            <a:off x="4367808" y="980728"/>
+            <a:ext cx="2026763" cy="2026763"/>
+          </a:xfrm>
+          <a:prstGeom prst="ellipse">
+            <a:avLst/>
+          </a:prstGeom>
+          <a:solidFill>
+            <a:schemeClr val="bg1"/>
+          </a:solidFill>
+          <a:ln w="50800">
+            <a:solidFill>
+              <a:schemeClr val="accent6"/>
+            </a:solidFill>
+          </a:ln>
+        </p:spPr>
+        <p:style>
+          <a:lnRef idx="2">
+            <a:schemeClr val="accent1">
+              <a:shade val="50000"/>
+            </a:schemeClr>
+          </a:lnRef>
+          <a:fillRef idx="1">
+            <a:schemeClr val="accent1"/>
+          </a:fillRef>
+          <a:effectRef idx="0">
+            <a:schemeClr val="accent1"/>
+          </a:effectRef>
+          <a:fontRef idx="minor">
+            <a:schemeClr val="lt1"/>
+          </a:fontRef>
+        </p:style>
+        <p:txBody>
+          <a:bodyPr rtlCol="0" anchor="ctr"/>
+          <a:lstStyle/>
+          <a:p>
+            <a:pPr algn="ctr"/>
+            <a:r>
+              <a:rPr lang="ko-KR" altLang="en-US" dirty="0" smtClean="0">
+                <a:solidFill>
+                  <a:schemeClr val="tx1"/>
+                </a:solidFill>
+              </a:rPr>
+              <a:t>광고 증가</a:t>
+            </a:r>
+            <a:endParaRPr lang="ko-KR" altLang="en-US" dirty="0">
+              <a:solidFill>
+                <a:schemeClr val="tx1"/>
+              </a:solidFill>
+            </a:endParaRPr>
+          </a:p>
+        </p:txBody>
+      </p:sp>
+      <p:sp>
+        <p:nvSpPr>
+          <p:cNvPr id="6" name="타원 5"/>
+          <p:cNvSpPr/>
+          <p:nvPr/>
+        </p:nvSpPr>
+        <p:spPr>
+          <a:xfrm>
+            <a:off x="5879975" y="3429000"/>
+            <a:ext cx="2026763" cy="2026763"/>
+          </a:xfrm>
+          <a:prstGeom prst="ellipse">
+            <a:avLst/>
+          </a:prstGeom>
+          <a:solidFill>
+            <a:schemeClr val="bg1"/>
+          </a:solidFill>
+          <a:ln w="50800">
+            <a:solidFill>
+              <a:schemeClr val="accent6"/>
+            </a:solidFill>
+          </a:ln>
+        </p:spPr>
+        <p:style>
+          <a:lnRef idx="2">
+            <a:schemeClr val="accent1">
+              <a:shade val="50000"/>
+            </a:schemeClr>
+          </a:lnRef>
+          <a:fillRef idx="1">
+            <a:schemeClr val="accent1"/>
+          </a:fillRef>
+          <a:effectRef idx="0">
+            <a:schemeClr val="accent1"/>
+          </a:effectRef>
+          <a:fontRef idx="minor">
+            <a:schemeClr val="lt1"/>
+          </a:fontRef>
+        </p:style>
+        <p:txBody>
+          <a:bodyPr rtlCol="0" anchor="ctr"/>
+          <a:lstStyle/>
+          <a:p>
+            <a:pPr algn="ctr"/>
+            <a:r>
+              <a:rPr lang="ko-KR" altLang="en-US" dirty="0" err="1" smtClean="0">
+                <a:solidFill>
+                  <a:schemeClr val="tx1"/>
+                </a:solidFill>
+              </a:rPr>
+              <a:t>가독성</a:t>
+            </a:r>
+            <a:r>
+              <a:rPr lang="ko-KR" altLang="en-US" dirty="0" smtClean="0">
+                <a:solidFill>
+                  <a:schemeClr val="tx1"/>
+                </a:solidFill>
+              </a:rPr>
+              <a:t> 저하</a:t>
+            </a:r>
+            <a:endParaRPr lang="ko-KR" altLang="en-US" dirty="0">
+              <a:solidFill>
+                <a:schemeClr val="tx1"/>
+              </a:solidFill>
+            </a:endParaRPr>
+          </a:p>
+        </p:txBody>
+      </p:sp>
+      <p:cxnSp>
+        <p:nvCxnSpPr>
+          <p:cNvPr id="15" name="직선 화살표 연결선 14"/>
+          <p:cNvCxnSpPr/>
+          <p:nvPr/>
+        </p:nvCxnSpPr>
+        <p:spPr>
+          <a:xfrm>
+            <a:off x="6007830" y="2952096"/>
+            <a:ext cx="386741" cy="386741"/>
+          </a:xfrm>
+          <a:prstGeom prst="straightConnector1">
+            <a:avLst/>
+          </a:prstGeom>
+          <a:ln w="50800">
+            <a:solidFill>
+              <a:schemeClr val="tx1"/>
+            </a:solidFill>
+            <a:tailEnd type="triangle"/>
+          </a:ln>
+        </p:spPr>
+        <p:style>
+          <a:lnRef idx="1">
+            <a:schemeClr val="accent1"/>
+          </a:lnRef>
+          <a:fillRef idx="0">
+            <a:schemeClr val="accent1"/>
+          </a:fillRef>
+          <a:effectRef idx="0">
+            <a:schemeClr val="accent1"/>
+          </a:effectRef>
+          <a:fontRef idx="minor">
+            <a:schemeClr val="tx1"/>
+          </a:fontRef>
+        </p:style>
+      </p:cxnSp>
+      <p:cxnSp>
+        <p:nvCxnSpPr>
+          <p:cNvPr id="20" name="직선 화살표 연결선 19"/>
+          <p:cNvCxnSpPr/>
+          <p:nvPr/>
+        </p:nvCxnSpPr>
+        <p:spPr>
+          <a:xfrm flipH="1">
+            <a:off x="5109389" y="4442380"/>
+            <a:ext cx="543600" cy="0"/>
+          </a:xfrm>
+          <a:prstGeom prst="straightConnector1">
+            <a:avLst/>
+          </a:prstGeom>
+          <a:ln w="50800">
+            <a:solidFill>
+              <a:schemeClr val="tx1"/>
+            </a:solidFill>
+            <a:tailEnd type="triangle"/>
+          </a:ln>
+        </p:spPr>
+        <p:style>
+          <a:lnRef idx="1">
+            <a:schemeClr val="accent1"/>
+          </a:lnRef>
+          <a:fillRef idx="0">
+            <a:schemeClr val="accent1"/>
+          </a:fillRef>
+          <a:effectRef idx="0">
+            <a:schemeClr val="accent1"/>
+          </a:effectRef>
+          <a:fontRef idx="minor">
+            <a:schemeClr val="tx1"/>
+          </a:fontRef>
+        </p:style>
+      </p:cxnSp>
+      <p:cxnSp>
+        <p:nvCxnSpPr>
+          <p:cNvPr id="22" name="직선 화살표 연결선 21"/>
+          <p:cNvCxnSpPr/>
+          <p:nvPr/>
+        </p:nvCxnSpPr>
+        <p:spPr>
+          <a:xfrm flipV="1">
+            <a:off x="4367808" y="2953637"/>
+            <a:ext cx="385200" cy="385200"/>
+          </a:xfrm>
+          <a:prstGeom prst="straightConnector1">
+            <a:avLst/>
+          </a:prstGeom>
+          <a:ln w="50800">
+            <a:solidFill>
+              <a:schemeClr val="tx1"/>
+            </a:solidFill>
+            <a:tailEnd type="triangle"/>
+          </a:ln>
+        </p:spPr>
+        <p:style>
+          <a:lnRef idx="1">
+            <a:schemeClr val="accent1"/>
+          </a:lnRef>
+          <a:fillRef idx="0">
+            <a:schemeClr val="accent1"/>
+          </a:fillRef>
+          <a:effectRef idx="0">
+            <a:schemeClr val="accent1"/>
+          </a:effectRef>
+          <a:fontRef idx="minor">
+            <a:schemeClr val="tx1"/>
+          </a:fontRef>
+        </p:style>
+      </p:cxnSp>
     </p:spTree>
     <p:extLst>
       <p:ext uri="{BB962C8B-B14F-4D97-AF65-F5344CB8AC3E}">
         <p14:creationId xmlns:p14="http://schemas.microsoft.com/office/powerpoint/2010/main" val="262071028"/>
+      </p:ext>
+    </p:extLst>
+  </p:cSld>
+  <p:clrMapOvr>
+    <a:masterClrMapping/>
+  </p:clrMapOvr>
+  <p:timing>
+    <p:tnLst>
+      <p:par>
+        <p:cTn id="1" dur="indefinite" restart="never" nodeType="tmRoot"/>
+      </p:par>
+    </p:tnLst>
+  </p:timing>
+</p:sld>
+</file>
+
+<file path=ppt/slides/slide9.xml><?xml version="1.0" encoding="utf-8"?>
+<p:sld xmlns:a="http://schemas.openxmlformats.org/drawingml/2006/main" xmlns:r="http://schemas.openxmlformats.org/officeDocument/2006/relationships" xmlns:p="http://schemas.openxmlformats.org/presentationml/2006/main">
+  <p:cSld>
+    <p:spTree>
+      <p:nvGrpSpPr>
+        <p:cNvPr id="1" name=""/>
+        <p:cNvGrpSpPr/>
+        <p:nvPr/>
+      </p:nvGrpSpPr>
+      <p:grpSpPr>
+        <a:xfrm>
+          <a:off x="0" y="0"/>
+          <a:ext cx="0" cy="0"/>
+          <a:chOff x="0" y="0"/>
+          <a:chExt cx="0" cy="0"/>
+        </a:xfrm>
+      </p:grpSpPr>
+      <p:graphicFrame>
+        <p:nvGraphicFramePr>
+          <p:cNvPr id="6" name="차트 5"/>
+          <p:cNvGraphicFramePr/>
+          <p:nvPr>
+            <p:extLst>
+              <p:ext uri="{D42A27DB-BD31-4B8C-83A1-F6EECF244321}">
+                <p14:modId xmlns:p14="http://schemas.microsoft.com/office/powerpoint/2010/main" val="581783413"/>
+              </p:ext>
+            </p:extLst>
+          </p:nvPr>
+        </p:nvGraphicFramePr>
+        <p:xfrm>
+          <a:off x="2032000" y="719666"/>
+          <a:ext cx="8128000" cy="5418667"/>
+        </p:xfrm>
+        <a:graphic>
+          <a:graphicData uri="http://schemas.openxmlformats.org/drawingml/2006/chart">
+            <c:chart xmlns:c="http://schemas.openxmlformats.org/drawingml/2006/chart" xmlns:r="http://schemas.openxmlformats.org/officeDocument/2006/relationships" r:id="rId2"/>
+          </a:graphicData>
+        </a:graphic>
+      </p:graphicFrame>
+    </p:spTree>
+    <p:extLst>
+      <p:ext uri="{BB962C8B-B14F-4D97-AF65-F5344CB8AC3E}">
+        <p14:creationId xmlns:p14="http://schemas.microsoft.com/office/powerpoint/2010/main" val="2523697594"/>
       </p:ext>
     </p:extLst>
   </p:cSld>
